--- a/Fallstudie/Zwischenpräsentation.pptx
+++ b/Fallstudie/Zwischenpräsentation.pptx
@@ -5,10 +5,10 @@
     <p:sldMasterId id="2147483648" r:id="rId1"/>
   </p:sldMasterIdLst>
   <p:notesMasterIdLst>
-    <p:notesMasterId r:id="rId10"/>
+    <p:notesMasterId r:id="rId16"/>
   </p:notesMasterIdLst>
   <p:handoutMasterIdLst>
-    <p:handoutMasterId r:id="rId11"/>
+    <p:handoutMasterId r:id="rId17"/>
   </p:handoutMasterIdLst>
   <p:sldIdLst>
     <p:sldId id="257" r:id="rId2"/>
@@ -17,8 +17,14 @@
     <p:sldId id="260" r:id="rId5"/>
     <p:sldId id="264" r:id="rId6"/>
     <p:sldId id="263" r:id="rId7"/>
-    <p:sldId id="265" r:id="rId8"/>
-    <p:sldId id="266" r:id="rId9"/>
+    <p:sldId id="272" r:id="rId8"/>
+    <p:sldId id="265" r:id="rId9"/>
+    <p:sldId id="268" r:id="rId10"/>
+    <p:sldId id="269" r:id="rId11"/>
+    <p:sldId id="270" r:id="rId12"/>
+    <p:sldId id="271" r:id="rId13"/>
+    <p:sldId id="267" r:id="rId14"/>
+    <p:sldId id="266" r:id="rId15"/>
   </p:sldIdLst>
   <p:sldSz cx="12192000" cy="6858000"/>
   <p:notesSz cx="6858000" cy="9144000"/>
@@ -245,7 +251,7 @@
             <a:pPr rtl="0"/>
             <a:fld id="{C3565ABF-7DEC-4ADF-BFD3-D6A26056D92F}" type="datetime1">
               <a:rPr lang="de-DE" smtClean="0"/>
-              <a:t>08.10.2021</a:t>
+              <a:t>10.10.2021</a:t>
             </a:fld>
             <a:endParaRPr lang="de-DE" dirty="0"/>
           </a:p>
@@ -426,7 +432,7 @@
             <a:fld id="{2AA45D96-2ECE-421E-8B9B-011F64847CD9}" type="datetime1">
               <a:rPr lang="de-DE" smtClean="0"/>
               <a:pPr/>
-              <a:t>08.10.2021</a:t>
+              <a:t>10.10.2021</a:t>
             </a:fld>
             <a:endParaRPr lang="de-DE" dirty="0"/>
           </a:p>
@@ -773,6 +779,350 @@
     <p:extLst>
       <p:ext uri="{BB962C8B-B14F-4D97-AF65-F5344CB8AC3E}">
         <p14:creationId xmlns:p14="http://schemas.microsoft.com/office/powerpoint/2010/main" val="1511377620"/>
+      </p:ext>
+    </p:extLst>
+  </p:cSld>
+  <p:clrMapOvr>
+    <a:masterClrMapping/>
+  </p:clrMapOvr>
+</p:notes>
+</file>
+
+<file path=ppt/notesSlides/notesSlide10.xml><?xml version="1.0" encoding="utf-8"?>
+<p:notes xmlns:a="http://schemas.openxmlformats.org/drawingml/2006/main" xmlns:r="http://schemas.openxmlformats.org/officeDocument/2006/relationships" xmlns:p="http://schemas.openxmlformats.org/presentationml/2006/main">
+  <p:cSld>
+    <p:spTree>
+      <p:nvGrpSpPr>
+        <p:cNvPr id="1" name=""/>
+        <p:cNvGrpSpPr/>
+        <p:nvPr/>
+      </p:nvGrpSpPr>
+      <p:grpSpPr>
+        <a:xfrm>
+          <a:off x="0" y="0"/>
+          <a:ext cx="0" cy="0"/>
+          <a:chOff x="0" y="0"/>
+          <a:chExt cx="0" cy="0"/>
+        </a:xfrm>
+      </p:grpSpPr>
+      <p:sp>
+        <p:nvSpPr>
+          <p:cNvPr id="2" name="Folienbildplatzhalter 1"/>
+          <p:cNvSpPr>
+            <a:spLocks noGrp="1" noRot="1" noChangeAspect="1"/>
+          </p:cNvSpPr>
+          <p:nvPr>
+            <p:ph type="sldImg"/>
+          </p:nvPr>
+        </p:nvSpPr>
+        <p:spPr/>
+      </p:sp>
+      <p:sp>
+        <p:nvSpPr>
+          <p:cNvPr id="3" name="Notizenplatzhalter 2"/>
+          <p:cNvSpPr>
+            <a:spLocks noGrp="1"/>
+          </p:cNvSpPr>
+          <p:nvPr>
+            <p:ph type="body" idx="1"/>
+          </p:nvPr>
+        </p:nvSpPr>
+        <p:spPr/>
+        <p:txBody>
+          <a:bodyPr rtlCol="0"/>
+          <a:lstStyle/>
+          <a:p>
+            <a:pPr rtl="0"/>
+            <a:endParaRPr lang="de-DE" dirty="0"/>
+          </a:p>
+        </p:txBody>
+      </p:sp>
+      <p:sp>
+        <p:nvSpPr>
+          <p:cNvPr id="4" name="Foliennummernplatzhalter 3"/>
+          <p:cNvSpPr>
+            <a:spLocks noGrp="1"/>
+          </p:cNvSpPr>
+          <p:nvPr>
+            <p:ph type="sldNum" sz="quarter" idx="10"/>
+          </p:nvPr>
+        </p:nvSpPr>
+        <p:spPr/>
+        <p:txBody>
+          <a:bodyPr rtlCol="0"/>
+          <a:lstStyle/>
+          <a:p>
+            <a:pPr rtl="0"/>
+            <a:fld id="{6DF8F48A-6110-47DA-8521-A1D1FFD22FEF}" type="slidenum">
+              <a:rPr lang="de-DE" smtClean="0"/>
+              <a:t>10</a:t>
+            </a:fld>
+            <a:endParaRPr lang="de-DE" dirty="0"/>
+          </a:p>
+        </p:txBody>
+      </p:sp>
+    </p:spTree>
+    <p:extLst>
+      <p:ext uri="{BB962C8B-B14F-4D97-AF65-F5344CB8AC3E}">
+        <p14:creationId xmlns:p14="http://schemas.microsoft.com/office/powerpoint/2010/main" val="3341910012"/>
+      </p:ext>
+    </p:extLst>
+  </p:cSld>
+  <p:clrMapOvr>
+    <a:masterClrMapping/>
+  </p:clrMapOvr>
+</p:notes>
+</file>
+
+<file path=ppt/notesSlides/notesSlide11.xml><?xml version="1.0" encoding="utf-8"?>
+<p:notes xmlns:a="http://schemas.openxmlformats.org/drawingml/2006/main" xmlns:r="http://schemas.openxmlformats.org/officeDocument/2006/relationships" xmlns:p="http://schemas.openxmlformats.org/presentationml/2006/main">
+  <p:cSld>
+    <p:spTree>
+      <p:nvGrpSpPr>
+        <p:cNvPr id="1" name=""/>
+        <p:cNvGrpSpPr/>
+        <p:nvPr/>
+      </p:nvGrpSpPr>
+      <p:grpSpPr>
+        <a:xfrm>
+          <a:off x="0" y="0"/>
+          <a:ext cx="0" cy="0"/>
+          <a:chOff x="0" y="0"/>
+          <a:chExt cx="0" cy="0"/>
+        </a:xfrm>
+      </p:grpSpPr>
+      <p:sp>
+        <p:nvSpPr>
+          <p:cNvPr id="2" name="Folienbildplatzhalter 1"/>
+          <p:cNvSpPr>
+            <a:spLocks noGrp="1" noRot="1" noChangeAspect="1"/>
+          </p:cNvSpPr>
+          <p:nvPr>
+            <p:ph type="sldImg"/>
+          </p:nvPr>
+        </p:nvSpPr>
+        <p:spPr/>
+      </p:sp>
+      <p:sp>
+        <p:nvSpPr>
+          <p:cNvPr id="3" name="Notizenplatzhalter 2"/>
+          <p:cNvSpPr>
+            <a:spLocks noGrp="1"/>
+          </p:cNvSpPr>
+          <p:nvPr>
+            <p:ph type="body" idx="1"/>
+          </p:nvPr>
+        </p:nvSpPr>
+        <p:spPr/>
+        <p:txBody>
+          <a:bodyPr rtlCol="0"/>
+          <a:lstStyle/>
+          <a:p>
+            <a:pPr rtl="0"/>
+            <a:endParaRPr lang="de-DE" dirty="0"/>
+          </a:p>
+        </p:txBody>
+      </p:sp>
+      <p:sp>
+        <p:nvSpPr>
+          <p:cNvPr id="4" name="Foliennummernplatzhalter 3"/>
+          <p:cNvSpPr>
+            <a:spLocks noGrp="1"/>
+          </p:cNvSpPr>
+          <p:nvPr>
+            <p:ph type="sldNum" sz="quarter" idx="10"/>
+          </p:nvPr>
+        </p:nvSpPr>
+        <p:spPr/>
+        <p:txBody>
+          <a:bodyPr rtlCol="0"/>
+          <a:lstStyle/>
+          <a:p>
+            <a:pPr rtl="0"/>
+            <a:fld id="{6DF8F48A-6110-47DA-8521-A1D1FFD22FEF}" type="slidenum">
+              <a:rPr lang="de-DE" smtClean="0"/>
+              <a:t>11</a:t>
+            </a:fld>
+            <a:endParaRPr lang="de-DE" dirty="0"/>
+          </a:p>
+        </p:txBody>
+      </p:sp>
+    </p:spTree>
+    <p:extLst>
+      <p:ext uri="{BB962C8B-B14F-4D97-AF65-F5344CB8AC3E}">
+        <p14:creationId xmlns:p14="http://schemas.microsoft.com/office/powerpoint/2010/main" val="3548329101"/>
+      </p:ext>
+    </p:extLst>
+  </p:cSld>
+  <p:clrMapOvr>
+    <a:masterClrMapping/>
+  </p:clrMapOvr>
+</p:notes>
+</file>
+
+<file path=ppt/notesSlides/notesSlide12.xml><?xml version="1.0" encoding="utf-8"?>
+<p:notes xmlns:a="http://schemas.openxmlformats.org/drawingml/2006/main" xmlns:r="http://schemas.openxmlformats.org/officeDocument/2006/relationships" xmlns:p="http://schemas.openxmlformats.org/presentationml/2006/main">
+  <p:cSld>
+    <p:spTree>
+      <p:nvGrpSpPr>
+        <p:cNvPr id="1" name=""/>
+        <p:cNvGrpSpPr/>
+        <p:nvPr/>
+      </p:nvGrpSpPr>
+      <p:grpSpPr>
+        <a:xfrm>
+          <a:off x="0" y="0"/>
+          <a:ext cx="0" cy="0"/>
+          <a:chOff x="0" y="0"/>
+          <a:chExt cx="0" cy="0"/>
+        </a:xfrm>
+      </p:grpSpPr>
+      <p:sp>
+        <p:nvSpPr>
+          <p:cNvPr id="2" name="Folienbildplatzhalter 1"/>
+          <p:cNvSpPr>
+            <a:spLocks noGrp="1" noRot="1" noChangeAspect="1"/>
+          </p:cNvSpPr>
+          <p:nvPr>
+            <p:ph type="sldImg"/>
+          </p:nvPr>
+        </p:nvSpPr>
+        <p:spPr/>
+      </p:sp>
+      <p:sp>
+        <p:nvSpPr>
+          <p:cNvPr id="3" name="Notizenplatzhalter 2"/>
+          <p:cNvSpPr>
+            <a:spLocks noGrp="1"/>
+          </p:cNvSpPr>
+          <p:nvPr>
+            <p:ph type="body" idx="1"/>
+          </p:nvPr>
+        </p:nvSpPr>
+        <p:spPr/>
+        <p:txBody>
+          <a:bodyPr rtlCol="0"/>
+          <a:lstStyle/>
+          <a:p>
+            <a:pPr rtl="0"/>
+            <a:endParaRPr lang="de-DE" dirty="0"/>
+          </a:p>
+        </p:txBody>
+      </p:sp>
+      <p:sp>
+        <p:nvSpPr>
+          <p:cNvPr id="4" name="Foliennummernplatzhalter 3"/>
+          <p:cNvSpPr>
+            <a:spLocks noGrp="1"/>
+          </p:cNvSpPr>
+          <p:nvPr>
+            <p:ph type="sldNum" sz="quarter" idx="10"/>
+          </p:nvPr>
+        </p:nvSpPr>
+        <p:spPr/>
+        <p:txBody>
+          <a:bodyPr rtlCol="0"/>
+          <a:lstStyle/>
+          <a:p>
+            <a:pPr rtl="0"/>
+            <a:fld id="{6DF8F48A-6110-47DA-8521-A1D1FFD22FEF}" type="slidenum">
+              <a:rPr lang="de-DE" smtClean="0"/>
+              <a:t>12</a:t>
+            </a:fld>
+            <a:endParaRPr lang="de-DE" dirty="0"/>
+          </a:p>
+        </p:txBody>
+      </p:sp>
+    </p:spTree>
+    <p:extLst>
+      <p:ext uri="{BB962C8B-B14F-4D97-AF65-F5344CB8AC3E}">
+        <p14:creationId xmlns:p14="http://schemas.microsoft.com/office/powerpoint/2010/main" val="867998062"/>
+      </p:ext>
+    </p:extLst>
+  </p:cSld>
+  <p:clrMapOvr>
+    <a:masterClrMapping/>
+  </p:clrMapOvr>
+</p:notes>
+</file>
+
+<file path=ppt/notesSlides/notesSlide13.xml><?xml version="1.0" encoding="utf-8"?>
+<p:notes xmlns:a="http://schemas.openxmlformats.org/drawingml/2006/main" xmlns:r="http://schemas.openxmlformats.org/officeDocument/2006/relationships" xmlns:p="http://schemas.openxmlformats.org/presentationml/2006/main">
+  <p:cSld>
+    <p:spTree>
+      <p:nvGrpSpPr>
+        <p:cNvPr id="1" name=""/>
+        <p:cNvGrpSpPr/>
+        <p:nvPr/>
+      </p:nvGrpSpPr>
+      <p:grpSpPr>
+        <a:xfrm>
+          <a:off x="0" y="0"/>
+          <a:ext cx="0" cy="0"/>
+          <a:chOff x="0" y="0"/>
+          <a:chExt cx="0" cy="0"/>
+        </a:xfrm>
+      </p:grpSpPr>
+      <p:sp>
+        <p:nvSpPr>
+          <p:cNvPr id="2" name="Folienbildplatzhalter 1"/>
+          <p:cNvSpPr>
+            <a:spLocks noGrp="1" noRot="1" noChangeAspect="1"/>
+          </p:cNvSpPr>
+          <p:nvPr>
+            <p:ph type="sldImg"/>
+          </p:nvPr>
+        </p:nvSpPr>
+        <p:spPr/>
+      </p:sp>
+      <p:sp>
+        <p:nvSpPr>
+          <p:cNvPr id="3" name="Notizenplatzhalter 2"/>
+          <p:cNvSpPr>
+            <a:spLocks noGrp="1"/>
+          </p:cNvSpPr>
+          <p:nvPr>
+            <p:ph type="body" idx="1"/>
+          </p:nvPr>
+        </p:nvSpPr>
+        <p:spPr/>
+        <p:txBody>
+          <a:bodyPr rtlCol="0"/>
+          <a:lstStyle/>
+          <a:p>
+            <a:pPr rtl="0"/>
+            <a:endParaRPr lang="de-DE" dirty="0"/>
+          </a:p>
+        </p:txBody>
+      </p:sp>
+      <p:sp>
+        <p:nvSpPr>
+          <p:cNvPr id="4" name="Foliennummernplatzhalter 3"/>
+          <p:cNvSpPr>
+            <a:spLocks noGrp="1"/>
+          </p:cNvSpPr>
+          <p:nvPr>
+            <p:ph type="sldNum" sz="quarter" idx="5"/>
+          </p:nvPr>
+        </p:nvSpPr>
+        <p:spPr/>
+        <p:txBody>
+          <a:bodyPr rtlCol="0"/>
+          <a:lstStyle/>
+          <a:p>
+            <a:pPr rtl="0"/>
+            <a:fld id="{6DF8F48A-6110-47DA-8521-A1D1FFD22FEF}" type="slidenum">
+              <a:rPr lang="de-DE" smtClean="0"/>
+              <a:t>14</a:t>
+            </a:fld>
+            <a:endParaRPr lang="de-DE" dirty="0"/>
+          </a:p>
+        </p:txBody>
+      </p:sp>
+    </p:spTree>
+    <p:extLst>
+      <p:ext uri="{BB962C8B-B14F-4D97-AF65-F5344CB8AC3E}">
+        <p14:creationId xmlns:p14="http://schemas.microsoft.com/office/powerpoint/2010/main" val="3690047659"/>
       </p:ext>
     </p:extLst>
   </p:cSld>
@@ -1291,7 +1641,7 @@
     </p:spTree>
     <p:extLst>
       <p:ext uri="{BB962C8B-B14F-4D97-AF65-F5344CB8AC3E}">
-        <p14:creationId xmlns:p14="http://schemas.microsoft.com/office/powerpoint/2010/main" val="1857885539"/>
+        <p14:creationId xmlns:p14="http://schemas.microsoft.com/office/powerpoint/2010/main" val="3878563404"/>
       </p:ext>
     </p:extLst>
   </p:cSld>
@@ -1357,7 +1707,7 @@
             <a:spLocks noGrp="1"/>
           </p:cNvSpPr>
           <p:nvPr>
-            <p:ph type="sldNum" sz="quarter" idx="5"/>
+            <p:ph type="sldNum" sz="quarter" idx="10"/>
           </p:nvPr>
         </p:nvSpPr>
         <p:spPr/>
@@ -1377,7 +1727,93 @@
     </p:spTree>
     <p:extLst>
       <p:ext uri="{BB962C8B-B14F-4D97-AF65-F5344CB8AC3E}">
-        <p14:creationId xmlns:p14="http://schemas.microsoft.com/office/powerpoint/2010/main" val="3690047659"/>
+        <p14:creationId xmlns:p14="http://schemas.microsoft.com/office/powerpoint/2010/main" val="1857885539"/>
+      </p:ext>
+    </p:extLst>
+  </p:cSld>
+  <p:clrMapOvr>
+    <a:masterClrMapping/>
+  </p:clrMapOvr>
+</p:notes>
+</file>
+
+<file path=ppt/notesSlides/notesSlide9.xml><?xml version="1.0" encoding="utf-8"?>
+<p:notes xmlns:a="http://schemas.openxmlformats.org/drawingml/2006/main" xmlns:r="http://schemas.openxmlformats.org/officeDocument/2006/relationships" xmlns:p="http://schemas.openxmlformats.org/presentationml/2006/main">
+  <p:cSld>
+    <p:spTree>
+      <p:nvGrpSpPr>
+        <p:cNvPr id="1" name=""/>
+        <p:cNvGrpSpPr/>
+        <p:nvPr/>
+      </p:nvGrpSpPr>
+      <p:grpSpPr>
+        <a:xfrm>
+          <a:off x="0" y="0"/>
+          <a:ext cx="0" cy="0"/>
+          <a:chOff x="0" y="0"/>
+          <a:chExt cx="0" cy="0"/>
+        </a:xfrm>
+      </p:grpSpPr>
+      <p:sp>
+        <p:nvSpPr>
+          <p:cNvPr id="2" name="Folienbildplatzhalter 1"/>
+          <p:cNvSpPr>
+            <a:spLocks noGrp="1" noRot="1" noChangeAspect="1"/>
+          </p:cNvSpPr>
+          <p:nvPr>
+            <p:ph type="sldImg"/>
+          </p:nvPr>
+        </p:nvSpPr>
+        <p:spPr/>
+      </p:sp>
+      <p:sp>
+        <p:nvSpPr>
+          <p:cNvPr id="3" name="Notizenplatzhalter 2"/>
+          <p:cNvSpPr>
+            <a:spLocks noGrp="1"/>
+          </p:cNvSpPr>
+          <p:nvPr>
+            <p:ph type="body" idx="1"/>
+          </p:nvPr>
+        </p:nvSpPr>
+        <p:spPr/>
+        <p:txBody>
+          <a:bodyPr rtlCol="0"/>
+          <a:lstStyle/>
+          <a:p>
+            <a:pPr rtl="0"/>
+            <a:endParaRPr lang="de-DE" dirty="0"/>
+          </a:p>
+        </p:txBody>
+      </p:sp>
+      <p:sp>
+        <p:nvSpPr>
+          <p:cNvPr id="4" name="Foliennummernplatzhalter 3"/>
+          <p:cNvSpPr>
+            <a:spLocks noGrp="1"/>
+          </p:cNvSpPr>
+          <p:nvPr>
+            <p:ph type="sldNum" sz="quarter" idx="10"/>
+          </p:nvPr>
+        </p:nvSpPr>
+        <p:spPr/>
+        <p:txBody>
+          <a:bodyPr rtlCol="0"/>
+          <a:lstStyle/>
+          <a:p>
+            <a:pPr rtl="0"/>
+            <a:fld id="{6DF8F48A-6110-47DA-8521-A1D1FFD22FEF}" type="slidenum">
+              <a:rPr lang="de-DE" smtClean="0"/>
+              <a:t>9</a:t>
+            </a:fld>
+            <a:endParaRPr lang="de-DE" dirty="0"/>
+          </a:p>
+        </p:txBody>
+      </p:sp>
+    </p:spTree>
+    <p:extLst>
+      <p:ext uri="{BB962C8B-B14F-4D97-AF65-F5344CB8AC3E}">
+        <p14:creationId xmlns:p14="http://schemas.microsoft.com/office/powerpoint/2010/main" val="180759928"/>
       </p:ext>
     </p:extLst>
   </p:cSld>
@@ -1539,7 +1975,7 @@
             <a:pPr rtl="0"/>
             <a:fld id="{4D038C4D-F0FE-4529-A075-59C21BFA7031}" type="datetime1">
               <a:rPr lang="de-DE" noProof="0" smtClean="0"/>
-              <a:t>08.10.2021</a:t>
+              <a:t>10.10.2021</a:t>
             </a:fld>
             <a:endParaRPr lang="de-DE" noProof="0" dirty="0"/>
           </a:p>
@@ -1743,7 +2179,7 @@
             <a:pPr rtl="0"/>
             <a:fld id="{A833DDA1-E27D-4ECA-93B0-16D54FA9DAAF}" type="datetime1">
               <a:rPr lang="de-DE" noProof="0" smtClean="0"/>
-              <a:t>08.10.2021</a:t>
+              <a:t>10.10.2021</a:t>
             </a:fld>
             <a:endParaRPr lang="de-DE" noProof="0" dirty="0"/>
           </a:p>
@@ -1957,7 +2393,7 @@
             <a:pPr rtl="0"/>
             <a:fld id="{1926424D-AA09-4805-ADA6-8CE387DA22E9}" type="datetime1">
               <a:rPr lang="de-DE" noProof="0" smtClean="0"/>
-              <a:t>08.10.2021</a:t>
+              <a:t>10.10.2021</a:t>
             </a:fld>
             <a:endParaRPr lang="de-DE" noProof="0" dirty="0"/>
           </a:p>
@@ -2161,7 +2597,7 @@
             <a:pPr rtl="0"/>
             <a:fld id="{9F2647E0-0E53-4E68-9534-1EB8D4C256B0}" type="datetime1">
               <a:rPr lang="de-DE" noProof="0" smtClean="0"/>
-              <a:t>08.10.2021</a:t>
+              <a:t>10.10.2021</a:t>
             </a:fld>
             <a:endParaRPr lang="de-DE" noProof="0" dirty="0"/>
           </a:p>
@@ -2441,7 +2877,7 @@
             <a:pPr rtl="0"/>
             <a:fld id="{EC5EF036-4FBC-47B7-B3CB-037989AC4D13}" type="datetime1">
               <a:rPr lang="de-DE" noProof="0" smtClean="0"/>
-              <a:t>08.10.2021</a:t>
+              <a:t>10.10.2021</a:t>
             </a:fld>
             <a:endParaRPr lang="de-DE" noProof="0" dirty="0"/>
           </a:p>
@@ -2713,7 +3149,7 @@
             <a:pPr rtl="0"/>
             <a:fld id="{28360001-5ABC-48AB-AB23-C983B11F61B2}" type="datetime1">
               <a:rPr lang="de-DE" noProof="0" smtClean="0"/>
-              <a:t>08.10.2021</a:t>
+              <a:t>10.10.2021</a:t>
             </a:fld>
             <a:endParaRPr lang="de-DE" noProof="0" dirty="0"/>
           </a:p>
@@ -3132,7 +3568,7 @@
             <a:pPr rtl="0"/>
             <a:fld id="{8884F456-FF92-4E8D-84AB-CECDF9FC7651}" type="datetime1">
               <a:rPr lang="de-DE" noProof="0" smtClean="0"/>
-              <a:t>08.10.2021</a:t>
+              <a:t>10.10.2021</a:t>
             </a:fld>
             <a:endParaRPr lang="de-DE" noProof="0" dirty="0"/>
           </a:p>
@@ -3278,7 +3714,7 @@
             <a:pPr rtl="0"/>
             <a:fld id="{552924F9-5B21-4FB8-87E6-E6D7362CC6FE}" type="datetime1">
               <a:rPr lang="de-DE" noProof="0" smtClean="0"/>
-              <a:t>08.10.2021</a:t>
+              <a:t>10.10.2021</a:t>
             </a:fld>
             <a:endParaRPr lang="de-DE" noProof="0" dirty="0"/>
           </a:p>
@@ -3394,7 +3830,7 @@
             <a:pPr rtl="0"/>
             <a:fld id="{22470A65-A2CD-48C3-89E4-3FCD1E5FC291}" type="datetime1">
               <a:rPr lang="de-DE" noProof="0" smtClean="0"/>
-              <a:t>08.10.2021</a:t>
+              <a:t>10.10.2021</a:t>
             </a:fld>
             <a:endParaRPr lang="de-DE" noProof="0" dirty="0"/>
           </a:p>
@@ -3711,7 +4147,7 @@
             <a:pPr rtl="0"/>
             <a:fld id="{2D38AC3E-D575-45C9-B922-A7F3D0F89B8E}" type="datetime1">
               <a:rPr lang="de-DE" noProof="0" smtClean="0"/>
-              <a:t>08.10.2021</a:t>
+              <a:t>10.10.2021</a:t>
             </a:fld>
             <a:endParaRPr lang="de-DE" noProof="0" dirty="0"/>
           </a:p>
@@ -4009,7 +4445,7 @@
             <a:pPr rtl="0"/>
             <a:fld id="{6A829153-3AB7-45EB-B33A-A371F80BFAAB}" type="datetime1">
               <a:rPr lang="de-DE" noProof="0" smtClean="0"/>
-              <a:t>08.10.2021</a:t>
+              <a:t>10.10.2021</a:t>
             </a:fld>
             <a:endParaRPr lang="de-DE" noProof="0" dirty="0"/>
           </a:p>
@@ -4254,7 +4690,7 @@
             <a:pPr rtl="0"/>
             <a:fld id="{D93E3BA8-E6C4-4E40-B06D-CA593CE89D62}" type="datetime1">
               <a:rPr lang="de-DE" noProof="0" smtClean="0"/>
-              <a:t>08.10.2021</a:t>
+              <a:t>10.10.2021</a:t>
             </a:fld>
             <a:endParaRPr lang="de-DE" noProof="0" dirty="0"/>
           </a:p>
@@ -5471,6 +5907,1660 @@
     <p:extLst>
       <p:ext uri="{BB962C8B-B14F-4D97-AF65-F5344CB8AC3E}">
         <p14:creationId xmlns:p14="http://schemas.microsoft.com/office/powerpoint/2010/main" val="3254356326"/>
+      </p:ext>
+    </p:extLst>
+  </p:cSld>
+  <p:clrMapOvr>
+    <a:masterClrMapping/>
+  </p:clrMapOvr>
+</p:sld>
+</file>
+
+<file path=ppt/slides/slide10.xml><?xml version="1.0" encoding="utf-8"?>
+<p:sld xmlns:a="http://schemas.openxmlformats.org/drawingml/2006/main" xmlns:r="http://schemas.openxmlformats.org/officeDocument/2006/relationships" xmlns:p="http://schemas.openxmlformats.org/presentationml/2006/main">
+  <p:cSld>
+    <p:spTree>
+      <p:nvGrpSpPr>
+        <p:cNvPr id="1" name=""/>
+        <p:cNvGrpSpPr/>
+        <p:nvPr/>
+      </p:nvGrpSpPr>
+      <p:grpSpPr>
+        <a:xfrm>
+          <a:off x="0" y="0"/>
+          <a:ext cx="0" cy="0"/>
+          <a:chOff x="0" y="0"/>
+          <a:chExt cx="0" cy="0"/>
+        </a:xfrm>
+      </p:grpSpPr>
+      <p:sp>
+        <p:nvSpPr>
+          <p:cNvPr id="2" name="Textfeld 1">
+            <a:extLst>
+              <a:ext uri="{FF2B5EF4-FFF2-40B4-BE49-F238E27FC236}">
+                <a16:creationId xmlns:a16="http://schemas.microsoft.com/office/drawing/2014/main" id="{CF3ECDF0-20E4-42EB-A939-E751FFB8EB9E}"/>
+              </a:ext>
+            </a:extLst>
+          </p:cNvPr>
+          <p:cNvSpPr txBox="1"/>
+          <p:nvPr/>
+        </p:nvSpPr>
+        <p:spPr>
+          <a:xfrm>
+            <a:off x="726781" y="865651"/>
+            <a:ext cx="6224717" cy="246221"/>
+          </a:xfrm>
+          <a:prstGeom prst="rect">
+            <a:avLst/>
+          </a:prstGeom>
+        </p:spPr>
+        <p:txBody>
+          <a:bodyPr wrap="square" lIns="0" tIns="0" rIns="0" bIns="0" rtlCol="0">
+            <a:spAutoFit/>
+          </a:bodyPr>
+          <a:lstStyle>
+            <a:defPPr>
+              <a:defRPr lang="en-US"/>
+            </a:defPPr>
+            <a:lvl1pPr>
+              <a:defRPr sz="1600" i="1">
+                <a:solidFill>
+                  <a:srgbClr val="002060"/>
+                </a:solidFill>
+                <a:latin typeface="+mj-lt"/>
+                <a:cs typeface="Segoe UI" panose="020B0502040204020203" pitchFamily="34" charset="0"/>
+              </a:defRPr>
+            </a:lvl1pPr>
+          </a:lstStyle>
+          <a:p>
+            <a:pPr rtl="0"/>
+            <a:r>
+              <a:rPr lang="de-DE" i="0" dirty="0"/>
+              <a:t>Änderungen am Produkt &amp; an der Filiale</a:t>
+            </a:r>
+          </a:p>
+        </p:txBody>
+      </p:sp>
+      <p:sp>
+        <p:nvSpPr>
+          <p:cNvPr id="3" name="Textfeld 2">
+            <a:extLst>
+              <a:ext uri="{FF2B5EF4-FFF2-40B4-BE49-F238E27FC236}">
+                <a16:creationId xmlns:a16="http://schemas.microsoft.com/office/drawing/2014/main" id="{CE6AF7FE-5978-4B5F-90E1-044AC25EC230}"/>
+              </a:ext>
+            </a:extLst>
+          </p:cNvPr>
+          <p:cNvSpPr txBox="1"/>
+          <p:nvPr/>
+        </p:nvSpPr>
+        <p:spPr>
+          <a:xfrm>
+            <a:off x="726781" y="273553"/>
+            <a:ext cx="5369219" cy="405205"/>
+          </a:xfrm>
+          <a:prstGeom prst="rect">
+            <a:avLst/>
+          </a:prstGeom>
+          <a:noFill/>
+        </p:spPr>
+        <p:txBody>
+          <a:bodyPr wrap="square" lIns="0" tIns="0" rIns="0" bIns="0" rtlCol="0">
+            <a:noAutofit/>
+          </a:bodyPr>
+          <a:lstStyle>
+            <a:defPPr>
+              <a:defRPr lang="en-US"/>
+            </a:defPPr>
+            <a:lvl1pPr>
+              <a:lnSpc>
+                <a:spcPts val="4000"/>
+              </a:lnSpc>
+              <a:defRPr sz="3600" b="1">
+                <a:solidFill>
+                  <a:srgbClr val="002060"/>
+                </a:solidFill>
+                <a:latin typeface="Segoe UI" panose="020B0502040204020203" pitchFamily="34" charset="0"/>
+                <a:cs typeface="Segoe UI" panose="020B0502040204020203" pitchFamily="34" charset="0"/>
+              </a:defRPr>
+            </a:lvl1pPr>
+          </a:lstStyle>
+          <a:p>
+            <a:pPr rtl="0"/>
+            <a:r>
+              <a:rPr lang="de-DE" sz="3200" dirty="0"/>
+              <a:t>Use-Case-Spezifikationen</a:t>
+            </a:r>
+          </a:p>
+        </p:txBody>
+      </p:sp>
+      <p:sp>
+        <p:nvSpPr>
+          <p:cNvPr id="5" name="Textfeld 4">
+            <a:extLst>
+              <a:ext uri="{FF2B5EF4-FFF2-40B4-BE49-F238E27FC236}">
+                <a16:creationId xmlns:a16="http://schemas.microsoft.com/office/drawing/2014/main" id="{11FEAF3D-6FC9-46CB-B4A4-9B8CA760AE20}"/>
+              </a:ext>
+            </a:extLst>
+          </p:cNvPr>
+          <p:cNvSpPr txBox="1"/>
+          <p:nvPr/>
+        </p:nvSpPr>
+        <p:spPr>
+          <a:xfrm>
+            <a:off x="726781" y="1600866"/>
+            <a:ext cx="5369219" cy="1969770"/>
+          </a:xfrm>
+          <a:prstGeom prst="rect">
+            <a:avLst/>
+          </a:prstGeom>
+        </p:spPr>
+        <p:txBody>
+          <a:bodyPr wrap="square" lIns="0" tIns="0" rIns="0" bIns="0" rtlCol="0">
+            <a:spAutoFit/>
+          </a:bodyPr>
+          <a:lstStyle>
+            <a:defPPr>
+              <a:defRPr lang="en-US"/>
+            </a:defPPr>
+            <a:lvl1pPr>
+              <a:defRPr sz="1600" i="1">
+                <a:solidFill>
+                  <a:srgbClr val="002060"/>
+                </a:solidFill>
+                <a:latin typeface="+mj-lt"/>
+                <a:cs typeface="Segoe UI" panose="020B0502040204020203" pitchFamily="34" charset="0"/>
+              </a:defRPr>
+            </a:lvl1pPr>
+          </a:lstStyle>
+          <a:p>
+            <a:pPr marL="285750" indent="-285750">
+              <a:buFont typeface="Wingdings" panose="05000000000000000000" pitchFamily="2" charset="2"/>
+              <a:buChar char="v"/>
+            </a:pPr>
+            <a:r>
+              <a:rPr lang="de-DE" dirty="0"/>
+              <a:t>Produktdaten/Filialdaten sollen hinzugefügt, veränderbar oder gelöscht werden können</a:t>
+            </a:r>
+          </a:p>
+          <a:p>
+            <a:pPr marL="285750" indent="-285750">
+              <a:buFont typeface="Wingdings" panose="05000000000000000000" pitchFamily="2" charset="2"/>
+              <a:buChar char="v"/>
+            </a:pPr>
+            <a:r>
+              <a:rPr lang="de-DE" dirty="0"/>
+              <a:t>Akteure sind der Administrator, das IT-System und der Filialleiter</a:t>
+            </a:r>
+          </a:p>
+          <a:p>
+            <a:pPr marL="285750" indent="-285750">
+              <a:buFont typeface="Wingdings" panose="05000000000000000000" pitchFamily="2" charset="2"/>
+              <a:buChar char="v"/>
+            </a:pPr>
+            <a:r>
+              <a:rPr lang="de-DE" dirty="0"/>
+              <a:t>Der Administrator hat nur das Recht die Filiale hinzuzufügen und zu löschen</a:t>
+            </a:r>
+          </a:p>
+          <a:p>
+            <a:pPr marL="285750" indent="-285750">
+              <a:buFont typeface="Wingdings" panose="05000000000000000000" pitchFamily="2" charset="2"/>
+              <a:buChar char="v"/>
+            </a:pPr>
+            <a:r>
+              <a:rPr lang="de-DE" dirty="0"/>
+              <a:t>Bedingung dabei ist, das das Produkt/Filiale tatsächlich existieren</a:t>
+            </a:r>
+          </a:p>
+        </p:txBody>
+      </p:sp>
+      <p:pic>
+        <p:nvPicPr>
+          <p:cNvPr id="163" name="Bild 162" descr="Dieses Bild zeigt zwei Paar Hände, die Puzzleteile zusammenfügen. ">
+            <a:extLst>
+              <a:ext uri="{FF2B5EF4-FFF2-40B4-BE49-F238E27FC236}">
+                <a16:creationId xmlns:a16="http://schemas.microsoft.com/office/drawing/2014/main" id="{AB835B29-19DB-41C9-9C29-FB52358C44C7}"/>
+              </a:ext>
+            </a:extLst>
+          </p:cNvPr>
+          <p:cNvPicPr>
+            <a:picLocks noChangeAspect="1"/>
+          </p:cNvPicPr>
+          <p:nvPr/>
+        </p:nvPicPr>
+        <p:blipFill rotWithShape="1">
+          <a:blip r:embed="rId3"/>
+          <a:srcRect r="15224"/>
+          <a:stretch/>
+        </p:blipFill>
+        <p:spPr>
+          <a:xfrm>
+            <a:off x="7548019" y="0"/>
+            <a:ext cx="4643982" cy="6858000"/>
+          </a:xfrm>
+          <a:prstGeom prst="rect">
+            <a:avLst/>
+          </a:prstGeom>
+        </p:spPr>
+      </p:pic>
+      <p:sp>
+        <p:nvSpPr>
+          <p:cNvPr id="53" name="Titel 52" hidden="1">
+            <a:extLst>
+              <a:ext uri="{FF2B5EF4-FFF2-40B4-BE49-F238E27FC236}">
+                <a16:creationId xmlns:a16="http://schemas.microsoft.com/office/drawing/2014/main" id="{6BCAF586-A14B-4A3B-A249-655ADDBB3A4C}"/>
+              </a:ext>
+            </a:extLst>
+          </p:cNvPr>
+          <p:cNvSpPr>
+            <a:spLocks noGrp="1"/>
+          </p:cNvSpPr>
+          <p:nvPr>
+            <p:ph type="title"/>
+          </p:nvPr>
+        </p:nvSpPr>
+        <p:spPr/>
+        <p:txBody>
+          <a:bodyPr rtlCol="0"/>
+          <a:lstStyle/>
+          <a:p>
+            <a:r>
+              <a:rPr lang="de-DE" dirty="0"/>
+              <a:t>Personal – Folie8</a:t>
+            </a:r>
+          </a:p>
+        </p:txBody>
+      </p:sp>
+    </p:spTree>
+    <p:extLst>
+      <p:ext uri="{BB962C8B-B14F-4D97-AF65-F5344CB8AC3E}">
+        <p14:creationId xmlns:p14="http://schemas.microsoft.com/office/powerpoint/2010/main" val="543221831"/>
+      </p:ext>
+    </p:extLst>
+  </p:cSld>
+  <p:clrMapOvr>
+    <a:masterClrMapping/>
+  </p:clrMapOvr>
+</p:sld>
+</file>
+
+<file path=ppt/slides/slide11.xml><?xml version="1.0" encoding="utf-8"?>
+<p:sld xmlns:a="http://schemas.openxmlformats.org/drawingml/2006/main" xmlns:r="http://schemas.openxmlformats.org/officeDocument/2006/relationships" xmlns:p="http://schemas.openxmlformats.org/presentationml/2006/main">
+  <p:cSld>
+    <p:spTree>
+      <p:nvGrpSpPr>
+        <p:cNvPr id="1" name=""/>
+        <p:cNvGrpSpPr/>
+        <p:nvPr/>
+      </p:nvGrpSpPr>
+      <p:grpSpPr>
+        <a:xfrm>
+          <a:off x="0" y="0"/>
+          <a:ext cx="0" cy="0"/>
+          <a:chOff x="0" y="0"/>
+          <a:chExt cx="0" cy="0"/>
+        </a:xfrm>
+      </p:grpSpPr>
+      <p:sp>
+        <p:nvSpPr>
+          <p:cNvPr id="2" name="Textfeld 1">
+            <a:extLst>
+              <a:ext uri="{FF2B5EF4-FFF2-40B4-BE49-F238E27FC236}">
+                <a16:creationId xmlns:a16="http://schemas.microsoft.com/office/drawing/2014/main" id="{CF3ECDF0-20E4-42EB-A939-E751FFB8EB9E}"/>
+              </a:ext>
+            </a:extLst>
+          </p:cNvPr>
+          <p:cNvSpPr txBox="1"/>
+          <p:nvPr/>
+        </p:nvSpPr>
+        <p:spPr>
+          <a:xfrm>
+            <a:off x="726781" y="865651"/>
+            <a:ext cx="6224717" cy="246221"/>
+          </a:xfrm>
+          <a:prstGeom prst="rect">
+            <a:avLst/>
+          </a:prstGeom>
+        </p:spPr>
+        <p:txBody>
+          <a:bodyPr wrap="square" lIns="0" tIns="0" rIns="0" bIns="0" rtlCol="0">
+            <a:spAutoFit/>
+          </a:bodyPr>
+          <a:lstStyle>
+            <a:defPPr>
+              <a:defRPr lang="en-US"/>
+            </a:defPPr>
+            <a:lvl1pPr>
+              <a:defRPr sz="1600" i="1">
+                <a:solidFill>
+                  <a:srgbClr val="002060"/>
+                </a:solidFill>
+                <a:latin typeface="+mj-lt"/>
+                <a:cs typeface="Segoe UI" panose="020B0502040204020203" pitchFamily="34" charset="0"/>
+              </a:defRPr>
+            </a:lvl1pPr>
+          </a:lstStyle>
+          <a:p>
+            <a:pPr rtl="0"/>
+            <a:r>
+              <a:rPr lang="de-DE" i="0" dirty="0"/>
+              <a:t>Anmeldung</a:t>
+            </a:r>
+            <a:endParaRPr lang="de-DE" dirty="0"/>
+          </a:p>
+        </p:txBody>
+      </p:sp>
+      <p:sp>
+        <p:nvSpPr>
+          <p:cNvPr id="3" name="Textfeld 2">
+            <a:extLst>
+              <a:ext uri="{FF2B5EF4-FFF2-40B4-BE49-F238E27FC236}">
+                <a16:creationId xmlns:a16="http://schemas.microsoft.com/office/drawing/2014/main" id="{CE6AF7FE-5978-4B5F-90E1-044AC25EC230}"/>
+              </a:ext>
+            </a:extLst>
+          </p:cNvPr>
+          <p:cNvSpPr txBox="1"/>
+          <p:nvPr/>
+        </p:nvSpPr>
+        <p:spPr>
+          <a:xfrm>
+            <a:off x="726781" y="273553"/>
+            <a:ext cx="5369219" cy="405205"/>
+          </a:xfrm>
+          <a:prstGeom prst="rect">
+            <a:avLst/>
+          </a:prstGeom>
+          <a:noFill/>
+        </p:spPr>
+        <p:txBody>
+          <a:bodyPr wrap="square" lIns="0" tIns="0" rIns="0" bIns="0" rtlCol="0">
+            <a:noAutofit/>
+          </a:bodyPr>
+          <a:lstStyle>
+            <a:defPPr>
+              <a:defRPr lang="en-US"/>
+            </a:defPPr>
+            <a:lvl1pPr>
+              <a:lnSpc>
+                <a:spcPts val="4000"/>
+              </a:lnSpc>
+              <a:defRPr sz="3600" b="1">
+                <a:solidFill>
+                  <a:srgbClr val="002060"/>
+                </a:solidFill>
+                <a:latin typeface="Segoe UI" panose="020B0502040204020203" pitchFamily="34" charset="0"/>
+                <a:cs typeface="Segoe UI" panose="020B0502040204020203" pitchFamily="34" charset="0"/>
+              </a:defRPr>
+            </a:lvl1pPr>
+          </a:lstStyle>
+          <a:p>
+            <a:pPr rtl="0"/>
+            <a:r>
+              <a:rPr lang="de-DE" sz="3200" dirty="0"/>
+              <a:t>Use-Case-Spezifikationen</a:t>
+            </a:r>
+          </a:p>
+        </p:txBody>
+      </p:sp>
+      <p:sp>
+        <p:nvSpPr>
+          <p:cNvPr id="5" name="Textfeld 4">
+            <a:extLst>
+              <a:ext uri="{FF2B5EF4-FFF2-40B4-BE49-F238E27FC236}">
+                <a16:creationId xmlns:a16="http://schemas.microsoft.com/office/drawing/2014/main" id="{11FEAF3D-6FC9-46CB-B4A4-9B8CA760AE20}"/>
+              </a:ext>
+            </a:extLst>
+          </p:cNvPr>
+          <p:cNvSpPr txBox="1"/>
+          <p:nvPr/>
+        </p:nvSpPr>
+        <p:spPr>
+          <a:xfrm>
+            <a:off x="726781" y="1600866"/>
+            <a:ext cx="5369219" cy="2215991"/>
+          </a:xfrm>
+          <a:prstGeom prst="rect">
+            <a:avLst/>
+          </a:prstGeom>
+        </p:spPr>
+        <p:txBody>
+          <a:bodyPr wrap="square" lIns="0" tIns="0" rIns="0" bIns="0" rtlCol="0">
+            <a:spAutoFit/>
+          </a:bodyPr>
+          <a:lstStyle>
+            <a:defPPr>
+              <a:defRPr lang="en-US"/>
+            </a:defPPr>
+            <a:lvl1pPr>
+              <a:defRPr sz="1600" i="1">
+                <a:solidFill>
+                  <a:srgbClr val="002060"/>
+                </a:solidFill>
+                <a:latin typeface="+mj-lt"/>
+                <a:cs typeface="Segoe UI" panose="020B0502040204020203" pitchFamily="34" charset="0"/>
+              </a:defRPr>
+            </a:lvl1pPr>
+          </a:lstStyle>
+          <a:p>
+            <a:pPr marL="285750" indent="-285750">
+              <a:buFont typeface="Wingdings" panose="05000000000000000000" pitchFamily="2" charset="2"/>
+              <a:buChar char="v"/>
+            </a:pPr>
+            <a:r>
+              <a:rPr lang="de-DE" dirty="0"/>
+              <a:t>Es soll eine Anmeldung vom User oder vom Unternehmen möglich sein</a:t>
+            </a:r>
+          </a:p>
+          <a:p>
+            <a:pPr marL="285750" indent="-285750">
+              <a:buFont typeface="Wingdings" panose="05000000000000000000" pitchFamily="2" charset="2"/>
+              <a:buChar char="v"/>
+            </a:pPr>
+            <a:r>
+              <a:rPr lang="de-DE" dirty="0"/>
+              <a:t>Man kann sich registrieren, das Passwort ändern und das Benutzerkonto löschen</a:t>
+            </a:r>
+          </a:p>
+          <a:p>
+            <a:pPr marL="285750" indent="-285750">
+              <a:buFont typeface="Wingdings" panose="05000000000000000000" pitchFamily="2" charset="2"/>
+              <a:buChar char="v"/>
+            </a:pPr>
+            <a:r>
+              <a:rPr lang="de-DE" dirty="0"/>
+              <a:t>Es werden der Benutzername und das Passwort abgefragt</a:t>
+            </a:r>
+          </a:p>
+          <a:p>
+            <a:pPr marL="285750" indent="-285750">
+              <a:buFont typeface="Wingdings" panose="05000000000000000000" pitchFamily="2" charset="2"/>
+              <a:buChar char="v"/>
+            </a:pPr>
+            <a:r>
+              <a:rPr lang="de-DE" dirty="0"/>
+              <a:t>Nach der Anmeldung wird man in einen geschlossen Bereich weitergeleitet</a:t>
+            </a:r>
+          </a:p>
+          <a:p>
+            <a:pPr marL="285750" indent="-285750">
+              <a:buFont typeface="Wingdings" panose="05000000000000000000" pitchFamily="2" charset="2"/>
+              <a:buChar char="v"/>
+            </a:pPr>
+            <a:r>
+              <a:rPr lang="de-DE" dirty="0"/>
+              <a:t>Akteure sind der User, das IT-System, Administrator, Mitarbeiter</a:t>
+            </a:r>
+          </a:p>
+        </p:txBody>
+      </p:sp>
+      <p:pic>
+        <p:nvPicPr>
+          <p:cNvPr id="163" name="Bild 162" descr="Dieses Bild zeigt zwei Paar Hände, die Puzzleteile zusammenfügen. ">
+            <a:extLst>
+              <a:ext uri="{FF2B5EF4-FFF2-40B4-BE49-F238E27FC236}">
+                <a16:creationId xmlns:a16="http://schemas.microsoft.com/office/drawing/2014/main" id="{AB835B29-19DB-41C9-9C29-FB52358C44C7}"/>
+              </a:ext>
+            </a:extLst>
+          </p:cNvPr>
+          <p:cNvPicPr>
+            <a:picLocks noChangeAspect="1"/>
+          </p:cNvPicPr>
+          <p:nvPr/>
+        </p:nvPicPr>
+        <p:blipFill rotWithShape="1">
+          <a:blip r:embed="rId3"/>
+          <a:srcRect r="15224"/>
+          <a:stretch/>
+        </p:blipFill>
+        <p:spPr>
+          <a:xfrm>
+            <a:off x="7548019" y="0"/>
+            <a:ext cx="4643982" cy="6858000"/>
+          </a:xfrm>
+          <a:prstGeom prst="rect">
+            <a:avLst/>
+          </a:prstGeom>
+        </p:spPr>
+      </p:pic>
+      <p:sp>
+        <p:nvSpPr>
+          <p:cNvPr id="53" name="Titel 52" hidden="1">
+            <a:extLst>
+              <a:ext uri="{FF2B5EF4-FFF2-40B4-BE49-F238E27FC236}">
+                <a16:creationId xmlns:a16="http://schemas.microsoft.com/office/drawing/2014/main" id="{6BCAF586-A14B-4A3B-A249-655ADDBB3A4C}"/>
+              </a:ext>
+            </a:extLst>
+          </p:cNvPr>
+          <p:cNvSpPr>
+            <a:spLocks noGrp="1"/>
+          </p:cNvSpPr>
+          <p:nvPr>
+            <p:ph type="title"/>
+          </p:nvPr>
+        </p:nvSpPr>
+        <p:spPr/>
+        <p:txBody>
+          <a:bodyPr rtlCol="0"/>
+          <a:lstStyle/>
+          <a:p>
+            <a:r>
+              <a:rPr lang="de-DE" dirty="0"/>
+              <a:t>Personal – Folie8</a:t>
+            </a:r>
+          </a:p>
+        </p:txBody>
+      </p:sp>
+    </p:spTree>
+    <p:extLst>
+      <p:ext uri="{BB962C8B-B14F-4D97-AF65-F5344CB8AC3E}">
+        <p14:creationId xmlns:p14="http://schemas.microsoft.com/office/powerpoint/2010/main" val="3201682320"/>
+      </p:ext>
+    </p:extLst>
+  </p:cSld>
+  <p:clrMapOvr>
+    <a:masterClrMapping/>
+  </p:clrMapOvr>
+</p:sld>
+</file>
+
+<file path=ppt/slides/slide12.xml><?xml version="1.0" encoding="utf-8"?>
+<p:sld xmlns:a="http://schemas.openxmlformats.org/drawingml/2006/main" xmlns:r="http://schemas.openxmlformats.org/officeDocument/2006/relationships" xmlns:p="http://schemas.openxmlformats.org/presentationml/2006/main">
+  <p:cSld>
+    <p:spTree>
+      <p:nvGrpSpPr>
+        <p:cNvPr id="1" name=""/>
+        <p:cNvGrpSpPr/>
+        <p:nvPr/>
+      </p:nvGrpSpPr>
+      <p:grpSpPr>
+        <a:xfrm>
+          <a:off x="0" y="0"/>
+          <a:ext cx="0" cy="0"/>
+          <a:chOff x="0" y="0"/>
+          <a:chExt cx="0" cy="0"/>
+        </a:xfrm>
+      </p:grpSpPr>
+      <p:sp>
+        <p:nvSpPr>
+          <p:cNvPr id="2" name="Textfeld 1">
+            <a:extLst>
+              <a:ext uri="{FF2B5EF4-FFF2-40B4-BE49-F238E27FC236}">
+                <a16:creationId xmlns:a16="http://schemas.microsoft.com/office/drawing/2014/main" id="{CF3ECDF0-20E4-42EB-A939-E751FFB8EB9E}"/>
+              </a:ext>
+            </a:extLst>
+          </p:cNvPr>
+          <p:cNvSpPr txBox="1"/>
+          <p:nvPr/>
+        </p:nvSpPr>
+        <p:spPr>
+          <a:xfrm>
+            <a:off x="726781" y="865651"/>
+            <a:ext cx="6224717" cy="246221"/>
+          </a:xfrm>
+          <a:prstGeom prst="rect">
+            <a:avLst/>
+          </a:prstGeom>
+        </p:spPr>
+        <p:txBody>
+          <a:bodyPr wrap="square" lIns="0" tIns="0" rIns="0" bIns="0" rtlCol="0">
+            <a:spAutoFit/>
+          </a:bodyPr>
+          <a:lstStyle>
+            <a:defPPr>
+              <a:defRPr lang="en-US"/>
+            </a:defPPr>
+            <a:lvl1pPr>
+              <a:defRPr sz="1600" i="1">
+                <a:solidFill>
+                  <a:srgbClr val="002060"/>
+                </a:solidFill>
+                <a:latin typeface="+mj-lt"/>
+                <a:cs typeface="Segoe UI" panose="020B0502040204020203" pitchFamily="34" charset="0"/>
+              </a:defRPr>
+            </a:lvl1pPr>
+          </a:lstStyle>
+          <a:p>
+            <a:pPr rtl="0"/>
+            <a:r>
+              <a:rPr lang="de-DE" i="0" dirty="0"/>
+              <a:t>Sonstige Features</a:t>
+            </a:r>
+            <a:endParaRPr lang="de-DE" dirty="0"/>
+          </a:p>
+        </p:txBody>
+      </p:sp>
+      <p:sp>
+        <p:nvSpPr>
+          <p:cNvPr id="3" name="Textfeld 2">
+            <a:extLst>
+              <a:ext uri="{FF2B5EF4-FFF2-40B4-BE49-F238E27FC236}">
+                <a16:creationId xmlns:a16="http://schemas.microsoft.com/office/drawing/2014/main" id="{CE6AF7FE-5978-4B5F-90E1-044AC25EC230}"/>
+              </a:ext>
+            </a:extLst>
+          </p:cNvPr>
+          <p:cNvSpPr txBox="1"/>
+          <p:nvPr/>
+        </p:nvSpPr>
+        <p:spPr>
+          <a:xfrm>
+            <a:off x="726781" y="273553"/>
+            <a:ext cx="5369219" cy="405205"/>
+          </a:xfrm>
+          <a:prstGeom prst="rect">
+            <a:avLst/>
+          </a:prstGeom>
+          <a:noFill/>
+        </p:spPr>
+        <p:txBody>
+          <a:bodyPr wrap="square" lIns="0" tIns="0" rIns="0" bIns="0" rtlCol="0">
+            <a:noAutofit/>
+          </a:bodyPr>
+          <a:lstStyle>
+            <a:defPPr>
+              <a:defRPr lang="en-US"/>
+            </a:defPPr>
+            <a:lvl1pPr>
+              <a:lnSpc>
+                <a:spcPts val="4000"/>
+              </a:lnSpc>
+              <a:defRPr sz="3600" b="1">
+                <a:solidFill>
+                  <a:srgbClr val="002060"/>
+                </a:solidFill>
+                <a:latin typeface="Segoe UI" panose="020B0502040204020203" pitchFamily="34" charset="0"/>
+                <a:cs typeface="Segoe UI" panose="020B0502040204020203" pitchFamily="34" charset="0"/>
+              </a:defRPr>
+            </a:lvl1pPr>
+          </a:lstStyle>
+          <a:p>
+            <a:pPr rtl="0"/>
+            <a:r>
+              <a:rPr lang="de-DE" sz="3200" dirty="0"/>
+              <a:t>Use-Case-Spezifikationen</a:t>
+            </a:r>
+          </a:p>
+        </p:txBody>
+      </p:sp>
+      <p:sp>
+        <p:nvSpPr>
+          <p:cNvPr id="5" name="Textfeld 4">
+            <a:extLst>
+              <a:ext uri="{FF2B5EF4-FFF2-40B4-BE49-F238E27FC236}">
+                <a16:creationId xmlns:a16="http://schemas.microsoft.com/office/drawing/2014/main" id="{11FEAF3D-6FC9-46CB-B4A4-9B8CA760AE20}"/>
+              </a:ext>
+            </a:extLst>
+          </p:cNvPr>
+          <p:cNvSpPr txBox="1"/>
+          <p:nvPr/>
+        </p:nvSpPr>
+        <p:spPr>
+          <a:xfrm>
+            <a:off x="726781" y="1600866"/>
+            <a:ext cx="5369219" cy="738664"/>
+          </a:xfrm>
+          <a:prstGeom prst="rect">
+            <a:avLst/>
+          </a:prstGeom>
+        </p:spPr>
+        <p:txBody>
+          <a:bodyPr wrap="square" lIns="0" tIns="0" rIns="0" bIns="0" rtlCol="0">
+            <a:spAutoFit/>
+          </a:bodyPr>
+          <a:lstStyle>
+            <a:defPPr>
+              <a:defRPr lang="en-US"/>
+            </a:defPPr>
+            <a:lvl1pPr>
+              <a:defRPr sz="1600" i="1">
+                <a:solidFill>
+                  <a:srgbClr val="002060"/>
+                </a:solidFill>
+                <a:latin typeface="+mj-lt"/>
+                <a:cs typeface="Segoe UI" panose="020B0502040204020203" pitchFamily="34" charset="0"/>
+              </a:defRPr>
+            </a:lvl1pPr>
+          </a:lstStyle>
+          <a:p>
+            <a:pPr marL="285750" indent="-285750">
+              <a:buFont typeface="Wingdings" panose="05000000000000000000" pitchFamily="2" charset="2"/>
+              <a:buChar char="v"/>
+            </a:pPr>
+            <a:r>
+              <a:rPr lang="de-DE" dirty="0"/>
+              <a:t>Gutschein einlösen</a:t>
+            </a:r>
+          </a:p>
+          <a:p>
+            <a:pPr marL="285750" indent="-285750">
+              <a:buFont typeface="Wingdings" panose="05000000000000000000" pitchFamily="2" charset="2"/>
+              <a:buChar char="v"/>
+            </a:pPr>
+            <a:r>
+              <a:rPr lang="de-DE" dirty="0"/>
+              <a:t>Produktabfrage mit Alexa</a:t>
+            </a:r>
+          </a:p>
+          <a:p>
+            <a:pPr marL="285750" indent="-285750">
+              <a:buFont typeface="Wingdings" panose="05000000000000000000" pitchFamily="2" charset="2"/>
+              <a:buChar char="v"/>
+            </a:pPr>
+            <a:r>
+              <a:rPr lang="de-DE" dirty="0"/>
+              <a:t>Kundendaten auswerten</a:t>
+            </a:r>
+          </a:p>
+        </p:txBody>
+      </p:sp>
+      <p:pic>
+        <p:nvPicPr>
+          <p:cNvPr id="163" name="Bild 162" descr="Dieses Bild zeigt zwei Paar Hände, die Puzzleteile zusammenfügen. ">
+            <a:extLst>
+              <a:ext uri="{FF2B5EF4-FFF2-40B4-BE49-F238E27FC236}">
+                <a16:creationId xmlns:a16="http://schemas.microsoft.com/office/drawing/2014/main" id="{AB835B29-19DB-41C9-9C29-FB52358C44C7}"/>
+              </a:ext>
+            </a:extLst>
+          </p:cNvPr>
+          <p:cNvPicPr>
+            <a:picLocks noChangeAspect="1"/>
+          </p:cNvPicPr>
+          <p:nvPr/>
+        </p:nvPicPr>
+        <p:blipFill rotWithShape="1">
+          <a:blip r:embed="rId3"/>
+          <a:srcRect r="15224"/>
+          <a:stretch/>
+        </p:blipFill>
+        <p:spPr>
+          <a:xfrm>
+            <a:off x="7548019" y="0"/>
+            <a:ext cx="4643982" cy="6858000"/>
+          </a:xfrm>
+          <a:prstGeom prst="rect">
+            <a:avLst/>
+          </a:prstGeom>
+        </p:spPr>
+      </p:pic>
+      <p:sp>
+        <p:nvSpPr>
+          <p:cNvPr id="53" name="Titel 52" hidden="1">
+            <a:extLst>
+              <a:ext uri="{FF2B5EF4-FFF2-40B4-BE49-F238E27FC236}">
+                <a16:creationId xmlns:a16="http://schemas.microsoft.com/office/drawing/2014/main" id="{6BCAF586-A14B-4A3B-A249-655ADDBB3A4C}"/>
+              </a:ext>
+            </a:extLst>
+          </p:cNvPr>
+          <p:cNvSpPr>
+            <a:spLocks noGrp="1"/>
+          </p:cNvSpPr>
+          <p:nvPr>
+            <p:ph type="title"/>
+          </p:nvPr>
+        </p:nvSpPr>
+        <p:spPr/>
+        <p:txBody>
+          <a:bodyPr rtlCol="0"/>
+          <a:lstStyle/>
+          <a:p>
+            <a:r>
+              <a:rPr lang="de-DE" dirty="0"/>
+              <a:t>Personal – Folie8</a:t>
+            </a:r>
+          </a:p>
+        </p:txBody>
+      </p:sp>
+    </p:spTree>
+    <p:extLst>
+      <p:ext uri="{BB962C8B-B14F-4D97-AF65-F5344CB8AC3E}">
+        <p14:creationId xmlns:p14="http://schemas.microsoft.com/office/powerpoint/2010/main" val="438163090"/>
+      </p:ext>
+    </p:extLst>
+  </p:cSld>
+  <p:clrMapOvr>
+    <a:masterClrMapping/>
+  </p:clrMapOvr>
+</p:sld>
+</file>
+
+<file path=ppt/slides/slide13.xml><?xml version="1.0" encoding="utf-8"?>
+<p:sld xmlns:a="http://schemas.openxmlformats.org/drawingml/2006/main" xmlns:r="http://schemas.openxmlformats.org/officeDocument/2006/relationships" xmlns:p="http://schemas.openxmlformats.org/presentationml/2006/main">
+  <p:cSld>
+    <p:spTree>
+      <p:nvGrpSpPr>
+        <p:cNvPr id="1" name=""/>
+        <p:cNvGrpSpPr/>
+        <p:nvPr/>
+      </p:nvGrpSpPr>
+      <p:grpSpPr>
+        <a:xfrm>
+          <a:off x="0" y="0"/>
+          <a:ext cx="0" cy="0"/>
+          <a:chOff x="0" y="0"/>
+          <a:chExt cx="0" cy="0"/>
+        </a:xfrm>
+      </p:grpSpPr>
+      <p:pic>
+        <p:nvPicPr>
+          <p:cNvPr id="4" name="Grafik 3">
+            <a:extLst>
+              <a:ext uri="{FF2B5EF4-FFF2-40B4-BE49-F238E27FC236}">
+                <a16:creationId xmlns:a16="http://schemas.microsoft.com/office/drawing/2014/main" id="{971F48B0-57DF-4BDF-8FA7-BF24AB2EB95A}"/>
+              </a:ext>
+            </a:extLst>
+          </p:cNvPr>
+          <p:cNvPicPr>
+            <a:picLocks noChangeAspect="1"/>
+          </p:cNvPicPr>
+          <p:nvPr/>
+        </p:nvPicPr>
+        <p:blipFill>
+          <a:blip r:embed="rId2"/>
+          <a:stretch>
+            <a:fillRect/>
+          </a:stretch>
+        </p:blipFill>
+        <p:spPr>
+          <a:xfrm>
+            <a:off x="2020442" y="763800"/>
+            <a:ext cx="9081488" cy="5789446"/>
+          </a:xfrm>
+          <a:prstGeom prst="rect">
+            <a:avLst/>
+          </a:prstGeom>
+          <a:noFill/>
+        </p:spPr>
+      </p:pic>
+      <p:sp>
+        <p:nvSpPr>
+          <p:cNvPr id="2" name="Titel 1">
+            <a:extLst>
+              <a:ext uri="{FF2B5EF4-FFF2-40B4-BE49-F238E27FC236}">
+                <a16:creationId xmlns:a16="http://schemas.microsoft.com/office/drawing/2014/main" id="{8AB12C3E-F7C0-4338-B73B-8EA4C365C047}"/>
+              </a:ext>
+            </a:extLst>
+          </p:cNvPr>
+          <p:cNvSpPr>
+            <a:spLocks noGrp="1"/>
+          </p:cNvSpPr>
+          <p:nvPr>
+            <p:ph type="title"/>
+          </p:nvPr>
+        </p:nvSpPr>
+        <p:spPr>
+          <a:xfrm>
+            <a:off x="838200" y="365125"/>
+            <a:ext cx="10515600" cy="1325563"/>
+          </a:xfrm>
+        </p:spPr>
+        <p:txBody>
+          <a:bodyPr anchor="ctr">
+            <a:normAutofit/>
+          </a:bodyPr>
+          <a:lstStyle/>
+          <a:p>
+            <a:r>
+              <a:rPr lang="de-DE" dirty="0"/>
+              <a:t>Domänenmodell</a:t>
+            </a:r>
+          </a:p>
+        </p:txBody>
+      </p:sp>
+    </p:spTree>
+    <p:extLst>
+      <p:ext uri="{BB962C8B-B14F-4D97-AF65-F5344CB8AC3E}">
+        <p14:creationId xmlns:p14="http://schemas.microsoft.com/office/powerpoint/2010/main" val="2788170951"/>
+      </p:ext>
+    </p:extLst>
+  </p:cSld>
+  <p:clrMapOvr>
+    <a:masterClrMapping/>
+  </p:clrMapOvr>
+</p:sld>
+</file>
+
+<file path=ppt/slides/slide14.xml><?xml version="1.0" encoding="utf-8"?>
+<p:sld xmlns:a="http://schemas.openxmlformats.org/drawingml/2006/main" xmlns:r="http://schemas.openxmlformats.org/officeDocument/2006/relationships" xmlns:p="http://schemas.openxmlformats.org/presentationml/2006/main">
+  <p:cSld>
+    <p:spTree>
+      <p:nvGrpSpPr>
+        <p:cNvPr id="1" name=""/>
+        <p:cNvGrpSpPr/>
+        <p:nvPr/>
+      </p:nvGrpSpPr>
+      <p:grpSpPr>
+        <a:xfrm>
+          <a:off x="0" y="0"/>
+          <a:ext cx="0" cy="0"/>
+          <a:chOff x="0" y="0"/>
+          <a:chExt cx="0" cy="0"/>
+        </a:xfrm>
+      </p:grpSpPr>
+      <p:sp>
+        <p:nvSpPr>
+          <p:cNvPr id="3" name="Textfeld 2">
+            <a:extLst>
+              <a:ext uri="{FF2B5EF4-FFF2-40B4-BE49-F238E27FC236}">
+                <a16:creationId xmlns:a16="http://schemas.microsoft.com/office/drawing/2014/main" id="{9436B850-15F2-41BC-A54E-6E0F332F011D}"/>
+              </a:ext>
+            </a:extLst>
+          </p:cNvPr>
+          <p:cNvSpPr txBox="1"/>
+          <p:nvPr/>
+        </p:nvSpPr>
+        <p:spPr>
+          <a:xfrm>
+            <a:off x="733192" y="4331033"/>
+            <a:ext cx="4845708" cy="830997"/>
+          </a:xfrm>
+          <a:prstGeom prst="rect">
+            <a:avLst/>
+          </a:prstGeom>
+          <a:noFill/>
+        </p:spPr>
+        <p:txBody>
+          <a:bodyPr wrap="square" lIns="0" tIns="0" rIns="0" bIns="0" rtlCol="0">
+            <a:spAutoFit/>
+          </a:bodyPr>
+          <a:lstStyle/>
+          <a:p>
+            <a:pPr rtl="0"/>
+            <a:r>
+              <a:rPr lang="de-DE" sz="5400" b="1" dirty="0">
+                <a:solidFill>
+                  <a:srgbClr val="002060"/>
+                </a:solidFill>
+                <a:latin typeface="Segoe UI" panose="020B0502040204020203" pitchFamily="34" charset="0"/>
+                <a:cs typeface="Segoe UI" panose="020B0502040204020203" pitchFamily="34" charset="0"/>
+              </a:rPr>
+              <a:t>Vielen Dank!</a:t>
+            </a:r>
+          </a:p>
+        </p:txBody>
+      </p:sp>
+      <p:sp>
+        <p:nvSpPr>
+          <p:cNvPr id="4" name="Rechteck 3">
+            <a:extLst>
+              <a:ext uri="{FF2B5EF4-FFF2-40B4-BE49-F238E27FC236}">
+                <a16:creationId xmlns:a16="http://schemas.microsoft.com/office/drawing/2014/main" id="{A9B74FAF-1757-48A8-BBFB-722E8E1D6FA4}"/>
+              </a:ext>
+            </a:extLst>
+          </p:cNvPr>
+          <p:cNvSpPr/>
+          <p:nvPr/>
+        </p:nvSpPr>
+        <p:spPr>
+          <a:xfrm>
+            <a:off x="733192" y="5358396"/>
+            <a:ext cx="3536195" cy="984885"/>
+          </a:xfrm>
+          <a:prstGeom prst="rect">
+            <a:avLst/>
+          </a:prstGeom>
+        </p:spPr>
+        <p:txBody>
+          <a:bodyPr wrap="square" lIns="0" tIns="0" rIns="0" bIns="0" rtlCol="0">
+            <a:spAutoFit/>
+          </a:bodyPr>
+          <a:lstStyle/>
+          <a:p>
+            <a:pPr rtl="0"/>
+            <a:r>
+              <a:rPr lang="de-DE" sz="1600" i="1" dirty="0">
+                <a:solidFill>
+                  <a:srgbClr val="002060"/>
+                </a:solidFill>
+                <a:latin typeface="+mj-lt"/>
+                <a:cs typeface="Segoe UI" panose="020B0502040204020203" pitchFamily="34" charset="0"/>
+              </a:rPr>
+              <a:t>Julian Stipovic</a:t>
+            </a:r>
+          </a:p>
+          <a:p>
+            <a:pPr rtl="0"/>
+            <a:r>
+              <a:rPr lang="de-DE" sz="1600" i="1" dirty="0">
+                <a:solidFill>
+                  <a:srgbClr val="002060"/>
+                </a:solidFill>
+                <a:latin typeface="+mj-lt"/>
+                <a:cs typeface="Segoe UI" panose="020B0502040204020203" pitchFamily="34" charset="0"/>
+              </a:rPr>
+              <a:t>Fabian </a:t>
+            </a:r>
+            <a:r>
+              <a:rPr lang="de-DE" sz="1600" i="1" dirty="0" err="1">
+                <a:solidFill>
+                  <a:srgbClr val="002060"/>
+                </a:solidFill>
+                <a:latin typeface="+mj-lt"/>
+                <a:cs typeface="Segoe UI" panose="020B0502040204020203" pitchFamily="34" charset="0"/>
+              </a:rPr>
+              <a:t>Qarqur</a:t>
+            </a:r>
+            <a:endParaRPr lang="de-DE" sz="1600" i="1" dirty="0">
+              <a:solidFill>
+                <a:srgbClr val="002060"/>
+              </a:solidFill>
+              <a:latin typeface="+mj-lt"/>
+              <a:cs typeface="Segoe UI" panose="020B0502040204020203" pitchFamily="34" charset="0"/>
+            </a:endParaRPr>
+          </a:p>
+          <a:p>
+            <a:pPr rtl="0"/>
+            <a:r>
+              <a:rPr lang="de-DE" sz="1600" i="1" dirty="0">
+                <a:solidFill>
+                  <a:srgbClr val="002060"/>
+                </a:solidFill>
+                <a:latin typeface="+mj-lt"/>
+                <a:cs typeface="Segoe UI" panose="020B0502040204020203" pitchFamily="34" charset="0"/>
+              </a:rPr>
+              <a:t>Daniel Boger</a:t>
+            </a:r>
+          </a:p>
+          <a:p>
+            <a:pPr rtl="0"/>
+            <a:r>
+              <a:rPr lang="de-DE" sz="1600" i="1" dirty="0">
+                <a:solidFill>
+                  <a:srgbClr val="002060"/>
+                </a:solidFill>
+                <a:latin typeface="+mj-lt"/>
+                <a:cs typeface="Segoe UI" panose="020B0502040204020203" pitchFamily="34" charset="0"/>
+              </a:rPr>
+              <a:t>Damien Arriens</a:t>
+            </a:r>
+          </a:p>
+        </p:txBody>
+      </p:sp>
+      <p:grpSp>
+        <p:nvGrpSpPr>
+          <p:cNvPr id="23" name="Gruppieren 22" descr="Dieses Bild ist eine abstrakte Form. ">
+            <a:extLst>
+              <a:ext uri="{FF2B5EF4-FFF2-40B4-BE49-F238E27FC236}">
+                <a16:creationId xmlns:a16="http://schemas.microsoft.com/office/drawing/2014/main" id="{C5C1EC81-7459-4B76-B0C8-CF221BB21A2F}"/>
+              </a:ext>
+            </a:extLst>
+          </p:cNvPr>
+          <p:cNvGrpSpPr/>
+          <p:nvPr/>
+        </p:nvGrpSpPr>
+        <p:grpSpPr>
+          <a:xfrm>
+            <a:off x="4855953" y="-2833465"/>
+            <a:ext cx="8948964" cy="12105059"/>
+            <a:chOff x="4855953" y="-2833465"/>
+            <a:chExt cx="8948964" cy="12105059"/>
+          </a:xfrm>
+        </p:grpSpPr>
+        <p:sp>
+          <p:nvSpPr>
+            <p:cNvPr id="20" name="Freihandform 10">
+              <a:extLst>
+                <a:ext uri="{FF2B5EF4-FFF2-40B4-BE49-F238E27FC236}">
+                  <a16:creationId xmlns:a16="http://schemas.microsoft.com/office/drawing/2014/main" id="{6067105C-8C4E-4F4D-AF25-4E9E7FEE0199}"/>
+                </a:ext>
+              </a:extLst>
+            </p:cNvPr>
+            <p:cNvSpPr>
+              <a:spLocks/>
+            </p:cNvSpPr>
+            <p:nvPr/>
+          </p:nvSpPr>
+          <p:spPr bwMode="auto">
+            <a:xfrm rot="9420272">
+              <a:off x="4855953" y="-2246936"/>
+              <a:ext cx="8673602" cy="11518530"/>
+            </a:xfrm>
+            <a:custGeom>
+              <a:avLst/>
+              <a:gdLst>
+                <a:gd name="T0" fmla="*/ 1166 w 2492"/>
+                <a:gd name="T1" fmla="*/ 2419 h 3315"/>
+                <a:gd name="T2" fmla="*/ 243 w 2492"/>
+                <a:gd name="T3" fmla="*/ 912 h 3315"/>
+                <a:gd name="T4" fmla="*/ 449 w 2492"/>
+                <a:gd name="T5" fmla="*/ 15 h 3315"/>
+                <a:gd name="T6" fmla="*/ 766 w 2492"/>
+                <a:gd name="T7" fmla="*/ 302 h 3315"/>
+                <a:gd name="T8" fmla="*/ 1651 w 2492"/>
+                <a:gd name="T9" fmla="*/ 481 h 3315"/>
+                <a:gd name="T10" fmla="*/ 2239 w 2492"/>
+                <a:gd name="T11" fmla="*/ 1238 h 3315"/>
+                <a:gd name="T12" fmla="*/ 2186 w 2492"/>
+                <a:gd name="T13" fmla="*/ 2201 h 3315"/>
+                <a:gd name="T14" fmla="*/ 2165 w 2492"/>
+                <a:gd name="T15" fmla="*/ 2928 h 3315"/>
+                <a:gd name="T16" fmla="*/ 1400 w 2492"/>
+                <a:gd name="T17" fmla="*/ 3100 h 3315"/>
+                <a:gd name="T18" fmla="*/ 1166 w 2492"/>
+                <a:gd name="T19" fmla="*/ 2419 h 3315"/>
+              </a:gdLst>
+              <a:ahLst/>
+              <a:cxnLst>
+                <a:cxn ang="0">
+                  <a:pos x="T0" y="T1"/>
+                </a:cxn>
+                <a:cxn ang="0">
+                  <a:pos x="T2" y="T3"/>
+                </a:cxn>
+                <a:cxn ang="0">
+                  <a:pos x="T4" y="T5"/>
+                </a:cxn>
+                <a:cxn ang="0">
+                  <a:pos x="T6" y="T7"/>
+                </a:cxn>
+                <a:cxn ang="0">
+                  <a:pos x="T8" y="T9"/>
+                </a:cxn>
+                <a:cxn ang="0">
+                  <a:pos x="T10" y="T11"/>
+                </a:cxn>
+                <a:cxn ang="0">
+                  <a:pos x="T12" y="T13"/>
+                </a:cxn>
+                <a:cxn ang="0">
+                  <a:pos x="T14" y="T15"/>
+                </a:cxn>
+                <a:cxn ang="0">
+                  <a:pos x="T16" y="T17"/>
+                </a:cxn>
+                <a:cxn ang="0">
+                  <a:pos x="T18" y="T19"/>
+                </a:cxn>
+              </a:cxnLst>
+              <a:rect l="0" t="0" r="r" b="b"/>
+              <a:pathLst>
+                <a:path w="2492" h="3315">
+                  <a:moveTo>
+                    <a:pt x="1166" y="2419"/>
+                  </a:moveTo>
+                  <a:cubicBezTo>
+                    <a:pt x="1505" y="1277"/>
+                    <a:pt x="486" y="1533"/>
+                    <a:pt x="243" y="912"/>
+                  </a:cubicBezTo>
+                  <a:cubicBezTo>
+                    <a:pt x="0" y="292"/>
+                    <a:pt x="291" y="31"/>
+                    <a:pt x="449" y="15"/>
+                  </a:cubicBezTo>
+                  <a:cubicBezTo>
+                    <a:pt x="607" y="0"/>
+                    <a:pt x="716" y="54"/>
+                    <a:pt x="766" y="302"/>
+                  </a:cubicBezTo>
+                  <a:cubicBezTo>
+                    <a:pt x="817" y="551"/>
+                    <a:pt x="1312" y="508"/>
+                    <a:pt x="1651" y="481"/>
+                  </a:cubicBezTo>
+                  <a:cubicBezTo>
+                    <a:pt x="1989" y="454"/>
+                    <a:pt x="2492" y="733"/>
+                    <a:pt x="2239" y="1238"/>
+                  </a:cubicBezTo>
+                  <a:cubicBezTo>
+                    <a:pt x="1986" y="1743"/>
+                    <a:pt x="2000" y="1716"/>
+                    <a:pt x="2186" y="2201"/>
+                  </a:cubicBezTo>
+                  <a:cubicBezTo>
+                    <a:pt x="2372" y="2685"/>
+                    <a:pt x="2165" y="2928"/>
+                    <a:pt x="2165" y="2928"/>
+                  </a:cubicBezTo>
+                  <a:cubicBezTo>
+                    <a:pt x="2165" y="2928"/>
+                    <a:pt x="1791" y="3315"/>
+                    <a:pt x="1400" y="3100"/>
+                  </a:cubicBezTo>
+                  <a:cubicBezTo>
+                    <a:pt x="1008" y="2885"/>
+                    <a:pt x="1166" y="2419"/>
+                    <a:pt x="1166" y="2419"/>
+                  </a:cubicBezTo>
+                  <a:close/>
+                </a:path>
+              </a:pathLst>
+            </a:custGeom>
+            <a:gradFill>
+              <a:gsLst>
+                <a:gs pos="0">
+                  <a:srgbClr val="80DEDE"/>
+                </a:gs>
+                <a:gs pos="53500">
+                  <a:srgbClr val="85C1E7"/>
+                </a:gs>
+                <a:gs pos="100000">
+                  <a:srgbClr val="878CFF"/>
+                </a:gs>
+              </a:gsLst>
+              <a:lin ang="5400000" scaled="1"/>
+            </a:gradFill>
+            <a:ln w="12700" cap="flat">
+              <a:noFill/>
+              <a:prstDash val="solid"/>
+              <a:miter lim="800000"/>
+              <a:headEnd/>
+              <a:tailEnd/>
+            </a:ln>
+          </p:spPr>
+          <p:txBody>
+            <a:bodyPr vert="horz" wrap="square" lIns="91440" tIns="45720" rIns="91440" bIns="45720" numCol="1" rtlCol="0" anchor="t" anchorCtr="0" compatLnSpc="1">
+              <a:prstTxWarp prst="textNoShape">
+                <a:avLst/>
+              </a:prstTxWarp>
+            </a:bodyPr>
+            <a:lstStyle/>
+            <a:p>
+              <a:pPr rtl="0"/>
+              <a:endParaRPr lang="de-DE" dirty="0"/>
+            </a:p>
+          </p:txBody>
+        </p:sp>
+        <p:sp>
+          <p:nvSpPr>
+            <p:cNvPr id="21" name="Freihandform 11">
+              <a:extLst>
+                <a:ext uri="{FF2B5EF4-FFF2-40B4-BE49-F238E27FC236}">
+                  <a16:creationId xmlns:a16="http://schemas.microsoft.com/office/drawing/2014/main" id="{70B75532-3E3F-4E79-89ED-8E7671BB9C68}"/>
+                </a:ext>
+              </a:extLst>
+            </p:cNvPr>
+            <p:cNvSpPr>
+              <a:spLocks/>
+            </p:cNvSpPr>
+            <p:nvPr/>
+          </p:nvSpPr>
+          <p:spPr bwMode="auto">
+            <a:xfrm rot="9420272">
+              <a:off x="5048022" y="-2833465"/>
+              <a:ext cx="8756895" cy="10755934"/>
+            </a:xfrm>
+            <a:custGeom>
+              <a:avLst/>
+              <a:gdLst>
+                <a:gd name="T0" fmla="*/ 1504 w 2516"/>
+                <a:gd name="T1" fmla="*/ 2980 h 3095"/>
+                <a:gd name="T2" fmla="*/ 2237 w 2516"/>
+                <a:gd name="T3" fmla="*/ 2283 h 3095"/>
+                <a:gd name="T4" fmla="*/ 1468 w 2516"/>
+                <a:gd name="T5" fmla="*/ 1052 h 3095"/>
+                <a:gd name="T6" fmla="*/ 979 w 2516"/>
+                <a:gd name="T7" fmla="*/ 648 h 3095"/>
+                <a:gd name="T8" fmla="*/ 411 w 2516"/>
+                <a:gd name="T9" fmla="*/ 195 h 3095"/>
+                <a:gd name="T10" fmla="*/ 397 w 2516"/>
+                <a:gd name="T11" fmla="*/ 1117 h 3095"/>
+                <a:gd name="T12" fmla="*/ 194 w 2516"/>
+                <a:gd name="T13" fmla="*/ 1767 h 3095"/>
+                <a:gd name="T14" fmla="*/ 866 w 2516"/>
+                <a:gd name="T15" fmla="*/ 2349 h 3095"/>
+                <a:gd name="T16" fmla="*/ 1275 w 2516"/>
+                <a:gd name="T17" fmla="*/ 2766 h 3095"/>
+                <a:gd name="T18" fmla="*/ 1504 w 2516"/>
+                <a:gd name="T19" fmla="*/ 2980 h 3095"/>
+              </a:gdLst>
+              <a:ahLst/>
+              <a:cxnLst>
+                <a:cxn ang="0">
+                  <a:pos x="T0" y="T1"/>
+                </a:cxn>
+                <a:cxn ang="0">
+                  <a:pos x="T2" y="T3"/>
+                </a:cxn>
+                <a:cxn ang="0">
+                  <a:pos x="T4" y="T5"/>
+                </a:cxn>
+                <a:cxn ang="0">
+                  <a:pos x="T6" y="T7"/>
+                </a:cxn>
+                <a:cxn ang="0">
+                  <a:pos x="T8" y="T9"/>
+                </a:cxn>
+                <a:cxn ang="0">
+                  <a:pos x="T10" y="T11"/>
+                </a:cxn>
+                <a:cxn ang="0">
+                  <a:pos x="T12" y="T13"/>
+                </a:cxn>
+                <a:cxn ang="0">
+                  <a:pos x="T14" y="T15"/>
+                </a:cxn>
+                <a:cxn ang="0">
+                  <a:pos x="T16" y="T17"/>
+                </a:cxn>
+                <a:cxn ang="0">
+                  <a:pos x="T18" y="T19"/>
+                </a:cxn>
+              </a:cxnLst>
+              <a:rect l="0" t="0" r="r" b="b"/>
+              <a:pathLst>
+                <a:path w="2516" h="3095">
+                  <a:moveTo>
+                    <a:pt x="1504" y="2980"/>
+                  </a:moveTo>
+                  <a:cubicBezTo>
+                    <a:pt x="1504" y="2980"/>
+                    <a:pt x="1958" y="3095"/>
+                    <a:pt x="2237" y="2283"/>
+                  </a:cubicBezTo>
+                  <a:cubicBezTo>
+                    <a:pt x="2516" y="1472"/>
+                    <a:pt x="1745" y="1159"/>
+                    <a:pt x="1468" y="1052"/>
+                  </a:cubicBezTo>
+                  <a:cubicBezTo>
+                    <a:pt x="1191" y="945"/>
+                    <a:pt x="1126" y="907"/>
+                    <a:pt x="979" y="648"/>
+                  </a:cubicBezTo>
+                  <a:cubicBezTo>
+                    <a:pt x="832" y="389"/>
+                    <a:pt x="822" y="0"/>
+                    <a:pt x="411" y="195"/>
+                  </a:cubicBezTo>
+                  <a:cubicBezTo>
+                    <a:pt x="0" y="391"/>
+                    <a:pt x="384" y="948"/>
+                    <a:pt x="397" y="1117"/>
+                  </a:cubicBezTo>
+                  <a:cubicBezTo>
+                    <a:pt x="411" y="1286"/>
+                    <a:pt x="128" y="1580"/>
+                    <a:pt x="194" y="1767"/>
+                  </a:cubicBezTo>
+                  <a:cubicBezTo>
+                    <a:pt x="259" y="1954"/>
+                    <a:pt x="273" y="2154"/>
+                    <a:pt x="866" y="2349"/>
+                  </a:cubicBezTo>
+                  <a:cubicBezTo>
+                    <a:pt x="866" y="2349"/>
+                    <a:pt x="1186" y="2374"/>
+                    <a:pt x="1275" y="2766"/>
+                  </a:cubicBezTo>
+                  <a:cubicBezTo>
+                    <a:pt x="1275" y="2766"/>
+                    <a:pt x="1340" y="2988"/>
+                    <a:pt x="1504" y="2980"/>
+                  </a:cubicBezTo>
+                  <a:close/>
+                </a:path>
+              </a:pathLst>
+            </a:custGeom>
+            <a:gradFill>
+              <a:gsLst>
+                <a:gs pos="0">
+                  <a:srgbClr val="7CEFD8"/>
+                </a:gs>
+                <a:gs pos="51000">
+                  <a:srgbClr val="6672E4"/>
+                </a:gs>
+                <a:gs pos="100000">
+                  <a:srgbClr val="882BE5"/>
+                </a:gs>
+              </a:gsLst>
+              <a:lin ang="5400000" scaled="1"/>
+            </a:gradFill>
+            <a:ln w="12700" cap="flat">
+              <a:noFill/>
+              <a:prstDash val="solid"/>
+              <a:miter lim="800000"/>
+              <a:headEnd/>
+              <a:tailEnd/>
+            </a:ln>
+          </p:spPr>
+          <p:txBody>
+            <a:bodyPr vert="horz" wrap="square" lIns="91440" tIns="45720" rIns="91440" bIns="45720" numCol="1" rtlCol="0" anchor="t" anchorCtr="0" compatLnSpc="1">
+              <a:prstTxWarp prst="textNoShape">
+                <a:avLst/>
+              </a:prstTxWarp>
+            </a:bodyPr>
+            <a:lstStyle/>
+            <a:p>
+              <a:pPr rtl="0"/>
+              <a:endParaRPr lang="de-DE" dirty="0"/>
+            </a:p>
+          </p:txBody>
+        </p:sp>
+        <p:sp>
+          <p:nvSpPr>
+            <p:cNvPr id="22" name="Freihandform 12">
+              <a:extLst>
+                <a:ext uri="{FF2B5EF4-FFF2-40B4-BE49-F238E27FC236}">
+                  <a16:creationId xmlns:a16="http://schemas.microsoft.com/office/drawing/2014/main" id="{517F7404-4FD2-4A56-9BC1-55945A2E0042}"/>
+                </a:ext>
+              </a:extLst>
+            </p:cNvPr>
+            <p:cNvSpPr>
+              <a:spLocks/>
+            </p:cNvSpPr>
+            <p:nvPr/>
+          </p:nvSpPr>
+          <p:spPr bwMode="auto">
+            <a:xfrm rot="9420272">
+              <a:off x="5218811" y="-1993836"/>
+              <a:ext cx="7570428" cy="10122905"/>
+            </a:xfrm>
+            <a:custGeom>
+              <a:avLst/>
+              <a:gdLst>
+                <a:gd name="T0" fmla="*/ 1896 w 2175"/>
+                <a:gd name="T1" fmla="*/ 2283 h 2913"/>
+                <a:gd name="T2" fmla="*/ 1467 w 2175"/>
+                <a:gd name="T3" fmla="*/ 2913 h 2913"/>
+                <a:gd name="T4" fmla="*/ 1250 w 2175"/>
+                <a:gd name="T5" fmla="*/ 2849 h 2913"/>
+                <a:gd name="T6" fmla="*/ 1016 w 2175"/>
+                <a:gd name="T7" fmla="*/ 2168 h 2913"/>
+                <a:gd name="T8" fmla="*/ 93 w 2175"/>
+                <a:gd name="T9" fmla="*/ 661 h 2913"/>
+                <a:gd name="T10" fmla="*/ 0 w 2175"/>
+                <a:gd name="T11" fmla="*/ 238 h 2913"/>
+                <a:gd name="T12" fmla="*/ 70 w 2175"/>
+                <a:gd name="T13" fmla="*/ 195 h 2913"/>
+                <a:gd name="T14" fmla="*/ 638 w 2175"/>
+                <a:gd name="T15" fmla="*/ 648 h 2913"/>
+                <a:gd name="T16" fmla="*/ 1127 w 2175"/>
+                <a:gd name="T17" fmla="*/ 1052 h 2913"/>
+                <a:gd name="T18" fmla="*/ 1896 w 2175"/>
+                <a:gd name="T19" fmla="*/ 2283 h 2913"/>
+              </a:gdLst>
+              <a:ahLst/>
+              <a:cxnLst>
+                <a:cxn ang="0">
+                  <a:pos x="T0" y="T1"/>
+                </a:cxn>
+                <a:cxn ang="0">
+                  <a:pos x="T2" y="T3"/>
+                </a:cxn>
+                <a:cxn ang="0">
+                  <a:pos x="T4" y="T5"/>
+                </a:cxn>
+                <a:cxn ang="0">
+                  <a:pos x="T6" y="T7"/>
+                </a:cxn>
+                <a:cxn ang="0">
+                  <a:pos x="T8" y="T9"/>
+                </a:cxn>
+                <a:cxn ang="0">
+                  <a:pos x="T10" y="T11"/>
+                </a:cxn>
+                <a:cxn ang="0">
+                  <a:pos x="T12" y="T13"/>
+                </a:cxn>
+                <a:cxn ang="0">
+                  <a:pos x="T14" y="T15"/>
+                </a:cxn>
+                <a:cxn ang="0">
+                  <a:pos x="T16" y="T17"/>
+                </a:cxn>
+                <a:cxn ang="0">
+                  <a:pos x="T18" y="T19"/>
+                </a:cxn>
+              </a:cxnLst>
+              <a:rect l="0" t="0" r="r" b="b"/>
+              <a:pathLst>
+                <a:path w="2175" h="2913">
+                  <a:moveTo>
+                    <a:pt x="1896" y="2283"/>
+                  </a:moveTo>
+                  <a:cubicBezTo>
+                    <a:pt x="1770" y="2651"/>
+                    <a:pt x="1607" y="2829"/>
+                    <a:pt x="1467" y="2913"/>
+                  </a:cubicBezTo>
+                  <a:cubicBezTo>
+                    <a:pt x="1397" y="2909"/>
+                    <a:pt x="1324" y="2889"/>
+                    <a:pt x="1250" y="2849"/>
+                  </a:cubicBezTo>
+                  <a:cubicBezTo>
+                    <a:pt x="858" y="2634"/>
+                    <a:pt x="1016" y="2168"/>
+                    <a:pt x="1016" y="2168"/>
+                  </a:cubicBezTo>
+                  <a:cubicBezTo>
+                    <a:pt x="1354" y="1026"/>
+                    <a:pt x="336" y="1282"/>
+                    <a:pt x="93" y="661"/>
+                  </a:cubicBezTo>
+                  <a:cubicBezTo>
+                    <a:pt x="28" y="495"/>
+                    <a:pt x="1" y="354"/>
+                    <a:pt x="0" y="238"/>
+                  </a:cubicBezTo>
+                  <a:cubicBezTo>
+                    <a:pt x="20" y="222"/>
+                    <a:pt x="44" y="208"/>
+                    <a:pt x="70" y="195"/>
+                  </a:cubicBezTo>
+                  <a:cubicBezTo>
+                    <a:pt x="481" y="0"/>
+                    <a:pt x="491" y="389"/>
+                    <a:pt x="638" y="648"/>
+                  </a:cubicBezTo>
+                  <a:cubicBezTo>
+                    <a:pt x="785" y="907"/>
+                    <a:pt x="850" y="945"/>
+                    <a:pt x="1127" y="1052"/>
+                  </a:cubicBezTo>
+                  <a:cubicBezTo>
+                    <a:pt x="1404" y="1159"/>
+                    <a:pt x="2175" y="1472"/>
+                    <a:pt x="1896" y="2283"/>
+                  </a:cubicBezTo>
+                  <a:close/>
+                </a:path>
+              </a:pathLst>
+            </a:custGeom>
+            <a:gradFill>
+              <a:gsLst>
+                <a:gs pos="100000">
+                  <a:srgbClr val="7CEFD8"/>
+                </a:gs>
+                <a:gs pos="19000">
+                  <a:srgbClr val="6672E4"/>
+                </a:gs>
+                <a:gs pos="0">
+                  <a:srgbClr val="882BE5"/>
+                </a:gs>
+              </a:gsLst>
+              <a:lin ang="10200000" scaled="0"/>
+            </a:gradFill>
+            <a:ln w="12700" cap="flat">
+              <a:noFill/>
+              <a:prstDash val="solid"/>
+              <a:miter lim="800000"/>
+              <a:headEnd/>
+              <a:tailEnd/>
+            </a:ln>
+          </p:spPr>
+          <p:txBody>
+            <a:bodyPr vert="horz" wrap="square" lIns="91440" tIns="45720" rIns="91440" bIns="45720" numCol="1" rtlCol="0" anchor="t" anchorCtr="0" compatLnSpc="1">
+              <a:prstTxWarp prst="textNoShape">
+                <a:avLst/>
+              </a:prstTxWarp>
+            </a:bodyPr>
+            <a:lstStyle/>
+            <a:p>
+              <a:pPr rtl="0"/>
+              <a:endParaRPr lang="de-DE" dirty="0"/>
+            </a:p>
+          </p:txBody>
+        </p:sp>
+      </p:grpSp>
+      <p:sp>
+        <p:nvSpPr>
+          <p:cNvPr id="25" name="Titel 24" hidden="1">
+            <a:extLst>
+              <a:ext uri="{FF2B5EF4-FFF2-40B4-BE49-F238E27FC236}">
+                <a16:creationId xmlns:a16="http://schemas.microsoft.com/office/drawing/2014/main" id="{24922840-A8AD-427F-889C-2B79CACC872F}"/>
+              </a:ext>
+            </a:extLst>
+          </p:cNvPr>
+          <p:cNvSpPr>
+            <a:spLocks noGrp="1"/>
+          </p:cNvSpPr>
+          <p:nvPr>
+            <p:ph type="title"/>
+          </p:nvPr>
+        </p:nvSpPr>
+        <p:spPr/>
+        <p:txBody>
+          <a:bodyPr rtlCol="0"/>
+          <a:lstStyle/>
+          <a:p>
+            <a:r>
+              <a:rPr lang="de-DE" dirty="0"/>
+              <a:t>Personal – Folie10</a:t>
+            </a:r>
+          </a:p>
+        </p:txBody>
+      </p:sp>
+      <p:pic>
+        <p:nvPicPr>
+          <p:cNvPr id="29" name="Grafik 28">
+            <a:extLst>
+              <a:ext uri="{FF2B5EF4-FFF2-40B4-BE49-F238E27FC236}">
+                <a16:creationId xmlns:a16="http://schemas.microsoft.com/office/drawing/2014/main" id="{7AB97BEE-A255-4F56-B023-3E7087112665}"/>
+              </a:ext>
+            </a:extLst>
+          </p:cNvPr>
+          <p:cNvPicPr>
+            <a:picLocks noChangeAspect="1"/>
+          </p:cNvPicPr>
+          <p:nvPr/>
+        </p:nvPicPr>
+        <p:blipFill>
+          <a:blip r:embed="rId3">
+            <a:extLst>
+              <a:ext uri="{28A0092B-C50C-407E-A947-70E740481C1C}">
+                <a14:useLocalDpi xmlns:a14="http://schemas.microsoft.com/office/drawing/2010/main" val="0"/>
+              </a:ext>
+            </a:extLst>
+          </a:blip>
+          <a:stretch>
+            <a:fillRect/>
+          </a:stretch>
+        </p:blipFill>
+        <p:spPr>
+          <a:xfrm>
+            <a:off x="416452" y="74029"/>
+            <a:ext cx="3600663" cy="3600663"/>
+          </a:xfrm>
+          <a:prstGeom prst="rect">
+            <a:avLst/>
+          </a:prstGeom>
+        </p:spPr>
+      </p:pic>
+    </p:spTree>
+    <p:extLst>
+      <p:ext uri="{BB962C8B-B14F-4D97-AF65-F5344CB8AC3E}">
+        <p14:creationId xmlns:p14="http://schemas.microsoft.com/office/powerpoint/2010/main" val="2352568571"/>
       </p:ext>
     </p:extLst>
   </p:cSld>
@@ -10583,16 +12673,13 @@
             <a:lstStyle/>
             <a:p>
               <a:pPr rtl="0"/>
-              <a:r>
-                <a:rPr lang="de-DE" sz="1600" i="1" dirty="0">
-                  <a:solidFill>
-                    <a:schemeClr val="bg1"/>
-                  </a:solidFill>
-                  <a:latin typeface="+mj-lt"/>
-                  <a:cs typeface="Segoe UI" panose="020B0502040204020203" pitchFamily="34" charset="0"/>
-                </a:rPr>
-                <a:t>XXXX</a:t>
-              </a:r>
+              <a:endParaRPr lang="de-DE" sz="1600" i="1" dirty="0">
+                <a:solidFill>
+                  <a:schemeClr val="bg1"/>
+                </a:solidFill>
+                <a:latin typeface="+mj-lt"/>
+                <a:cs typeface="Segoe UI" panose="020B0502040204020203" pitchFamily="34" charset="0"/>
+              </a:endParaRPr>
             </a:p>
           </p:txBody>
         </p:sp>
@@ -17514,10 +19601,7 @@
           </a:lstStyle>
           <a:p>
             <a:pPr rtl="0"/>
-            <a:r>
-              <a:rPr lang="de-DE" dirty="0"/>
-              <a:t>XXXX</a:t>
-            </a:r>
+            <a:endParaRPr lang="de-DE" dirty="0"/>
           </a:p>
           <a:p>
             <a:pPr rtl="0"/>
@@ -17530,7 +19614,7 @@
             </a:pPr>
             <a:r>
               <a:rPr lang="de-DE" dirty="0"/>
-              <a:t>..</a:t>
+              <a:t>Bei Zusammentreffen werden Aufgaben verteilt</a:t>
             </a:r>
           </a:p>
           <a:p>
@@ -17540,21 +19624,7 @@
             </a:pPr>
             <a:r>
               <a:rPr lang="de-DE" dirty="0"/>
-              <a:t>..</a:t>
-            </a:r>
-          </a:p>
-          <a:p>
-            <a:pPr rtl="0"/>
-            <a:endParaRPr lang="de-DE" dirty="0"/>
-          </a:p>
-          <a:p>
-            <a:pPr marL="285750" indent="-285750" rtl="0">
-              <a:buFont typeface="Wingdings" panose="05000000000000000000" pitchFamily="2" charset="2"/>
-              <a:buChar char="v"/>
-            </a:pPr>
-            <a:r>
-              <a:rPr lang="de-DE" dirty="0"/>
-              <a:t>..</a:t>
+              <a:t>Jeder bekommt eine Deadline wann die Aufgabe erledigt wird</a:t>
             </a:r>
           </a:p>
           <a:p>
@@ -17564,17 +19634,7 @@
             </a:pPr>
             <a:r>
               <a:rPr lang="de-DE" dirty="0"/>
-              <a:t>..</a:t>
-            </a:r>
-          </a:p>
-          <a:p>
-            <a:pPr marL="285750" indent="-285750" rtl="0">
-              <a:buFont typeface="Wingdings" panose="05000000000000000000" pitchFamily="2" charset="2"/>
-              <a:buChar char="v"/>
-            </a:pPr>
-            <a:r>
-              <a:rPr lang="de-DE" dirty="0"/>
-              <a:t>..</a:t>
+              <a:t>Im nächsten Zusammentreffen werden die Aufgaben besprochen</a:t>
             </a:r>
           </a:p>
         </p:txBody>
@@ -19217,7 +21277,7 @@
         <p:spPr>
           <a:xfrm>
             <a:off x="241881" y="5454662"/>
-            <a:ext cx="2653720" cy="692818"/>
+            <a:ext cx="2653720" cy="1062150"/>
           </a:xfrm>
           <a:prstGeom prst="rect">
             <a:avLst/>
@@ -19402,7 +21462,7 @@
                 <a:latin typeface="Segoe UI" panose="020B0502040204020203" pitchFamily="34" charset="0"/>
                 <a:cs typeface="Segoe UI" panose="020B0502040204020203" pitchFamily="34" charset="0"/>
               </a:rPr>
-              <a:t>Rollen verteilen, Use-Cases sammeln XXXXX</a:t>
+              <a:t>Rollen verteilen, Use-Cases sammeln, Use-Case Diagramm erstellen</a:t>
             </a:r>
           </a:p>
         </p:txBody>
@@ -19692,7 +21752,7 @@
                 <a:latin typeface="Segoe UI" panose="020B0502040204020203" pitchFamily="34" charset="0"/>
                 <a:cs typeface="Segoe UI" panose="020B0502040204020203" pitchFamily="34" charset="0"/>
               </a:rPr>
-              <a:t>Diagramme erstellen, Wireframes modellieren XXXX</a:t>
+              <a:t>Beschreibung der Use-Cases, Diagramme erstellen, Wireframes modellieren</a:t>
             </a:r>
           </a:p>
         </p:txBody>
@@ -19797,7 +21857,7 @@
         <p:spPr>
           <a:xfrm>
             <a:off x="6247488" y="5454663"/>
-            <a:ext cx="2653720" cy="692818"/>
+            <a:ext cx="2653720" cy="1062150"/>
           </a:xfrm>
           <a:prstGeom prst="rect">
             <a:avLst/>
@@ -19982,7 +22042,7 @@
                 <a:latin typeface="Segoe UI" panose="020B0502040204020203" pitchFamily="34" charset="0"/>
                 <a:cs typeface="Segoe UI" panose="020B0502040204020203" pitchFamily="34" charset="0"/>
               </a:rPr>
-              <a:t>Prototypische Entwicklung (?) XXXXX</a:t>
+              <a:t>Nicht-funktionale Anforderungen sammeln, Prototypische Entwicklung</a:t>
             </a:r>
           </a:p>
         </p:txBody>
@@ -20087,7 +22147,7 @@
         <p:spPr>
           <a:xfrm>
             <a:off x="9260843" y="5454663"/>
-            <a:ext cx="2653720" cy="692818"/>
+            <a:ext cx="2653720" cy="1062150"/>
           </a:xfrm>
           <a:prstGeom prst="rect">
             <a:avLst/>
@@ -20272,7 +22332,7 @@
                 <a:latin typeface="Segoe UI" panose="020B0502040204020203" pitchFamily="34" charset="0"/>
                 <a:cs typeface="Segoe UI" panose="020B0502040204020203" pitchFamily="34" charset="0"/>
               </a:rPr>
-              <a:t>Endphase, Finalentwicklung XXXXXX</a:t>
+              <a:t>Endphase, Finalentwicklung, Gesamtrückblick auf das Projekt</a:t>
             </a:r>
           </a:p>
         </p:txBody>
@@ -21701,6 +23761,145 @@
       </p:grpSpPr>
       <p:sp>
         <p:nvSpPr>
+          <p:cNvPr id="3" name="Textfeld 2">
+            <a:extLst>
+              <a:ext uri="{FF2B5EF4-FFF2-40B4-BE49-F238E27FC236}">
+                <a16:creationId xmlns:a16="http://schemas.microsoft.com/office/drawing/2014/main" id="{CE6AF7FE-5978-4B5F-90E1-044AC25EC230}"/>
+              </a:ext>
+            </a:extLst>
+          </p:cNvPr>
+          <p:cNvSpPr txBox="1"/>
+          <p:nvPr/>
+        </p:nvSpPr>
+        <p:spPr>
+          <a:xfrm>
+            <a:off x="726781" y="273553"/>
+            <a:ext cx="5369219" cy="405205"/>
+          </a:xfrm>
+          <a:prstGeom prst="rect">
+            <a:avLst/>
+          </a:prstGeom>
+          <a:noFill/>
+        </p:spPr>
+        <p:txBody>
+          <a:bodyPr wrap="square" lIns="0" tIns="0" rIns="0" bIns="0" rtlCol="0">
+            <a:noAutofit/>
+          </a:bodyPr>
+          <a:lstStyle>
+            <a:defPPr>
+              <a:defRPr lang="en-US"/>
+            </a:defPPr>
+            <a:lvl1pPr>
+              <a:lnSpc>
+                <a:spcPts val="4000"/>
+              </a:lnSpc>
+              <a:defRPr sz="3600" b="1">
+                <a:solidFill>
+                  <a:srgbClr val="002060"/>
+                </a:solidFill>
+                <a:latin typeface="Segoe UI" panose="020B0502040204020203" pitchFamily="34" charset="0"/>
+                <a:cs typeface="Segoe UI" panose="020B0502040204020203" pitchFamily="34" charset="0"/>
+              </a:defRPr>
+            </a:lvl1pPr>
+          </a:lstStyle>
+          <a:p>
+            <a:pPr rtl="0"/>
+            <a:r>
+              <a:rPr lang="de-DE" sz="3200" dirty="0"/>
+              <a:t>Use-Case Diagramm</a:t>
+            </a:r>
+          </a:p>
+        </p:txBody>
+      </p:sp>
+      <p:pic>
+        <p:nvPicPr>
+          <p:cNvPr id="163" name="Bild 162" descr="Dieses Bild zeigt zwei Paar Hände, die Puzzleteile zusammenfügen. ">
+            <a:extLst>
+              <a:ext uri="{FF2B5EF4-FFF2-40B4-BE49-F238E27FC236}">
+                <a16:creationId xmlns:a16="http://schemas.microsoft.com/office/drawing/2014/main" id="{AB835B29-19DB-41C9-9C29-FB52358C44C7}"/>
+              </a:ext>
+            </a:extLst>
+          </p:cNvPr>
+          <p:cNvPicPr>
+            <a:picLocks noChangeAspect="1"/>
+          </p:cNvPicPr>
+          <p:nvPr/>
+        </p:nvPicPr>
+        <p:blipFill rotWithShape="1">
+          <a:blip r:embed="rId3"/>
+          <a:srcRect r="15224"/>
+          <a:stretch/>
+        </p:blipFill>
+        <p:spPr>
+          <a:xfrm>
+            <a:off x="7548019" y="0"/>
+            <a:ext cx="4643982" cy="6858000"/>
+          </a:xfrm>
+          <a:prstGeom prst="rect">
+            <a:avLst/>
+          </a:prstGeom>
+        </p:spPr>
+      </p:pic>
+      <p:sp>
+        <p:nvSpPr>
+          <p:cNvPr id="53" name="Titel 52" hidden="1">
+            <a:extLst>
+              <a:ext uri="{FF2B5EF4-FFF2-40B4-BE49-F238E27FC236}">
+                <a16:creationId xmlns:a16="http://schemas.microsoft.com/office/drawing/2014/main" id="{6BCAF586-A14B-4A3B-A249-655ADDBB3A4C}"/>
+              </a:ext>
+            </a:extLst>
+          </p:cNvPr>
+          <p:cNvSpPr>
+            <a:spLocks noGrp="1"/>
+          </p:cNvSpPr>
+          <p:nvPr>
+            <p:ph type="title"/>
+          </p:nvPr>
+        </p:nvSpPr>
+        <p:spPr/>
+        <p:txBody>
+          <a:bodyPr rtlCol="0"/>
+          <a:lstStyle/>
+          <a:p>
+            <a:r>
+              <a:rPr lang="de-DE" dirty="0"/>
+              <a:t>Personal – Folie8</a:t>
+            </a:r>
+          </a:p>
+        </p:txBody>
+      </p:sp>
+    </p:spTree>
+    <p:extLst>
+      <p:ext uri="{BB962C8B-B14F-4D97-AF65-F5344CB8AC3E}">
+        <p14:creationId xmlns:p14="http://schemas.microsoft.com/office/powerpoint/2010/main" val="2567077349"/>
+      </p:ext>
+    </p:extLst>
+  </p:cSld>
+  <p:clrMapOvr>
+    <a:masterClrMapping/>
+  </p:clrMapOvr>
+</p:sld>
+</file>
+
+<file path=ppt/slides/slide8.xml><?xml version="1.0" encoding="utf-8"?>
+<p:sld xmlns:a="http://schemas.openxmlformats.org/drawingml/2006/main" xmlns:r="http://schemas.openxmlformats.org/officeDocument/2006/relationships" xmlns:p="http://schemas.openxmlformats.org/presentationml/2006/main">
+  <p:cSld>
+    <p:spTree>
+      <p:nvGrpSpPr>
+        <p:cNvPr id="1" name=""/>
+        <p:cNvGrpSpPr/>
+        <p:nvPr/>
+      </p:nvGrpSpPr>
+      <p:grpSpPr>
+        <a:xfrm>
+          <a:off x="0" y="0"/>
+          <a:ext cx="0" cy="0"/>
+          <a:chOff x="0" y="0"/>
+          <a:chExt cx="0" cy="0"/>
+        </a:xfrm>
+      </p:grpSpPr>
+      <p:sp>
+        <p:nvSpPr>
           <p:cNvPr id="2" name="Textfeld 1">
             <a:extLst>
               <a:ext uri="{FF2B5EF4-FFF2-40B4-BE49-F238E27FC236}">
@@ -21815,7 +24014,7 @@
         <p:spPr>
           <a:xfrm>
             <a:off x="726781" y="2274346"/>
-            <a:ext cx="5369219" cy="246221"/>
+            <a:ext cx="5369219" cy="1631216"/>
           </a:xfrm>
           <a:prstGeom prst="rect">
             <a:avLst/>
@@ -21840,11 +24039,60 @@
             </a:lvl1pPr>
           </a:lstStyle>
           <a:p>
-            <a:pPr rtl="0"/>
+            <a:pPr marL="285750" indent="-285750" rtl="0">
+              <a:buFont typeface="Wingdings" panose="05000000000000000000" pitchFamily="2" charset="2"/>
+              <a:buChar char="v"/>
+            </a:pPr>
             <a:r>
               <a:rPr lang="de-DE" i="0" dirty="0"/>
-              <a:t>??????</a:t>
+              <a:t>In vier Bereiche aufgeteilt:</a:t>
             </a:r>
+          </a:p>
+          <a:p>
+            <a:pPr marL="742950" lvl="1" indent="-285750">
+              <a:buFont typeface="Wingdings" panose="05000000000000000000" pitchFamily="2" charset="2"/>
+              <a:buChar char="v"/>
+            </a:pPr>
+            <a:r>
+              <a:rPr lang="de-DE" dirty="0"/>
+              <a:t>Produkt suchen &amp; anzeigen</a:t>
+            </a:r>
+          </a:p>
+          <a:p>
+            <a:pPr marL="742950" lvl="1" indent="-285750">
+              <a:buFont typeface="Wingdings" panose="05000000000000000000" pitchFamily="2" charset="2"/>
+              <a:buChar char="v"/>
+            </a:pPr>
+            <a:r>
+              <a:rPr lang="de-DE" dirty="0"/>
+              <a:t>Änderungen am Produkt &amp; an der Filiale</a:t>
+            </a:r>
+          </a:p>
+          <a:p>
+            <a:pPr marL="742950" lvl="1" indent="-285750">
+              <a:buFont typeface="Wingdings" panose="05000000000000000000" pitchFamily="2" charset="2"/>
+              <a:buChar char="v"/>
+            </a:pPr>
+            <a:r>
+              <a:rPr lang="de-DE" dirty="0"/>
+              <a:t>Anmeldung</a:t>
+            </a:r>
+          </a:p>
+          <a:p>
+            <a:pPr marL="742950" lvl="1" indent="-285750">
+              <a:buFont typeface="Wingdings" panose="05000000000000000000" pitchFamily="2" charset="2"/>
+              <a:buChar char="v"/>
+            </a:pPr>
+            <a:r>
+              <a:rPr lang="de-DE" dirty="0"/>
+              <a:t>Sonstige Features</a:t>
+            </a:r>
+          </a:p>
+          <a:p>
+            <a:pPr marL="742950" lvl="1" indent="-285750">
+              <a:buFont typeface="Wingdings" panose="05000000000000000000" pitchFamily="2" charset="2"/>
+              <a:buChar char="v"/>
+            </a:pPr>
             <a:endParaRPr lang="de-DE" dirty="0"/>
           </a:p>
         </p:txBody>
@@ -21919,7 +24167,7 @@
 </p:sld>
 </file>
 
-<file path=ppt/slides/slide8.xml><?xml version="1.0" encoding="utf-8"?>
+<file path=ppt/slides/slide9.xml><?xml version="1.0" encoding="utf-8"?>
 <p:sld xmlns:a="http://schemas.openxmlformats.org/drawingml/2006/main" xmlns:r="http://schemas.openxmlformats.org/officeDocument/2006/relationships" xmlns:p="http://schemas.openxmlformats.org/presentationml/2006/main">
   <p:cSld>
     <p:spTree>
@@ -21938,10 +24186,10 @@
       </p:grpSpPr>
       <p:sp>
         <p:nvSpPr>
-          <p:cNvPr id="3" name="Textfeld 2">
+          <p:cNvPr id="2" name="Textfeld 1">
             <a:extLst>
               <a:ext uri="{FF2B5EF4-FFF2-40B4-BE49-F238E27FC236}">
-                <a16:creationId xmlns:a16="http://schemas.microsoft.com/office/drawing/2014/main" id="{9436B850-15F2-41BC-A54E-6E0F332F011D}"/>
+                <a16:creationId xmlns:a16="http://schemas.microsoft.com/office/drawing/2014/main" id="{CF3ECDF0-20E4-42EB-A939-E751FFB8EB9E}"/>
               </a:ext>
             </a:extLst>
           </p:cNvPr>
@@ -21950,50 +24198,8 @@
         </p:nvSpPr>
         <p:spPr>
           <a:xfrm>
-            <a:off x="733192" y="4331033"/>
-            <a:ext cx="4845708" cy="830997"/>
-          </a:xfrm>
-          <a:prstGeom prst="rect">
-            <a:avLst/>
-          </a:prstGeom>
-          <a:noFill/>
-        </p:spPr>
-        <p:txBody>
-          <a:bodyPr wrap="square" lIns="0" tIns="0" rIns="0" bIns="0" rtlCol="0">
-            <a:spAutoFit/>
-          </a:bodyPr>
-          <a:lstStyle/>
-          <a:p>
-            <a:pPr rtl="0"/>
-            <a:r>
-              <a:rPr lang="de-DE" sz="5400" b="1" dirty="0">
-                <a:solidFill>
-                  <a:srgbClr val="002060"/>
-                </a:solidFill>
-                <a:latin typeface="Segoe UI" panose="020B0502040204020203" pitchFamily="34" charset="0"/>
-                <a:cs typeface="Segoe UI" panose="020B0502040204020203" pitchFamily="34" charset="0"/>
-              </a:rPr>
-              <a:t>Vielen Dank!</a:t>
-            </a:r>
-          </a:p>
-        </p:txBody>
-      </p:sp>
-      <p:sp>
-        <p:nvSpPr>
-          <p:cNvPr id="4" name="Rechteck 3">
-            <a:extLst>
-              <a:ext uri="{FF2B5EF4-FFF2-40B4-BE49-F238E27FC236}">
-                <a16:creationId xmlns:a16="http://schemas.microsoft.com/office/drawing/2014/main" id="{A9B74FAF-1757-48A8-BBFB-722E8E1D6FA4}"/>
-              </a:ext>
-            </a:extLst>
-          </p:cNvPr>
-          <p:cNvSpPr/>
-          <p:nvPr/>
-        </p:nvSpPr>
-        <p:spPr>
-          <a:xfrm>
-            <a:off x="733192" y="5358396"/>
-            <a:ext cx="3536195" cy="984885"/>
+            <a:off x="726781" y="865651"/>
+            <a:ext cx="6224717" cy="246221"/>
           </a:xfrm>
           <a:prstGeom prst="rect">
             <a:avLst/>
@@ -22003,603 +24209,248 @@
           <a:bodyPr wrap="square" lIns="0" tIns="0" rIns="0" bIns="0" rtlCol="0">
             <a:spAutoFit/>
           </a:bodyPr>
-          <a:lstStyle/>
-          <a:p>
-            <a:pPr rtl="0"/>
-            <a:r>
-              <a:rPr lang="de-DE" sz="1600" i="1" dirty="0">
+          <a:lstStyle>
+            <a:defPPr>
+              <a:defRPr lang="en-US"/>
+            </a:defPPr>
+            <a:lvl1pPr>
+              <a:defRPr sz="1600" i="1">
                 <a:solidFill>
                   <a:srgbClr val="002060"/>
                 </a:solidFill>
                 <a:latin typeface="+mj-lt"/>
                 <a:cs typeface="Segoe UI" panose="020B0502040204020203" pitchFamily="34" charset="0"/>
-              </a:rPr>
-              <a:t>Julian Stipovic</a:t>
-            </a:r>
-          </a:p>
+              </a:defRPr>
+            </a:lvl1pPr>
+          </a:lstStyle>
           <a:p>
             <a:pPr rtl="0"/>
             <a:r>
-              <a:rPr lang="de-DE" sz="1600" i="1" dirty="0">
+              <a:rPr lang="de-DE" i="0" dirty="0"/>
+              <a:t>Produkt suchen &amp; anzeigen</a:t>
+            </a:r>
+            <a:endParaRPr lang="de-DE" dirty="0"/>
+          </a:p>
+        </p:txBody>
+      </p:sp>
+      <p:sp>
+        <p:nvSpPr>
+          <p:cNvPr id="3" name="Textfeld 2">
+            <a:extLst>
+              <a:ext uri="{FF2B5EF4-FFF2-40B4-BE49-F238E27FC236}">
+                <a16:creationId xmlns:a16="http://schemas.microsoft.com/office/drawing/2014/main" id="{CE6AF7FE-5978-4B5F-90E1-044AC25EC230}"/>
+              </a:ext>
+            </a:extLst>
+          </p:cNvPr>
+          <p:cNvSpPr txBox="1"/>
+          <p:nvPr/>
+        </p:nvSpPr>
+        <p:spPr>
+          <a:xfrm>
+            <a:off x="726781" y="273553"/>
+            <a:ext cx="5369219" cy="405205"/>
+          </a:xfrm>
+          <a:prstGeom prst="rect">
+            <a:avLst/>
+          </a:prstGeom>
+          <a:noFill/>
+        </p:spPr>
+        <p:txBody>
+          <a:bodyPr wrap="square" lIns="0" tIns="0" rIns="0" bIns="0" rtlCol="0">
+            <a:noAutofit/>
+          </a:bodyPr>
+          <a:lstStyle>
+            <a:defPPr>
+              <a:defRPr lang="en-US"/>
+            </a:defPPr>
+            <a:lvl1pPr>
+              <a:lnSpc>
+                <a:spcPts val="4000"/>
+              </a:lnSpc>
+              <a:defRPr sz="3600" b="1">
+                <a:solidFill>
+                  <a:srgbClr val="002060"/>
+                </a:solidFill>
+                <a:latin typeface="Segoe UI" panose="020B0502040204020203" pitchFamily="34" charset="0"/>
+                <a:cs typeface="Segoe UI" panose="020B0502040204020203" pitchFamily="34" charset="0"/>
+              </a:defRPr>
+            </a:lvl1pPr>
+          </a:lstStyle>
+          <a:p>
+            <a:pPr rtl="0"/>
+            <a:r>
+              <a:rPr lang="de-DE" sz="3200" dirty="0"/>
+              <a:t>Use-Case-Spezifikationen</a:t>
+            </a:r>
+          </a:p>
+        </p:txBody>
+      </p:sp>
+      <p:sp>
+        <p:nvSpPr>
+          <p:cNvPr id="5" name="Textfeld 4">
+            <a:extLst>
+              <a:ext uri="{FF2B5EF4-FFF2-40B4-BE49-F238E27FC236}">
+                <a16:creationId xmlns:a16="http://schemas.microsoft.com/office/drawing/2014/main" id="{11FEAF3D-6FC9-46CB-B4A4-9B8CA760AE20}"/>
+              </a:ext>
+            </a:extLst>
+          </p:cNvPr>
+          <p:cNvSpPr txBox="1"/>
+          <p:nvPr/>
+        </p:nvSpPr>
+        <p:spPr>
+          <a:xfrm>
+            <a:off x="726781" y="1600866"/>
+            <a:ext cx="5369219" cy="2862322"/>
+          </a:xfrm>
+          <a:prstGeom prst="rect">
+            <a:avLst/>
+          </a:prstGeom>
+        </p:spPr>
+        <p:txBody>
+          <a:bodyPr wrap="square" lIns="0" tIns="0" rIns="0" bIns="0" rtlCol="0">
+            <a:spAutoFit/>
+          </a:bodyPr>
+          <a:lstStyle>
+            <a:defPPr>
+              <a:defRPr lang="en-US"/>
+            </a:defPPr>
+            <a:lvl1pPr>
+              <a:defRPr sz="1600" i="1">
                 <a:solidFill>
                   <a:srgbClr val="002060"/>
                 </a:solidFill>
                 <a:latin typeface="+mj-lt"/>
                 <a:cs typeface="Segoe UI" panose="020B0502040204020203" pitchFamily="34" charset="0"/>
-              </a:rPr>
-              <a:t>Fabian </a:t>
-            </a:r>
+              </a:defRPr>
+            </a:lvl1pPr>
+          </a:lstStyle>
+          <a:p>
+            <a:pPr marL="285750" indent="-285750">
+              <a:buFont typeface="Wingdings" panose="05000000000000000000" pitchFamily="2" charset="2"/>
+              <a:buChar char="v"/>
+            </a:pPr>
             <a:r>
-              <a:rPr lang="de-DE" sz="1600" i="1" dirty="0" err="1">
-                <a:solidFill>
-                  <a:srgbClr val="002060"/>
-                </a:solidFill>
-                <a:latin typeface="+mj-lt"/>
-                <a:cs typeface="Segoe UI" panose="020B0502040204020203" pitchFamily="34" charset="0"/>
-              </a:rPr>
-              <a:t>Qarqur</a:t>
-            </a:r>
-            <a:endParaRPr lang="de-DE" sz="1600" i="1" dirty="0">
-              <a:solidFill>
-                <a:srgbClr val="002060"/>
-              </a:solidFill>
-              <a:latin typeface="+mj-lt"/>
-              <a:cs typeface="Segoe UI" panose="020B0502040204020203" pitchFamily="34" charset="0"/>
-            </a:endParaRPr>
-          </a:p>
-          <a:p>
-            <a:pPr rtl="0"/>
-            <a:r>
-              <a:rPr lang="de-DE" sz="1600" i="1" dirty="0">
-                <a:solidFill>
-                  <a:srgbClr val="002060"/>
-                </a:solidFill>
-                <a:latin typeface="+mj-lt"/>
-                <a:cs typeface="Segoe UI" panose="020B0502040204020203" pitchFamily="34" charset="0"/>
-              </a:rPr>
-              <a:t>Daniel Boger</a:t>
+              <a:rPr lang="de-DE" dirty="0"/>
+              <a:t>User soll durch die Suchleiste ein Produkt finden</a:t>
             </a:r>
           </a:p>
           <a:p>
-            <a:pPr rtl="0"/>
+            <a:pPr marL="285750" indent="-285750">
+              <a:buFont typeface="Wingdings" panose="05000000000000000000" pitchFamily="2" charset="2"/>
+              <a:buChar char="v"/>
+            </a:pPr>
             <a:r>
-              <a:rPr lang="de-DE" sz="1600" i="1" dirty="0">
-                <a:solidFill>
-                  <a:srgbClr val="002060"/>
-                </a:solidFill>
-                <a:latin typeface="+mj-lt"/>
-                <a:cs typeface="Segoe UI" panose="020B0502040204020203" pitchFamily="34" charset="0"/>
-              </a:rPr>
-              <a:t>Damien Arriens</a:t>
+              <a:rPr lang="de-DE" dirty="0"/>
+              <a:t>Dem User sollen Informationen vom Produkt dargestellt werden:</a:t>
+            </a:r>
+          </a:p>
+          <a:p>
+            <a:pPr marL="742950" lvl="1" indent="-285750">
+              <a:buFont typeface="Wingdings" panose="05000000000000000000" pitchFamily="2" charset="2"/>
+              <a:buChar char="v"/>
+            </a:pPr>
+            <a:r>
+              <a:rPr lang="de-DE" dirty="0"/>
+              <a:t>Verfügbarkeit</a:t>
+            </a:r>
+          </a:p>
+          <a:p>
+            <a:pPr marL="742950" lvl="1" indent="-285750">
+              <a:buFont typeface="Wingdings" panose="05000000000000000000" pitchFamily="2" charset="2"/>
+              <a:buChar char="v"/>
+            </a:pPr>
+            <a:r>
+              <a:rPr lang="de-DE" dirty="0"/>
+              <a:t>Standort</a:t>
+            </a:r>
+          </a:p>
+          <a:p>
+            <a:pPr marL="742950" lvl="1" indent="-285750">
+              <a:buFont typeface="Wingdings" panose="05000000000000000000" pitchFamily="2" charset="2"/>
+              <a:buChar char="v"/>
+            </a:pPr>
+            <a:r>
+              <a:rPr lang="de-DE" dirty="0"/>
+              <a:t>Standort in der Filiale</a:t>
+            </a:r>
+          </a:p>
+          <a:p>
+            <a:pPr marL="742950" lvl="1" indent="-285750">
+              <a:buFont typeface="Wingdings" panose="05000000000000000000" pitchFamily="2" charset="2"/>
+              <a:buChar char="v"/>
+            </a:pPr>
+            <a:r>
+              <a:rPr lang="de-DE" dirty="0"/>
+              <a:t>Preis</a:t>
+            </a:r>
+          </a:p>
+          <a:p>
+            <a:pPr marL="742950" lvl="1" indent="-285750">
+              <a:buFont typeface="Wingdings" panose="05000000000000000000" pitchFamily="2" charset="2"/>
+              <a:buChar char="v"/>
+            </a:pPr>
+            <a:r>
+              <a:rPr lang="de-DE" dirty="0"/>
+              <a:t>Marke</a:t>
+            </a:r>
+          </a:p>
+          <a:p>
+            <a:pPr marL="285750" indent="-285750">
+              <a:buFont typeface="Wingdings" panose="05000000000000000000" pitchFamily="2" charset="2"/>
+              <a:buChar char="v"/>
+            </a:pPr>
+            <a:r>
+              <a:rPr lang="de-DE" dirty="0"/>
+              <a:t>Akteure sind der User, das IT-System und bei Abfrage des Standorts Google Maps</a:t>
+            </a:r>
+          </a:p>
+          <a:p>
+            <a:pPr marL="285750" indent="-285750">
+              <a:buFont typeface="Wingdings" panose="05000000000000000000" pitchFamily="2" charset="2"/>
+              <a:buChar char="v"/>
+            </a:pPr>
+            <a:r>
+              <a:rPr lang="de-DE" dirty="0"/>
+              <a:t>Bedingung dabei ist, dass das Produkt im Sortiment ist</a:t>
             </a:r>
           </a:p>
         </p:txBody>
       </p:sp>
-      <p:grpSp>
-        <p:nvGrpSpPr>
-          <p:cNvPr id="23" name="Gruppieren 22" descr="Dieses Bild ist eine abstrakte Form. ">
+      <p:pic>
+        <p:nvPicPr>
+          <p:cNvPr id="163" name="Bild 162" descr="Dieses Bild zeigt zwei Paar Hände, die Puzzleteile zusammenfügen. ">
             <a:extLst>
               <a:ext uri="{FF2B5EF4-FFF2-40B4-BE49-F238E27FC236}">
-                <a16:creationId xmlns:a16="http://schemas.microsoft.com/office/drawing/2014/main" id="{C5C1EC81-7459-4B76-B0C8-CF221BB21A2F}"/>
+                <a16:creationId xmlns:a16="http://schemas.microsoft.com/office/drawing/2014/main" id="{AB835B29-19DB-41C9-9C29-FB52358C44C7}"/>
               </a:ext>
             </a:extLst>
           </p:cNvPr>
-          <p:cNvGrpSpPr/>
+          <p:cNvPicPr>
+            <a:picLocks noChangeAspect="1"/>
+          </p:cNvPicPr>
           <p:nvPr/>
-        </p:nvGrpSpPr>
-        <p:grpSpPr>
+        </p:nvPicPr>
+        <p:blipFill rotWithShape="1">
+          <a:blip r:embed="rId3"/>
+          <a:srcRect r="15224"/>
+          <a:stretch/>
+        </p:blipFill>
+        <p:spPr>
           <a:xfrm>
-            <a:off x="4855953" y="-2833465"/>
-            <a:ext cx="8948964" cy="12105059"/>
-            <a:chOff x="4855953" y="-2833465"/>
-            <a:chExt cx="8948964" cy="12105059"/>
+            <a:off x="7548019" y="0"/>
+            <a:ext cx="4643982" cy="6858000"/>
           </a:xfrm>
-        </p:grpSpPr>
-        <p:sp>
-          <p:nvSpPr>
-            <p:cNvPr id="20" name="Freihandform 10">
-              <a:extLst>
-                <a:ext uri="{FF2B5EF4-FFF2-40B4-BE49-F238E27FC236}">
-                  <a16:creationId xmlns:a16="http://schemas.microsoft.com/office/drawing/2014/main" id="{6067105C-8C4E-4F4D-AF25-4E9E7FEE0199}"/>
-                </a:ext>
-              </a:extLst>
-            </p:cNvPr>
-            <p:cNvSpPr>
-              <a:spLocks/>
-            </p:cNvSpPr>
-            <p:nvPr/>
-          </p:nvSpPr>
-          <p:spPr bwMode="auto">
-            <a:xfrm rot="9420272">
-              <a:off x="4855953" y="-2246936"/>
-              <a:ext cx="8673602" cy="11518530"/>
-            </a:xfrm>
-            <a:custGeom>
-              <a:avLst/>
-              <a:gdLst>
-                <a:gd name="T0" fmla="*/ 1166 w 2492"/>
-                <a:gd name="T1" fmla="*/ 2419 h 3315"/>
-                <a:gd name="T2" fmla="*/ 243 w 2492"/>
-                <a:gd name="T3" fmla="*/ 912 h 3315"/>
-                <a:gd name="T4" fmla="*/ 449 w 2492"/>
-                <a:gd name="T5" fmla="*/ 15 h 3315"/>
-                <a:gd name="T6" fmla="*/ 766 w 2492"/>
-                <a:gd name="T7" fmla="*/ 302 h 3315"/>
-                <a:gd name="T8" fmla="*/ 1651 w 2492"/>
-                <a:gd name="T9" fmla="*/ 481 h 3315"/>
-                <a:gd name="T10" fmla="*/ 2239 w 2492"/>
-                <a:gd name="T11" fmla="*/ 1238 h 3315"/>
-                <a:gd name="T12" fmla="*/ 2186 w 2492"/>
-                <a:gd name="T13" fmla="*/ 2201 h 3315"/>
-                <a:gd name="T14" fmla="*/ 2165 w 2492"/>
-                <a:gd name="T15" fmla="*/ 2928 h 3315"/>
-                <a:gd name="T16" fmla="*/ 1400 w 2492"/>
-                <a:gd name="T17" fmla="*/ 3100 h 3315"/>
-                <a:gd name="T18" fmla="*/ 1166 w 2492"/>
-                <a:gd name="T19" fmla="*/ 2419 h 3315"/>
-              </a:gdLst>
-              <a:ahLst/>
-              <a:cxnLst>
-                <a:cxn ang="0">
-                  <a:pos x="T0" y="T1"/>
-                </a:cxn>
-                <a:cxn ang="0">
-                  <a:pos x="T2" y="T3"/>
-                </a:cxn>
-                <a:cxn ang="0">
-                  <a:pos x="T4" y="T5"/>
-                </a:cxn>
-                <a:cxn ang="0">
-                  <a:pos x="T6" y="T7"/>
-                </a:cxn>
-                <a:cxn ang="0">
-                  <a:pos x="T8" y="T9"/>
-                </a:cxn>
-                <a:cxn ang="0">
-                  <a:pos x="T10" y="T11"/>
-                </a:cxn>
-                <a:cxn ang="0">
-                  <a:pos x="T12" y="T13"/>
-                </a:cxn>
-                <a:cxn ang="0">
-                  <a:pos x="T14" y="T15"/>
-                </a:cxn>
-                <a:cxn ang="0">
-                  <a:pos x="T16" y="T17"/>
-                </a:cxn>
-                <a:cxn ang="0">
-                  <a:pos x="T18" y="T19"/>
-                </a:cxn>
-              </a:cxnLst>
-              <a:rect l="0" t="0" r="r" b="b"/>
-              <a:pathLst>
-                <a:path w="2492" h="3315">
-                  <a:moveTo>
-                    <a:pt x="1166" y="2419"/>
-                  </a:moveTo>
-                  <a:cubicBezTo>
-                    <a:pt x="1505" y="1277"/>
-                    <a:pt x="486" y="1533"/>
-                    <a:pt x="243" y="912"/>
-                  </a:cubicBezTo>
-                  <a:cubicBezTo>
-                    <a:pt x="0" y="292"/>
-                    <a:pt x="291" y="31"/>
-                    <a:pt x="449" y="15"/>
-                  </a:cubicBezTo>
-                  <a:cubicBezTo>
-                    <a:pt x="607" y="0"/>
-                    <a:pt x="716" y="54"/>
-                    <a:pt x="766" y="302"/>
-                  </a:cubicBezTo>
-                  <a:cubicBezTo>
-                    <a:pt x="817" y="551"/>
-                    <a:pt x="1312" y="508"/>
-                    <a:pt x="1651" y="481"/>
-                  </a:cubicBezTo>
-                  <a:cubicBezTo>
-                    <a:pt x="1989" y="454"/>
-                    <a:pt x="2492" y="733"/>
-                    <a:pt x="2239" y="1238"/>
-                  </a:cubicBezTo>
-                  <a:cubicBezTo>
-                    <a:pt x="1986" y="1743"/>
-                    <a:pt x="2000" y="1716"/>
-                    <a:pt x="2186" y="2201"/>
-                  </a:cubicBezTo>
-                  <a:cubicBezTo>
-                    <a:pt x="2372" y="2685"/>
-                    <a:pt x="2165" y="2928"/>
-                    <a:pt x="2165" y="2928"/>
-                  </a:cubicBezTo>
-                  <a:cubicBezTo>
-                    <a:pt x="2165" y="2928"/>
-                    <a:pt x="1791" y="3315"/>
-                    <a:pt x="1400" y="3100"/>
-                  </a:cubicBezTo>
-                  <a:cubicBezTo>
-                    <a:pt x="1008" y="2885"/>
-                    <a:pt x="1166" y="2419"/>
-                    <a:pt x="1166" y="2419"/>
-                  </a:cubicBezTo>
-                  <a:close/>
-                </a:path>
-              </a:pathLst>
-            </a:custGeom>
-            <a:gradFill>
-              <a:gsLst>
-                <a:gs pos="0">
-                  <a:srgbClr val="80DEDE"/>
-                </a:gs>
-                <a:gs pos="53500">
-                  <a:srgbClr val="85C1E7"/>
-                </a:gs>
-                <a:gs pos="100000">
-                  <a:srgbClr val="878CFF"/>
-                </a:gs>
-              </a:gsLst>
-              <a:lin ang="5400000" scaled="1"/>
-            </a:gradFill>
-            <a:ln w="12700" cap="flat">
-              <a:noFill/>
-              <a:prstDash val="solid"/>
-              <a:miter lim="800000"/>
-              <a:headEnd/>
-              <a:tailEnd/>
-            </a:ln>
-          </p:spPr>
-          <p:txBody>
-            <a:bodyPr vert="horz" wrap="square" lIns="91440" tIns="45720" rIns="91440" bIns="45720" numCol="1" rtlCol="0" anchor="t" anchorCtr="0" compatLnSpc="1">
-              <a:prstTxWarp prst="textNoShape">
-                <a:avLst/>
-              </a:prstTxWarp>
-            </a:bodyPr>
-            <a:lstStyle/>
-            <a:p>
-              <a:pPr rtl="0"/>
-              <a:endParaRPr lang="de-DE" dirty="0"/>
-            </a:p>
-          </p:txBody>
-        </p:sp>
-        <p:sp>
-          <p:nvSpPr>
-            <p:cNvPr id="21" name="Freihandform 11">
-              <a:extLst>
-                <a:ext uri="{FF2B5EF4-FFF2-40B4-BE49-F238E27FC236}">
-                  <a16:creationId xmlns:a16="http://schemas.microsoft.com/office/drawing/2014/main" id="{70B75532-3E3F-4E79-89ED-8E7671BB9C68}"/>
-                </a:ext>
-              </a:extLst>
-            </p:cNvPr>
-            <p:cNvSpPr>
-              <a:spLocks/>
-            </p:cNvSpPr>
-            <p:nvPr/>
-          </p:nvSpPr>
-          <p:spPr bwMode="auto">
-            <a:xfrm rot="9420272">
-              <a:off x="5048022" y="-2833465"/>
-              <a:ext cx="8756895" cy="10755934"/>
-            </a:xfrm>
-            <a:custGeom>
-              <a:avLst/>
-              <a:gdLst>
-                <a:gd name="T0" fmla="*/ 1504 w 2516"/>
-                <a:gd name="T1" fmla="*/ 2980 h 3095"/>
-                <a:gd name="T2" fmla="*/ 2237 w 2516"/>
-                <a:gd name="T3" fmla="*/ 2283 h 3095"/>
-                <a:gd name="T4" fmla="*/ 1468 w 2516"/>
-                <a:gd name="T5" fmla="*/ 1052 h 3095"/>
-                <a:gd name="T6" fmla="*/ 979 w 2516"/>
-                <a:gd name="T7" fmla="*/ 648 h 3095"/>
-                <a:gd name="T8" fmla="*/ 411 w 2516"/>
-                <a:gd name="T9" fmla="*/ 195 h 3095"/>
-                <a:gd name="T10" fmla="*/ 397 w 2516"/>
-                <a:gd name="T11" fmla="*/ 1117 h 3095"/>
-                <a:gd name="T12" fmla="*/ 194 w 2516"/>
-                <a:gd name="T13" fmla="*/ 1767 h 3095"/>
-                <a:gd name="T14" fmla="*/ 866 w 2516"/>
-                <a:gd name="T15" fmla="*/ 2349 h 3095"/>
-                <a:gd name="T16" fmla="*/ 1275 w 2516"/>
-                <a:gd name="T17" fmla="*/ 2766 h 3095"/>
-                <a:gd name="T18" fmla="*/ 1504 w 2516"/>
-                <a:gd name="T19" fmla="*/ 2980 h 3095"/>
-              </a:gdLst>
-              <a:ahLst/>
-              <a:cxnLst>
-                <a:cxn ang="0">
-                  <a:pos x="T0" y="T1"/>
-                </a:cxn>
-                <a:cxn ang="0">
-                  <a:pos x="T2" y="T3"/>
-                </a:cxn>
-                <a:cxn ang="0">
-                  <a:pos x="T4" y="T5"/>
-                </a:cxn>
-                <a:cxn ang="0">
-                  <a:pos x="T6" y="T7"/>
-                </a:cxn>
-                <a:cxn ang="0">
-                  <a:pos x="T8" y="T9"/>
-                </a:cxn>
-                <a:cxn ang="0">
-                  <a:pos x="T10" y="T11"/>
-                </a:cxn>
-                <a:cxn ang="0">
-                  <a:pos x="T12" y="T13"/>
-                </a:cxn>
-                <a:cxn ang="0">
-                  <a:pos x="T14" y="T15"/>
-                </a:cxn>
-                <a:cxn ang="0">
-                  <a:pos x="T16" y="T17"/>
-                </a:cxn>
-                <a:cxn ang="0">
-                  <a:pos x="T18" y="T19"/>
-                </a:cxn>
-              </a:cxnLst>
-              <a:rect l="0" t="0" r="r" b="b"/>
-              <a:pathLst>
-                <a:path w="2516" h="3095">
-                  <a:moveTo>
-                    <a:pt x="1504" y="2980"/>
-                  </a:moveTo>
-                  <a:cubicBezTo>
-                    <a:pt x="1504" y="2980"/>
-                    <a:pt x="1958" y="3095"/>
-                    <a:pt x="2237" y="2283"/>
-                  </a:cubicBezTo>
-                  <a:cubicBezTo>
-                    <a:pt x="2516" y="1472"/>
-                    <a:pt x="1745" y="1159"/>
-                    <a:pt x="1468" y="1052"/>
-                  </a:cubicBezTo>
-                  <a:cubicBezTo>
-                    <a:pt x="1191" y="945"/>
-                    <a:pt x="1126" y="907"/>
-                    <a:pt x="979" y="648"/>
-                  </a:cubicBezTo>
-                  <a:cubicBezTo>
-                    <a:pt x="832" y="389"/>
-                    <a:pt x="822" y="0"/>
-                    <a:pt x="411" y="195"/>
-                  </a:cubicBezTo>
-                  <a:cubicBezTo>
-                    <a:pt x="0" y="391"/>
-                    <a:pt x="384" y="948"/>
-                    <a:pt x="397" y="1117"/>
-                  </a:cubicBezTo>
-                  <a:cubicBezTo>
-                    <a:pt x="411" y="1286"/>
-                    <a:pt x="128" y="1580"/>
-                    <a:pt x="194" y="1767"/>
-                  </a:cubicBezTo>
-                  <a:cubicBezTo>
-                    <a:pt x="259" y="1954"/>
-                    <a:pt x="273" y="2154"/>
-                    <a:pt x="866" y="2349"/>
-                  </a:cubicBezTo>
-                  <a:cubicBezTo>
-                    <a:pt x="866" y="2349"/>
-                    <a:pt x="1186" y="2374"/>
-                    <a:pt x="1275" y="2766"/>
-                  </a:cubicBezTo>
-                  <a:cubicBezTo>
-                    <a:pt x="1275" y="2766"/>
-                    <a:pt x="1340" y="2988"/>
-                    <a:pt x="1504" y="2980"/>
-                  </a:cubicBezTo>
-                  <a:close/>
-                </a:path>
-              </a:pathLst>
-            </a:custGeom>
-            <a:gradFill>
-              <a:gsLst>
-                <a:gs pos="0">
-                  <a:srgbClr val="7CEFD8"/>
-                </a:gs>
-                <a:gs pos="51000">
-                  <a:srgbClr val="6672E4"/>
-                </a:gs>
-                <a:gs pos="100000">
-                  <a:srgbClr val="882BE5"/>
-                </a:gs>
-              </a:gsLst>
-              <a:lin ang="5400000" scaled="1"/>
-            </a:gradFill>
-            <a:ln w="12700" cap="flat">
-              <a:noFill/>
-              <a:prstDash val="solid"/>
-              <a:miter lim="800000"/>
-              <a:headEnd/>
-              <a:tailEnd/>
-            </a:ln>
-          </p:spPr>
-          <p:txBody>
-            <a:bodyPr vert="horz" wrap="square" lIns="91440" tIns="45720" rIns="91440" bIns="45720" numCol="1" rtlCol="0" anchor="t" anchorCtr="0" compatLnSpc="1">
-              <a:prstTxWarp prst="textNoShape">
-                <a:avLst/>
-              </a:prstTxWarp>
-            </a:bodyPr>
-            <a:lstStyle/>
-            <a:p>
-              <a:pPr rtl="0"/>
-              <a:endParaRPr lang="de-DE" dirty="0"/>
-            </a:p>
-          </p:txBody>
-        </p:sp>
-        <p:sp>
-          <p:nvSpPr>
-            <p:cNvPr id="22" name="Freihandform 12">
-              <a:extLst>
-                <a:ext uri="{FF2B5EF4-FFF2-40B4-BE49-F238E27FC236}">
-                  <a16:creationId xmlns:a16="http://schemas.microsoft.com/office/drawing/2014/main" id="{517F7404-4FD2-4A56-9BC1-55945A2E0042}"/>
-                </a:ext>
-              </a:extLst>
-            </p:cNvPr>
-            <p:cNvSpPr>
-              <a:spLocks/>
-            </p:cNvSpPr>
-            <p:nvPr/>
-          </p:nvSpPr>
-          <p:spPr bwMode="auto">
-            <a:xfrm rot="9420272">
-              <a:off x="5218811" y="-1993836"/>
-              <a:ext cx="7570428" cy="10122905"/>
-            </a:xfrm>
-            <a:custGeom>
-              <a:avLst/>
-              <a:gdLst>
-                <a:gd name="T0" fmla="*/ 1896 w 2175"/>
-                <a:gd name="T1" fmla="*/ 2283 h 2913"/>
-                <a:gd name="T2" fmla="*/ 1467 w 2175"/>
-                <a:gd name="T3" fmla="*/ 2913 h 2913"/>
-                <a:gd name="T4" fmla="*/ 1250 w 2175"/>
-                <a:gd name="T5" fmla="*/ 2849 h 2913"/>
-                <a:gd name="T6" fmla="*/ 1016 w 2175"/>
-                <a:gd name="T7" fmla="*/ 2168 h 2913"/>
-                <a:gd name="T8" fmla="*/ 93 w 2175"/>
-                <a:gd name="T9" fmla="*/ 661 h 2913"/>
-                <a:gd name="T10" fmla="*/ 0 w 2175"/>
-                <a:gd name="T11" fmla="*/ 238 h 2913"/>
-                <a:gd name="T12" fmla="*/ 70 w 2175"/>
-                <a:gd name="T13" fmla="*/ 195 h 2913"/>
-                <a:gd name="T14" fmla="*/ 638 w 2175"/>
-                <a:gd name="T15" fmla="*/ 648 h 2913"/>
-                <a:gd name="T16" fmla="*/ 1127 w 2175"/>
-                <a:gd name="T17" fmla="*/ 1052 h 2913"/>
-                <a:gd name="T18" fmla="*/ 1896 w 2175"/>
-                <a:gd name="T19" fmla="*/ 2283 h 2913"/>
-              </a:gdLst>
-              <a:ahLst/>
-              <a:cxnLst>
-                <a:cxn ang="0">
-                  <a:pos x="T0" y="T1"/>
-                </a:cxn>
-                <a:cxn ang="0">
-                  <a:pos x="T2" y="T3"/>
-                </a:cxn>
-                <a:cxn ang="0">
-                  <a:pos x="T4" y="T5"/>
-                </a:cxn>
-                <a:cxn ang="0">
-                  <a:pos x="T6" y="T7"/>
-                </a:cxn>
-                <a:cxn ang="0">
-                  <a:pos x="T8" y="T9"/>
-                </a:cxn>
-                <a:cxn ang="0">
-                  <a:pos x="T10" y="T11"/>
-                </a:cxn>
-                <a:cxn ang="0">
-                  <a:pos x="T12" y="T13"/>
-                </a:cxn>
-                <a:cxn ang="0">
-                  <a:pos x="T14" y="T15"/>
-                </a:cxn>
-                <a:cxn ang="0">
-                  <a:pos x="T16" y="T17"/>
-                </a:cxn>
-                <a:cxn ang="0">
-                  <a:pos x="T18" y="T19"/>
-                </a:cxn>
-              </a:cxnLst>
-              <a:rect l="0" t="0" r="r" b="b"/>
-              <a:pathLst>
-                <a:path w="2175" h="2913">
-                  <a:moveTo>
-                    <a:pt x="1896" y="2283"/>
-                  </a:moveTo>
-                  <a:cubicBezTo>
-                    <a:pt x="1770" y="2651"/>
-                    <a:pt x="1607" y="2829"/>
-                    <a:pt x="1467" y="2913"/>
-                  </a:cubicBezTo>
-                  <a:cubicBezTo>
-                    <a:pt x="1397" y="2909"/>
-                    <a:pt x="1324" y="2889"/>
-                    <a:pt x="1250" y="2849"/>
-                  </a:cubicBezTo>
-                  <a:cubicBezTo>
-                    <a:pt x="858" y="2634"/>
-                    <a:pt x="1016" y="2168"/>
-                    <a:pt x="1016" y="2168"/>
-                  </a:cubicBezTo>
-                  <a:cubicBezTo>
-                    <a:pt x="1354" y="1026"/>
-                    <a:pt x="336" y="1282"/>
-                    <a:pt x="93" y="661"/>
-                  </a:cubicBezTo>
-                  <a:cubicBezTo>
-                    <a:pt x="28" y="495"/>
-                    <a:pt x="1" y="354"/>
-                    <a:pt x="0" y="238"/>
-                  </a:cubicBezTo>
-                  <a:cubicBezTo>
-                    <a:pt x="20" y="222"/>
-                    <a:pt x="44" y="208"/>
-                    <a:pt x="70" y="195"/>
-                  </a:cubicBezTo>
-                  <a:cubicBezTo>
-                    <a:pt x="481" y="0"/>
-                    <a:pt x="491" y="389"/>
-                    <a:pt x="638" y="648"/>
-                  </a:cubicBezTo>
-                  <a:cubicBezTo>
-                    <a:pt x="785" y="907"/>
-                    <a:pt x="850" y="945"/>
-                    <a:pt x="1127" y="1052"/>
-                  </a:cubicBezTo>
-                  <a:cubicBezTo>
-                    <a:pt x="1404" y="1159"/>
-                    <a:pt x="2175" y="1472"/>
-                    <a:pt x="1896" y="2283"/>
-                  </a:cubicBezTo>
-                  <a:close/>
-                </a:path>
-              </a:pathLst>
-            </a:custGeom>
-            <a:gradFill>
-              <a:gsLst>
-                <a:gs pos="100000">
-                  <a:srgbClr val="7CEFD8"/>
-                </a:gs>
-                <a:gs pos="19000">
-                  <a:srgbClr val="6672E4"/>
-                </a:gs>
-                <a:gs pos="0">
-                  <a:srgbClr val="882BE5"/>
-                </a:gs>
-              </a:gsLst>
-              <a:lin ang="10200000" scaled="0"/>
-            </a:gradFill>
-            <a:ln w="12700" cap="flat">
-              <a:noFill/>
-              <a:prstDash val="solid"/>
-              <a:miter lim="800000"/>
-              <a:headEnd/>
-              <a:tailEnd/>
-            </a:ln>
-          </p:spPr>
-          <p:txBody>
-            <a:bodyPr vert="horz" wrap="square" lIns="91440" tIns="45720" rIns="91440" bIns="45720" numCol="1" rtlCol="0" anchor="t" anchorCtr="0" compatLnSpc="1">
-              <a:prstTxWarp prst="textNoShape">
-                <a:avLst/>
-              </a:prstTxWarp>
-            </a:bodyPr>
-            <a:lstStyle/>
-            <a:p>
-              <a:pPr rtl="0"/>
-              <a:endParaRPr lang="de-DE" dirty="0"/>
-            </a:p>
-          </p:txBody>
-        </p:sp>
-      </p:grpSp>
+          <a:prstGeom prst="rect">
+            <a:avLst/>
+          </a:prstGeom>
+        </p:spPr>
+      </p:pic>
       <p:sp>
         <p:nvSpPr>
-          <p:cNvPr id="25" name="Titel 24" hidden="1">
+          <p:cNvPr id="53" name="Titel 52" hidden="1">
             <a:extLst>
               <a:ext uri="{FF2B5EF4-FFF2-40B4-BE49-F238E27FC236}">
-                <a16:creationId xmlns:a16="http://schemas.microsoft.com/office/drawing/2014/main" id="{24922840-A8AD-427F-889C-2B79CACC872F}"/>
+                <a16:creationId xmlns:a16="http://schemas.microsoft.com/office/drawing/2014/main" id="{6BCAF586-A14B-4A3B-A249-655ADDBB3A4C}"/>
               </a:ext>
             </a:extLst>
           </p:cNvPr>
@@ -22617,51 +24468,15 @@
           <a:p>
             <a:r>
               <a:rPr lang="de-DE" dirty="0"/>
-              <a:t>Personal – Folie10</a:t>
+              <a:t>Personal – Folie8</a:t>
             </a:r>
           </a:p>
         </p:txBody>
       </p:sp>
-      <p:pic>
-        <p:nvPicPr>
-          <p:cNvPr id="29" name="Grafik 28">
-            <a:extLst>
-              <a:ext uri="{FF2B5EF4-FFF2-40B4-BE49-F238E27FC236}">
-                <a16:creationId xmlns:a16="http://schemas.microsoft.com/office/drawing/2014/main" id="{7AB97BEE-A255-4F56-B023-3E7087112665}"/>
-              </a:ext>
-            </a:extLst>
-          </p:cNvPr>
-          <p:cNvPicPr>
-            <a:picLocks noChangeAspect="1"/>
-          </p:cNvPicPr>
-          <p:nvPr/>
-        </p:nvPicPr>
-        <p:blipFill>
-          <a:blip r:embed="rId3">
-            <a:extLst>
-              <a:ext uri="{28A0092B-C50C-407E-A947-70E740481C1C}">
-                <a14:useLocalDpi xmlns:a14="http://schemas.microsoft.com/office/drawing/2010/main" val="0"/>
-              </a:ext>
-            </a:extLst>
-          </a:blip>
-          <a:stretch>
-            <a:fillRect/>
-          </a:stretch>
-        </p:blipFill>
-        <p:spPr>
-          <a:xfrm>
-            <a:off x="416452" y="74029"/>
-            <a:ext cx="3600663" cy="3600663"/>
-          </a:xfrm>
-          <a:prstGeom prst="rect">
-            <a:avLst/>
-          </a:prstGeom>
-        </p:spPr>
-      </p:pic>
     </p:spTree>
     <p:extLst>
       <p:ext uri="{BB962C8B-B14F-4D97-AF65-F5344CB8AC3E}">
-        <p14:creationId xmlns:p14="http://schemas.microsoft.com/office/powerpoint/2010/main" val="2352568571"/>
+        <p14:creationId xmlns:p14="http://schemas.microsoft.com/office/powerpoint/2010/main" val="2910939862"/>
       </p:ext>
     </p:extLst>
   </p:cSld>

--- a/Fallstudie/Zwischenpräsentation.pptx
+++ b/Fallstudie/Zwischenpräsentation.pptx
@@ -5,10 +5,10 @@
     <p:sldMasterId id="2147483648" r:id="rId1"/>
   </p:sldMasterIdLst>
   <p:notesMasterIdLst>
-    <p:notesMasterId r:id="rId16"/>
+    <p:notesMasterId r:id="rId25"/>
   </p:notesMasterIdLst>
   <p:handoutMasterIdLst>
-    <p:handoutMasterId r:id="rId17"/>
+    <p:handoutMasterId r:id="rId26"/>
   </p:handoutMasterIdLst>
   <p:sldIdLst>
     <p:sldId id="257" r:id="rId2"/>
@@ -18,13 +18,22 @@
     <p:sldId id="264" r:id="rId6"/>
     <p:sldId id="263" r:id="rId7"/>
     <p:sldId id="272" r:id="rId8"/>
-    <p:sldId id="265" r:id="rId9"/>
-    <p:sldId id="268" r:id="rId10"/>
-    <p:sldId id="269" r:id="rId11"/>
-    <p:sldId id="270" r:id="rId12"/>
-    <p:sldId id="271" r:id="rId13"/>
-    <p:sldId id="267" r:id="rId14"/>
-    <p:sldId id="266" r:id="rId15"/>
+    <p:sldId id="277" r:id="rId9"/>
+    <p:sldId id="265" r:id="rId10"/>
+    <p:sldId id="278" r:id="rId11"/>
+    <p:sldId id="268" r:id="rId12"/>
+    <p:sldId id="269" r:id="rId13"/>
+    <p:sldId id="270" r:id="rId14"/>
+    <p:sldId id="271" r:id="rId15"/>
+    <p:sldId id="273" r:id="rId16"/>
+    <p:sldId id="274" r:id="rId17"/>
+    <p:sldId id="267" r:id="rId18"/>
+    <p:sldId id="256" r:id="rId19"/>
+    <p:sldId id="275" r:id="rId20"/>
+    <p:sldId id="261" r:id="rId21"/>
+    <p:sldId id="276" r:id="rId22"/>
+    <p:sldId id="279" r:id="rId23"/>
+    <p:sldId id="266" r:id="rId24"/>
   </p:sldIdLst>
   <p:sldSz cx="12192000" cy="6858000"/>
   <p:notesSz cx="6858000" cy="9144000"/>
@@ -155,6 +164,18 @@
 </p:presentation>
 </file>
 
+<file path=ppt/commentAuthors.xml><?xml version="1.0" encoding="utf-8"?>
+<p:cmAuthorLst xmlns:a="http://schemas.openxmlformats.org/drawingml/2006/main" xmlns:r="http://schemas.openxmlformats.org/officeDocument/2006/relationships" xmlns:p="http://schemas.openxmlformats.org/presentationml/2006/main">
+  <p:cmAuthor id="1" name="Julian Stipovic" initials="JS" lastIdx="1" clrIdx="0">
+    <p:extLst>
+      <p:ext uri="{19B8F6BF-5375-455C-9EA6-DF929625EA0E}">
+        <p15:presenceInfo xmlns:p15="http://schemas.microsoft.com/office/powerpoint/2012/main" userId="Julian Stipovic" providerId="None"/>
+      </p:ext>
+    </p:extLst>
+  </p:cmAuthor>
+</p:cmAuthorLst>
+</file>
+
 <file path=ppt/handoutMasters/handoutMaster1.xml><?xml version="1.0" encoding="utf-8"?>
 <p:handoutMaster xmlns:a="http://schemas.openxmlformats.org/drawingml/2006/main" xmlns:r="http://schemas.openxmlformats.org/officeDocument/2006/relationships" xmlns:p="http://schemas.openxmlformats.org/presentationml/2006/main">
   <p:cSld>
@@ -251,7 +272,7 @@
             <a:pPr rtl="0"/>
             <a:fld id="{C3565ABF-7DEC-4ADF-BFD3-D6A26056D92F}" type="datetime1">
               <a:rPr lang="de-DE" smtClean="0"/>
-              <a:t>10.10.2021</a:t>
+              <a:t>13.10.2021</a:t>
             </a:fld>
             <a:endParaRPr lang="de-DE" dirty="0"/>
           </a:p>
@@ -432,7 +453,7 @@
             <a:fld id="{2AA45D96-2ECE-421E-8B9B-011F64847CD9}" type="datetime1">
               <a:rPr lang="de-DE" smtClean="0"/>
               <a:pPr/>
-              <a:t>10.10.2021</a:t>
+              <a:t>13.10.2021</a:t>
             </a:fld>
             <a:endParaRPr lang="de-DE" dirty="0"/>
           </a:p>
@@ -855,7 +876,7 @@
             <a:pPr rtl="0"/>
             <a:fld id="{6DF8F48A-6110-47DA-8521-A1D1FFD22FEF}" type="slidenum">
               <a:rPr lang="de-DE" smtClean="0"/>
-              <a:t>10</a:t>
+              <a:t>11</a:t>
             </a:fld>
             <a:endParaRPr lang="de-DE" dirty="0"/>
           </a:p>
@@ -864,7 +885,7 @@
     </p:spTree>
     <p:extLst>
       <p:ext uri="{BB962C8B-B14F-4D97-AF65-F5344CB8AC3E}">
-        <p14:creationId xmlns:p14="http://schemas.microsoft.com/office/powerpoint/2010/main" val="3341910012"/>
+        <p14:creationId xmlns:p14="http://schemas.microsoft.com/office/powerpoint/2010/main" val="180759928"/>
       </p:ext>
     </p:extLst>
   </p:cSld>
@@ -941,7 +962,7 @@
             <a:pPr rtl="0"/>
             <a:fld id="{6DF8F48A-6110-47DA-8521-A1D1FFD22FEF}" type="slidenum">
               <a:rPr lang="de-DE" smtClean="0"/>
-              <a:t>11</a:t>
+              <a:t>12</a:t>
             </a:fld>
             <a:endParaRPr lang="de-DE" dirty="0"/>
           </a:p>
@@ -950,7 +971,7 @@
     </p:spTree>
     <p:extLst>
       <p:ext uri="{BB962C8B-B14F-4D97-AF65-F5344CB8AC3E}">
-        <p14:creationId xmlns:p14="http://schemas.microsoft.com/office/powerpoint/2010/main" val="3548329101"/>
+        <p14:creationId xmlns:p14="http://schemas.microsoft.com/office/powerpoint/2010/main" val="3341910012"/>
       </p:ext>
     </p:extLst>
   </p:cSld>
@@ -1027,7 +1048,7 @@
             <a:pPr rtl="0"/>
             <a:fld id="{6DF8F48A-6110-47DA-8521-A1D1FFD22FEF}" type="slidenum">
               <a:rPr lang="de-DE" smtClean="0"/>
-              <a:t>12</a:t>
+              <a:t>13</a:t>
             </a:fld>
             <a:endParaRPr lang="de-DE" dirty="0"/>
           </a:p>
@@ -1036,7 +1057,7 @@
     </p:spTree>
     <p:extLst>
       <p:ext uri="{BB962C8B-B14F-4D97-AF65-F5344CB8AC3E}">
-        <p14:creationId xmlns:p14="http://schemas.microsoft.com/office/powerpoint/2010/main" val="867998062"/>
+        <p14:creationId xmlns:p14="http://schemas.microsoft.com/office/powerpoint/2010/main" val="3548329101"/>
       </p:ext>
     </p:extLst>
   </p:cSld>
@@ -1102,6 +1123,178 @@
             <a:spLocks noGrp="1"/>
           </p:cNvSpPr>
           <p:nvPr>
+            <p:ph type="sldNum" sz="quarter" idx="10"/>
+          </p:nvPr>
+        </p:nvSpPr>
+        <p:spPr/>
+        <p:txBody>
+          <a:bodyPr rtlCol="0"/>
+          <a:lstStyle/>
+          <a:p>
+            <a:pPr rtl="0"/>
+            <a:fld id="{6DF8F48A-6110-47DA-8521-A1D1FFD22FEF}" type="slidenum">
+              <a:rPr lang="de-DE" smtClean="0"/>
+              <a:t>14</a:t>
+            </a:fld>
+            <a:endParaRPr lang="de-DE" dirty="0"/>
+          </a:p>
+        </p:txBody>
+      </p:sp>
+    </p:spTree>
+    <p:extLst>
+      <p:ext uri="{BB962C8B-B14F-4D97-AF65-F5344CB8AC3E}">
+        <p14:creationId xmlns:p14="http://schemas.microsoft.com/office/powerpoint/2010/main" val="867998062"/>
+      </p:ext>
+    </p:extLst>
+  </p:cSld>
+  <p:clrMapOvr>
+    <a:masterClrMapping/>
+  </p:clrMapOvr>
+</p:notes>
+</file>
+
+<file path=ppt/notesSlides/notesSlide14.xml><?xml version="1.0" encoding="utf-8"?>
+<p:notes xmlns:a="http://schemas.openxmlformats.org/drawingml/2006/main" xmlns:r="http://schemas.openxmlformats.org/officeDocument/2006/relationships" xmlns:p="http://schemas.openxmlformats.org/presentationml/2006/main">
+  <p:cSld>
+    <p:spTree>
+      <p:nvGrpSpPr>
+        <p:cNvPr id="1" name=""/>
+        <p:cNvGrpSpPr/>
+        <p:nvPr/>
+      </p:nvGrpSpPr>
+      <p:grpSpPr>
+        <a:xfrm>
+          <a:off x="0" y="0"/>
+          <a:ext cx="0" cy="0"/>
+          <a:chOff x="0" y="0"/>
+          <a:chExt cx="0" cy="0"/>
+        </a:xfrm>
+      </p:grpSpPr>
+      <p:sp>
+        <p:nvSpPr>
+          <p:cNvPr id="2" name="Folienbildplatzhalter 1"/>
+          <p:cNvSpPr>
+            <a:spLocks noGrp="1" noRot="1" noChangeAspect="1"/>
+          </p:cNvSpPr>
+          <p:nvPr>
+            <p:ph type="sldImg"/>
+          </p:nvPr>
+        </p:nvSpPr>
+        <p:spPr/>
+      </p:sp>
+      <p:sp>
+        <p:nvSpPr>
+          <p:cNvPr id="3" name="Notizenplatzhalter 2"/>
+          <p:cNvSpPr>
+            <a:spLocks noGrp="1"/>
+          </p:cNvSpPr>
+          <p:nvPr>
+            <p:ph type="body" idx="1"/>
+          </p:nvPr>
+        </p:nvSpPr>
+        <p:spPr/>
+        <p:txBody>
+          <a:bodyPr rtlCol="0"/>
+          <a:lstStyle/>
+          <a:p>
+            <a:pPr rtl="0"/>
+            <a:endParaRPr lang="de-DE" dirty="0"/>
+          </a:p>
+        </p:txBody>
+      </p:sp>
+      <p:sp>
+        <p:nvSpPr>
+          <p:cNvPr id="4" name="Foliennummernplatzhalter 3"/>
+          <p:cNvSpPr>
+            <a:spLocks noGrp="1"/>
+          </p:cNvSpPr>
+          <p:nvPr>
+            <p:ph type="sldNum" sz="quarter" idx="10"/>
+          </p:nvPr>
+        </p:nvSpPr>
+        <p:spPr/>
+        <p:txBody>
+          <a:bodyPr rtlCol="0"/>
+          <a:lstStyle/>
+          <a:p>
+            <a:pPr rtl="0"/>
+            <a:fld id="{6DF8F48A-6110-47DA-8521-A1D1FFD22FEF}" type="slidenum">
+              <a:rPr lang="de-DE" smtClean="0"/>
+              <a:t>22</a:t>
+            </a:fld>
+            <a:endParaRPr lang="de-DE" dirty="0"/>
+          </a:p>
+        </p:txBody>
+      </p:sp>
+    </p:spTree>
+    <p:extLst>
+      <p:ext uri="{BB962C8B-B14F-4D97-AF65-F5344CB8AC3E}">
+        <p14:creationId xmlns:p14="http://schemas.microsoft.com/office/powerpoint/2010/main" val="1223152801"/>
+      </p:ext>
+    </p:extLst>
+  </p:cSld>
+  <p:clrMapOvr>
+    <a:masterClrMapping/>
+  </p:clrMapOvr>
+</p:notes>
+</file>
+
+<file path=ppt/notesSlides/notesSlide15.xml><?xml version="1.0" encoding="utf-8"?>
+<p:notes xmlns:a="http://schemas.openxmlformats.org/drawingml/2006/main" xmlns:r="http://schemas.openxmlformats.org/officeDocument/2006/relationships" xmlns:p="http://schemas.openxmlformats.org/presentationml/2006/main">
+  <p:cSld>
+    <p:spTree>
+      <p:nvGrpSpPr>
+        <p:cNvPr id="1" name=""/>
+        <p:cNvGrpSpPr/>
+        <p:nvPr/>
+      </p:nvGrpSpPr>
+      <p:grpSpPr>
+        <a:xfrm>
+          <a:off x="0" y="0"/>
+          <a:ext cx="0" cy="0"/>
+          <a:chOff x="0" y="0"/>
+          <a:chExt cx="0" cy="0"/>
+        </a:xfrm>
+      </p:grpSpPr>
+      <p:sp>
+        <p:nvSpPr>
+          <p:cNvPr id="2" name="Folienbildplatzhalter 1"/>
+          <p:cNvSpPr>
+            <a:spLocks noGrp="1" noRot="1" noChangeAspect="1"/>
+          </p:cNvSpPr>
+          <p:nvPr>
+            <p:ph type="sldImg"/>
+          </p:nvPr>
+        </p:nvSpPr>
+        <p:spPr/>
+      </p:sp>
+      <p:sp>
+        <p:nvSpPr>
+          <p:cNvPr id="3" name="Notizenplatzhalter 2"/>
+          <p:cNvSpPr>
+            <a:spLocks noGrp="1"/>
+          </p:cNvSpPr>
+          <p:nvPr>
+            <p:ph type="body" idx="1"/>
+          </p:nvPr>
+        </p:nvSpPr>
+        <p:spPr/>
+        <p:txBody>
+          <a:bodyPr rtlCol="0"/>
+          <a:lstStyle/>
+          <a:p>
+            <a:pPr rtl="0"/>
+            <a:endParaRPr lang="de-DE" dirty="0"/>
+          </a:p>
+        </p:txBody>
+      </p:sp>
+      <p:sp>
+        <p:nvSpPr>
+          <p:cNvPr id="4" name="Foliennummernplatzhalter 3"/>
+          <p:cNvSpPr>
+            <a:spLocks noGrp="1"/>
+          </p:cNvSpPr>
+          <p:nvPr>
             <p:ph type="sldNum" sz="quarter" idx="5"/>
           </p:nvPr>
         </p:nvSpPr>
@@ -1113,7 +1306,7 @@
             <a:pPr rtl="0"/>
             <a:fld id="{6DF8F48A-6110-47DA-8521-A1D1FFD22FEF}" type="slidenum">
               <a:rPr lang="de-DE" smtClean="0"/>
-              <a:t>14</a:t>
+              <a:t>23</a:t>
             </a:fld>
             <a:endParaRPr lang="de-DE" dirty="0"/>
           </a:p>
@@ -1718,7 +1911,7 @@
             <a:pPr rtl="0"/>
             <a:fld id="{6DF8F48A-6110-47DA-8521-A1D1FFD22FEF}" type="slidenum">
               <a:rPr lang="de-DE" smtClean="0"/>
-              <a:t>8</a:t>
+              <a:t>9</a:t>
             </a:fld>
             <a:endParaRPr lang="de-DE" dirty="0"/>
           </a:p>
@@ -1804,7 +1997,7 @@
             <a:pPr rtl="0"/>
             <a:fld id="{6DF8F48A-6110-47DA-8521-A1D1FFD22FEF}" type="slidenum">
               <a:rPr lang="de-DE" smtClean="0"/>
-              <a:t>9</a:t>
+              <a:t>10</a:t>
             </a:fld>
             <a:endParaRPr lang="de-DE" dirty="0"/>
           </a:p>
@@ -1813,7 +2006,7 @@
     </p:spTree>
     <p:extLst>
       <p:ext uri="{BB962C8B-B14F-4D97-AF65-F5344CB8AC3E}">
-        <p14:creationId xmlns:p14="http://schemas.microsoft.com/office/powerpoint/2010/main" val="180759928"/>
+        <p14:creationId xmlns:p14="http://schemas.microsoft.com/office/powerpoint/2010/main" val="3847435320"/>
       </p:ext>
     </p:extLst>
   </p:cSld>
@@ -1975,7 +2168,7 @@
             <a:pPr rtl="0"/>
             <a:fld id="{4D038C4D-F0FE-4529-A075-59C21BFA7031}" type="datetime1">
               <a:rPr lang="de-DE" noProof="0" smtClean="0"/>
-              <a:t>10.10.2021</a:t>
+              <a:t>13.10.2021</a:t>
             </a:fld>
             <a:endParaRPr lang="de-DE" noProof="0" dirty="0"/>
           </a:p>
@@ -2179,7 +2372,7 @@
             <a:pPr rtl="0"/>
             <a:fld id="{A833DDA1-E27D-4ECA-93B0-16D54FA9DAAF}" type="datetime1">
               <a:rPr lang="de-DE" noProof="0" smtClean="0"/>
-              <a:t>10.10.2021</a:t>
+              <a:t>13.10.2021</a:t>
             </a:fld>
             <a:endParaRPr lang="de-DE" noProof="0" dirty="0"/>
           </a:p>
@@ -2393,7 +2586,7 @@
             <a:pPr rtl="0"/>
             <a:fld id="{1926424D-AA09-4805-ADA6-8CE387DA22E9}" type="datetime1">
               <a:rPr lang="de-DE" noProof="0" smtClean="0"/>
-              <a:t>10.10.2021</a:t>
+              <a:t>13.10.2021</a:t>
             </a:fld>
             <a:endParaRPr lang="de-DE" noProof="0" dirty="0"/>
           </a:p>
@@ -2597,7 +2790,7 @@
             <a:pPr rtl="0"/>
             <a:fld id="{9F2647E0-0E53-4E68-9534-1EB8D4C256B0}" type="datetime1">
               <a:rPr lang="de-DE" noProof="0" smtClean="0"/>
-              <a:t>10.10.2021</a:t>
+              <a:t>13.10.2021</a:t>
             </a:fld>
             <a:endParaRPr lang="de-DE" noProof="0" dirty="0"/>
           </a:p>
@@ -2877,7 +3070,7 @@
             <a:pPr rtl="0"/>
             <a:fld id="{EC5EF036-4FBC-47B7-B3CB-037989AC4D13}" type="datetime1">
               <a:rPr lang="de-DE" noProof="0" smtClean="0"/>
-              <a:t>10.10.2021</a:t>
+              <a:t>13.10.2021</a:t>
             </a:fld>
             <a:endParaRPr lang="de-DE" noProof="0" dirty="0"/>
           </a:p>
@@ -3149,7 +3342,7 @@
             <a:pPr rtl="0"/>
             <a:fld id="{28360001-5ABC-48AB-AB23-C983B11F61B2}" type="datetime1">
               <a:rPr lang="de-DE" noProof="0" smtClean="0"/>
-              <a:t>10.10.2021</a:t>
+              <a:t>13.10.2021</a:t>
             </a:fld>
             <a:endParaRPr lang="de-DE" noProof="0" dirty="0"/>
           </a:p>
@@ -3568,7 +3761,7 @@
             <a:pPr rtl="0"/>
             <a:fld id="{8884F456-FF92-4E8D-84AB-CECDF9FC7651}" type="datetime1">
               <a:rPr lang="de-DE" noProof="0" smtClean="0"/>
-              <a:t>10.10.2021</a:t>
+              <a:t>13.10.2021</a:t>
             </a:fld>
             <a:endParaRPr lang="de-DE" noProof="0" dirty="0"/>
           </a:p>
@@ -3714,7 +3907,7 @@
             <a:pPr rtl="0"/>
             <a:fld id="{552924F9-5B21-4FB8-87E6-E6D7362CC6FE}" type="datetime1">
               <a:rPr lang="de-DE" noProof="0" smtClean="0"/>
-              <a:t>10.10.2021</a:t>
+              <a:t>13.10.2021</a:t>
             </a:fld>
             <a:endParaRPr lang="de-DE" noProof="0" dirty="0"/>
           </a:p>
@@ -3830,7 +4023,7 @@
             <a:pPr rtl="0"/>
             <a:fld id="{22470A65-A2CD-48C3-89E4-3FCD1E5FC291}" type="datetime1">
               <a:rPr lang="de-DE" noProof="0" smtClean="0"/>
-              <a:t>10.10.2021</a:t>
+              <a:t>13.10.2021</a:t>
             </a:fld>
             <a:endParaRPr lang="de-DE" noProof="0" dirty="0"/>
           </a:p>
@@ -4147,7 +4340,7 @@
             <a:pPr rtl="0"/>
             <a:fld id="{2D38AC3E-D575-45C9-B922-A7F3D0F89B8E}" type="datetime1">
               <a:rPr lang="de-DE" noProof="0" smtClean="0"/>
-              <a:t>10.10.2021</a:t>
+              <a:t>13.10.2021</a:t>
             </a:fld>
             <a:endParaRPr lang="de-DE" noProof="0" dirty="0"/>
           </a:p>
@@ -4445,7 +4638,7 @@
             <a:pPr rtl="0"/>
             <a:fld id="{6A829153-3AB7-45EB-B33A-A371F80BFAAB}" type="datetime1">
               <a:rPr lang="de-DE" noProof="0" smtClean="0"/>
-              <a:t>10.10.2021</a:t>
+              <a:t>13.10.2021</a:t>
             </a:fld>
             <a:endParaRPr lang="de-DE" noProof="0" dirty="0"/>
           </a:p>
@@ -4690,7 +4883,7 @@
             <a:pPr rtl="0"/>
             <a:fld id="{D93E3BA8-E6C4-4E40-B06D-CA593CE89D62}" type="datetime1">
               <a:rPr lang="de-DE" noProof="0" smtClean="0"/>
-              <a:t>10.10.2021</a:t>
+              <a:t>13.10.2021</a:t>
             </a:fld>
             <a:endParaRPr lang="de-DE" noProof="0" dirty="0"/>
           </a:p>
@@ -5976,8 +6169,9 @@
             <a:pPr rtl="0"/>
             <a:r>
               <a:rPr lang="de-DE" i="0" dirty="0"/>
-              <a:t>Änderungen am Produkt &amp; an der Filiale</a:t>
+              <a:t>Produkt anzeigen lassen &amp; Produkt hinzufügen</a:t>
             </a:r>
+            <a:endParaRPr lang="de-DE" dirty="0"/>
           </a:p>
         </p:txBody>
       </p:sp>
@@ -6047,8 +6241,8 @@
         </p:nvSpPr>
         <p:spPr>
           <a:xfrm>
-            <a:off x="726781" y="1600866"/>
-            <a:ext cx="5369219" cy="1969770"/>
+            <a:off x="726781" y="1578059"/>
+            <a:ext cx="5369219" cy="4847481"/>
           </a:xfrm>
           <a:prstGeom prst="rect">
             <a:avLst/>
@@ -6073,76 +6267,108 @@
             </a:lvl1pPr>
           </a:lstStyle>
           <a:p>
-            <a:pPr marL="285750" indent="-285750">
+            <a:pPr lvl="1">
+              <a:lnSpc>
+                <a:spcPct val="150000"/>
+              </a:lnSpc>
+            </a:pPr>
+            <a:endParaRPr lang="de-DE" dirty="0"/>
+          </a:p>
+          <a:p>
+            <a:pPr lvl="1">
+              <a:lnSpc>
+                <a:spcPct val="150000"/>
+              </a:lnSpc>
+            </a:pPr>
+            <a:endParaRPr lang="de-DE" dirty="0"/>
+          </a:p>
+          <a:p>
+            <a:pPr lvl="1">
+              <a:lnSpc>
+                <a:spcPct val="150000"/>
+              </a:lnSpc>
+            </a:pPr>
+            <a:endParaRPr lang="de-DE" dirty="0"/>
+          </a:p>
+          <a:p>
+            <a:pPr lvl="1">
+              <a:lnSpc>
+                <a:spcPct val="150000"/>
+              </a:lnSpc>
+            </a:pPr>
+            <a:endParaRPr lang="de-DE" dirty="0"/>
+          </a:p>
+          <a:p>
+            <a:pPr lvl="1">
+              <a:lnSpc>
+                <a:spcPct val="150000"/>
+              </a:lnSpc>
+            </a:pPr>
+            <a:endParaRPr lang="de-DE" dirty="0"/>
+          </a:p>
+          <a:p>
+            <a:pPr lvl="1">
+              <a:lnSpc>
+                <a:spcPct val="150000"/>
+              </a:lnSpc>
+            </a:pPr>
+            <a:endParaRPr lang="de-DE" dirty="0"/>
+          </a:p>
+          <a:p>
+            <a:pPr lvl="1">
+              <a:lnSpc>
+                <a:spcPct val="150000"/>
+              </a:lnSpc>
+            </a:pPr>
+            <a:endParaRPr lang="de-DE" dirty="0"/>
+          </a:p>
+          <a:p>
+            <a:pPr lvl="1">
+              <a:lnSpc>
+                <a:spcPct val="150000"/>
+              </a:lnSpc>
+            </a:pPr>
+            <a:endParaRPr lang="de-DE" dirty="0"/>
+          </a:p>
+          <a:p>
+            <a:pPr lvl="1">
+              <a:lnSpc>
+                <a:spcPct val="150000"/>
+              </a:lnSpc>
+            </a:pPr>
+            <a:endParaRPr lang="de-DE" dirty="0"/>
+          </a:p>
+          <a:p>
+            <a:pPr lvl="1">
+              <a:lnSpc>
+                <a:spcPct val="150000"/>
+              </a:lnSpc>
+            </a:pPr>
+            <a:endParaRPr lang="de-DE" dirty="0"/>
+          </a:p>
+          <a:p>
+            <a:pPr lvl="1">
+              <a:lnSpc>
+                <a:spcPct val="150000"/>
+              </a:lnSpc>
+            </a:pPr>
+            <a:r>
+              <a:rPr lang="de-DE" dirty="0">
+                <a:hlinkClick r:id="rId3" action="ppaction://hlinkfile"/>
+              </a:rPr>
+              <a:t>Use-Case Spezifikation.pdf</a:t>
+            </a:r>
+            <a:endParaRPr lang="de-DE" dirty="0"/>
+          </a:p>
+          <a:p>
+            <a:pPr marL="742950" lvl="1" indent="-285750">
               <a:buFont typeface="Wingdings" panose="05000000000000000000" pitchFamily="2" charset="2"/>
               <a:buChar char="v"/>
             </a:pPr>
-            <a:r>
-              <a:rPr lang="de-DE" dirty="0"/>
-              <a:t>Produktdaten/Filialdaten sollen hinzugefügt, veränderbar oder gelöscht werden können</a:t>
-            </a:r>
-          </a:p>
-          <a:p>
-            <a:pPr marL="285750" indent="-285750">
-              <a:buFont typeface="Wingdings" panose="05000000000000000000" pitchFamily="2" charset="2"/>
-              <a:buChar char="v"/>
-            </a:pPr>
-            <a:r>
-              <a:rPr lang="de-DE" dirty="0"/>
-              <a:t>Akteure sind der Administrator, das IT-System und der Filialleiter</a:t>
-            </a:r>
-          </a:p>
-          <a:p>
-            <a:pPr marL="285750" indent="-285750">
-              <a:buFont typeface="Wingdings" panose="05000000000000000000" pitchFamily="2" charset="2"/>
-              <a:buChar char="v"/>
-            </a:pPr>
-            <a:r>
-              <a:rPr lang="de-DE" dirty="0"/>
-              <a:t>Der Administrator hat nur das Recht die Filiale hinzuzufügen und zu löschen</a:t>
-            </a:r>
-          </a:p>
-          <a:p>
-            <a:pPr marL="285750" indent="-285750">
-              <a:buFont typeface="Wingdings" panose="05000000000000000000" pitchFamily="2" charset="2"/>
-              <a:buChar char="v"/>
-            </a:pPr>
-            <a:r>
-              <a:rPr lang="de-DE" dirty="0"/>
-              <a:t>Bedingung dabei ist, das das Produkt/Filiale tatsächlich existieren</a:t>
-            </a:r>
+            <a:endParaRPr lang="de-DE" dirty="0"/>
           </a:p>
         </p:txBody>
       </p:sp>
-      <p:pic>
-        <p:nvPicPr>
-          <p:cNvPr id="163" name="Bild 162" descr="Dieses Bild zeigt zwei Paar Hände, die Puzzleteile zusammenfügen. ">
-            <a:extLst>
-              <a:ext uri="{FF2B5EF4-FFF2-40B4-BE49-F238E27FC236}">
-                <a16:creationId xmlns:a16="http://schemas.microsoft.com/office/drawing/2014/main" id="{AB835B29-19DB-41C9-9C29-FB52358C44C7}"/>
-              </a:ext>
-            </a:extLst>
-          </p:cNvPr>
-          <p:cNvPicPr>
-            <a:picLocks noChangeAspect="1"/>
-          </p:cNvPicPr>
-          <p:nvPr/>
-        </p:nvPicPr>
-        <p:blipFill rotWithShape="1">
-          <a:blip r:embed="rId3"/>
-          <a:srcRect r="15224"/>
-          <a:stretch/>
-        </p:blipFill>
-        <p:spPr>
-          <a:xfrm>
-            <a:off x="7548019" y="0"/>
-            <a:ext cx="4643982" cy="6858000"/>
-          </a:xfrm>
-          <a:prstGeom prst="rect">
-            <a:avLst/>
-          </a:prstGeom>
-        </p:spPr>
-      </p:pic>
       <p:sp>
         <p:nvSpPr>
           <p:cNvPr id="53" name="Titel 52" hidden="1">
@@ -6171,10 +6397,128 @@
           </a:p>
         </p:txBody>
       </p:sp>
+      <p:pic>
+        <p:nvPicPr>
+          <p:cNvPr id="8" name="Grafik 7" descr="Ein Bild, das Tisch enthält.&#10;&#10;Automatisch generierte Beschreibung">
+            <a:extLst>
+              <a:ext uri="{FF2B5EF4-FFF2-40B4-BE49-F238E27FC236}">
+                <a16:creationId xmlns:a16="http://schemas.microsoft.com/office/drawing/2014/main" id="{5BF723E6-3BCE-4EE6-AF94-CB475E63DAB2}"/>
+              </a:ext>
+            </a:extLst>
+          </p:cNvPr>
+          <p:cNvPicPr>
+            <a:picLocks noChangeAspect="1"/>
+          </p:cNvPicPr>
+          <p:nvPr/>
+        </p:nvPicPr>
+        <p:blipFill>
+          <a:blip r:embed="rId4">
+            <a:extLst>
+              <a:ext uri="{28A0092B-C50C-407E-A947-70E740481C1C}">
+                <a14:useLocalDpi xmlns:a14="http://schemas.microsoft.com/office/drawing/2010/main" val="0"/>
+              </a:ext>
+            </a:extLst>
+          </a:blip>
+          <a:stretch>
+            <a:fillRect/>
+          </a:stretch>
+        </p:blipFill>
+        <p:spPr>
+          <a:xfrm>
+            <a:off x="726781" y="1443725"/>
+            <a:ext cx="5567691" cy="3970549"/>
+          </a:xfrm>
+          <a:prstGeom prst="rect">
+            <a:avLst/>
+          </a:prstGeom>
+        </p:spPr>
+      </p:pic>
+      <p:pic>
+        <p:nvPicPr>
+          <p:cNvPr id="10" name="Grafik 9" descr="Ein Bild, das Tisch enthält.&#10;&#10;Automatisch generierte Beschreibung">
+            <a:extLst>
+              <a:ext uri="{FF2B5EF4-FFF2-40B4-BE49-F238E27FC236}">
+                <a16:creationId xmlns:a16="http://schemas.microsoft.com/office/drawing/2014/main" id="{6D6E1DC3-42ED-4F66-8F0A-C38EF3D44EA3}"/>
+              </a:ext>
+            </a:extLst>
+          </p:cNvPr>
+          <p:cNvPicPr>
+            <a:picLocks noChangeAspect="1"/>
+          </p:cNvPicPr>
+          <p:nvPr/>
+        </p:nvPicPr>
+        <p:blipFill>
+          <a:blip r:embed="rId5">
+            <a:extLst>
+              <a:ext uri="{28A0092B-C50C-407E-A947-70E740481C1C}">
+                <a14:useLocalDpi xmlns:a14="http://schemas.microsoft.com/office/drawing/2010/main" val="0"/>
+              </a:ext>
+            </a:extLst>
+          </a:blip>
+          <a:stretch>
+            <a:fillRect/>
+          </a:stretch>
+        </p:blipFill>
+        <p:spPr>
+          <a:xfrm>
+            <a:off x="6445474" y="1443725"/>
+            <a:ext cx="5567692" cy="4328460"/>
+          </a:xfrm>
+          <a:prstGeom prst="rect">
+            <a:avLst/>
+          </a:prstGeom>
+        </p:spPr>
+      </p:pic>
+      <p:sp>
+        <p:nvSpPr>
+          <p:cNvPr id="11" name="Runde Klammer links/rechts 10">
+            <a:extLst>
+              <a:ext uri="{FF2B5EF4-FFF2-40B4-BE49-F238E27FC236}">
+                <a16:creationId xmlns:a16="http://schemas.microsoft.com/office/drawing/2014/main" id="{DAA07AD6-941A-4E06-AD86-CDA7E8249286}"/>
+              </a:ext>
+            </a:extLst>
+          </p:cNvPr>
+          <p:cNvSpPr/>
+          <p:nvPr/>
+        </p:nvSpPr>
+        <p:spPr>
+          <a:xfrm>
+            <a:off x="654341" y="2877424"/>
+            <a:ext cx="5640131" cy="405205"/>
+          </a:xfrm>
+          <a:prstGeom prst="bracketPair">
+            <a:avLst/>
+          </a:prstGeom>
+          <a:noFill/>
+          <a:ln w="19050"/>
+        </p:spPr>
+        <p:style>
+          <a:lnRef idx="1">
+            <a:schemeClr val="accent1"/>
+          </a:lnRef>
+          <a:fillRef idx="0">
+            <a:schemeClr val="accent1"/>
+          </a:fillRef>
+          <a:effectRef idx="0">
+            <a:schemeClr val="accent1"/>
+          </a:effectRef>
+          <a:fontRef idx="minor">
+            <a:schemeClr val="tx1"/>
+          </a:fontRef>
+        </p:style>
+        <p:txBody>
+          <a:bodyPr rtlCol="0" anchor="ctr"/>
+          <a:lstStyle/>
+          <a:p>
+            <a:pPr algn="ctr"/>
+            <a:endParaRPr lang="de-DE"/>
+          </a:p>
+        </p:txBody>
+      </p:sp>
     </p:spTree>
     <p:extLst>
       <p:ext uri="{BB962C8B-B14F-4D97-AF65-F5344CB8AC3E}">
-        <p14:creationId xmlns:p14="http://schemas.microsoft.com/office/powerpoint/2010/main" val="543221831"/>
+        <p14:creationId xmlns:p14="http://schemas.microsoft.com/office/powerpoint/2010/main" val="403098655"/>
       </p:ext>
     </p:extLst>
   </p:cSld>
@@ -6185,7 +6529,7 @@
 </file>
 
 <file path=ppt/slides/slide11.xml><?xml version="1.0" encoding="utf-8"?>
-<p:sld xmlns:a="http://schemas.openxmlformats.org/drawingml/2006/main" xmlns:r="http://schemas.openxmlformats.org/officeDocument/2006/relationships" xmlns:p="http://schemas.openxmlformats.org/presentationml/2006/main">
+<p:sld xmlns:a="http://schemas.openxmlformats.org/drawingml/2006/main" xmlns:r="http://schemas.openxmlformats.org/officeDocument/2006/relationships" xmlns:p="http://schemas.openxmlformats.org/presentationml/2006/main" show="0">
   <p:cSld>
     <p:spTree>
       <p:nvGrpSpPr>
@@ -6244,7 +6588,7 @@
             <a:pPr rtl="0"/>
             <a:r>
               <a:rPr lang="de-DE" i="0" dirty="0"/>
-              <a:t>Anmeldung</a:t>
+              <a:t>Produkt suchen &amp; anzeigen</a:t>
             </a:r>
             <a:endParaRPr lang="de-DE" dirty="0"/>
           </a:p>
@@ -6317,7 +6661,7 @@
         <p:spPr>
           <a:xfrm>
             <a:off x="726781" y="1600866"/>
-            <a:ext cx="5369219" cy="2215991"/>
+            <a:ext cx="5369219" cy="3970318"/>
           </a:xfrm>
           <a:prstGeom prst="rect">
             <a:avLst/>
@@ -6347,9 +6691,12 @@
               <a:buChar char="v"/>
             </a:pPr>
             <a:r>
-              <a:rPr lang="de-DE" dirty="0"/>
-              <a:t>Es soll eine Anmeldung vom User oder vom Unternehmen möglich sein</a:t>
+              <a:rPr lang="de-DE" i="0" dirty="0"/>
+              <a:t>Suchleiste, um Produkt zu finden</a:t>
             </a:r>
+          </a:p>
+          <a:p>
+            <a:endParaRPr lang="de-DE" i="0" dirty="0"/>
           </a:p>
           <a:p>
             <a:pPr marL="285750" indent="-285750">
@@ -6357,9 +6704,82 @@
               <a:buChar char="v"/>
             </a:pPr>
             <a:r>
+              <a:rPr lang="de-DE" i="0" dirty="0"/>
+              <a:t>Welche Informationen sollen angezeigt werden?</a:t>
+            </a:r>
+          </a:p>
+          <a:p>
+            <a:pPr marL="742950" lvl="1" indent="-285750">
+              <a:lnSpc>
+                <a:spcPct val="150000"/>
+              </a:lnSpc>
+              <a:buFont typeface="Wingdings" panose="05000000000000000000" pitchFamily="2" charset="2"/>
+              <a:buChar char="v"/>
+            </a:pPr>
+            <a:r>
               <a:rPr lang="de-DE" dirty="0"/>
-              <a:t>Man kann sich registrieren, das Passwort ändern und das Benutzerkonto löschen</a:t>
+              <a:t>Verfügbarkeit</a:t>
             </a:r>
+          </a:p>
+          <a:p>
+            <a:pPr marL="742950" lvl="1" indent="-285750">
+              <a:lnSpc>
+                <a:spcPct val="150000"/>
+              </a:lnSpc>
+              <a:buFont typeface="Wingdings" panose="05000000000000000000" pitchFamily="2" charset="2"/>
+              <a:buChar char="v"/>
+            </a:pPr>
+            <a:r>
+              <a:rPr lang="de-DE" dirty="0"/>
+              <a:t>Standort</a:t>
+            </a:r>
+          </a:p>
+          <a:p>
+            <a:pPr marL="742950" lvl="1" indent="-285750">
+              <a:lnSpc>
+                <a:spcPct val="150000"/>
+              </a:lnSpc>
+              <a:buFont typeface="Wingdings" panose="05000000000000000000" pitchFamily="2" charset="2"/>
+              <a:buChar char="v"/>
+            </a:pPr>
+            <a:r>
+              <a:rPr lang="de-DE" dirty="0"/>
+              <a:t>Standort in der Filiale</a:t>
+            </a:r>
+          </a:p>
+          <a:p>
+            <a:pPr marL="742950" lvl="1" indent="-285750">
+              <a:lnSpc>
+                <a:spcPct val="150000"/>
+              </a:lnSpc>
+              <a:buFont typeface="Wingdings" panose="05000000000000000000" pitchFamily="2" charset="2"/>
+              <a:buChar char="v"/>
+            </a:pPr>
+            <a:r>
+              <a:rPr lang="de-DE" dirty="0"/>
+              <a:t>Preis</a:t>
+            </a:r>
+          </a:p>
+          <a:p>
+            <a:pPr marL="742950" lvl="1" indent="-285750">
+              <a:lnSpc>
+                <a:spcPct val="150000"/>
+              </a:lnSpc>
+              <a:buFont typeface="Wingdings" panose="05000000000000000000" pitchFamily="2" charset="2"/>
+              <a:buChar char="v"/>
+            </a:pPr>
+            <a:r>
+              <a:rPr lang="de-DE" dirty="0"/>
+              <a:t>Marke</a:t>
+            </a:r>
+          </a:p>
+          <a:p>
+            <a:pPr lvl="1">
+              <a:lnSpc>
+                <a:spcPct val="150000"/>
+              </a:lnSpc>
+            </a:pPr>
+            <a:endParaRPr lang="de-DE" dirty="0"/>
           </a:p>
           <a:p>
             <a:pPr marL="285750" indent="-285750">
@@ -6367,9 +6787,16 @@
               <a:buChar char="v"/>
             </a:pPr>
             <a:r>
-              <a:rPr lang="de-DE" dirty="0"/>
-              <a:t>Es werden der Benutzername und das Passwort abgefragt</a:t>
+              <a:rPr lang="de-DE" i="0" dirty="0"/>
+              <a:t>Akteure: User, IT-System, Google Maps (bei Abfrage)</a:t>
             </a:r>
+          </a:p>
+          <a:p>
+            <a:pPr marL="285750" indent="-285750">
+              <a:buFont typeface="Wingdings" panose="05000000000000000000" pitchFamily="2" charset="2"/>
+              <a:buChar char="v"/>
+            </a:pPr>
+            <a:endParaRPr lang="de-DE" i="0" dirty="0"/>
           </a:p>
           <a:p>
             <a:pPr marL="285750" indent="-285750">
@@ -6377,18 +6804,8 @@
               <a:buChar char="v"/>
             </a:pPr>
             <a:r>
-              <a:rPr lang="de-DE" dirty="0"/>
-              <a:t>Nach der Anmeldung wird man in einen geschlossen Bereich weitergeleitet</a:t>
-            </a:r>
-          </a:p>
-          <a:p>
-            <a:pPr marL="285750" indent="-285750">
-              <a:buFont typeface="Wingdings" panose="05000000000000000000" pitchFamily="2" charset="2"/>
-              <a:buChar char="v"/>
-            </a:pPr>
-            <a:r>
-              <a:rPr lang="de-DE" dirty="0"/>
-              <a:t>Akteure sind der User, das IT-System, Administrator, Mitarbeiter</a:t>
+              <a:rPr lang="de-DE" i="0" dirty="0"/>
+              <a:t>Bedingung: Produkt im Sortiment</a:t>
             </a:r>
           </a:p>
         </p:txBody>
@@ -6453,7 +6870,7 @@
     </p:spTree>
     <p:extLst>
       <p:ext uri="{BB962C8B-B14F-4D97-AF65-F5344CB8AC3E}">
-        <p14:creationId xmlns:p14="http://schemas.microsoft.com/office/powerpoint/2010/main" val="3201682320"/>
+        <p14:creationId xmlns:p14="http://schemas.microsoft.com/office/powerpoint/2010/main" val="2910939862"/>
       </p:ext>
     </p:extLst>
   </p:cSld>
@@ -6464,7 +6881,7 @@
 </file>
 
 <file path=ppt/slides/slide12.xml><?xml version="1.0" encoding="utf-8"?>
-<p:sld xmlns:a="http://schemas.openxmlformats.org/drawingml/2006/main" xmlns:r="http://schemas.openxmlformats.org/officeDocument/2006/relationships" xmlns:p="http://schemas.openxmlformats.org/presentationml/2006/main">
+<p:sld xmlns:a="http://schemas.openxmlformats.org/drawingml/2006/main" xmlns:r="http://schemas.openxmlformats.org/officeDocument/2006/relationships" xmlns:p="http://schemas.openxmlformats.org/presentationml/2006/main" show="0">
   <p:cSld>
     <p:spTree>
       <p:nvGrpSpPr>
@@ -6523,9 +6940,8 @@
             <a:pPr rtl="0"/>
             <a:r>
               <a:rPr lang="de-DE" i="0" dirty="0"/>
-              <a:t>Sonstige Features</a:t>
+              <a:t>Änderungen am Produkt &amp; an der Filiale</a:t>
             </a:r>
-            <a:endParaRPr lang="de-DE" dirty="0"/>
           </a:p>
         </p:txBody>
       </p:sp>
@@ -6596,7 +7012,7 @@
         <p:spPr>
           <a:xfrm>
             <a:off x="726781" y="1600866"/>
-            <a:ext cx="5369219" cy="738664"/>
+            <a:ext cx="5369219" cy="2708434"/>
           </a:xfrm>
           <a:prstGeom prst="rect">
             <a:avLst/>
@@ -6626,9 +7042,12 @@
               <a:buChar char="v"/>
             </a:pPr>
             <a:r>
-              <a:rPr lang="de-DE" dirty="0"/>
-              <a:t>Gutschein einlösen</a:t>
+              <a:rPr lang="de-DE" i="0" dirty="0"/>
+              <a:t>Produktdaten/Filialdaten sollen hinzugefügt, veränderbar oder gelöscht werden können</a:t>
             </a:r>
+          </a:p>
+          <a:p>
+            <a:endParaRPr lang="de-DE" i="0" dirty="0"/>
           </a:p>
           <a:p>
             <a:pPr marL="285750" indent="-285750">
@@ -6636,9 +7055,12 @@
               <a:buChar char="v"/>
             </a:pPr>
             <a:r>
-              <a:rPr lang="de-DE" dirty="0"/>
-              <a:t>Produktabfrage mit Alexa</a:t>
+              <a:rPr lang="de-DE" i="0" dirty="0"/>
+              <a:t>Akteure sind der Administrator, das IT-System und der Filialleiter</a:t>
             </a:r>
+          </a:p>
+          <a:p>
+            <a:endParaRPr lang="de-DE" i="0" dirty="0"/>
           </a:p>
           <a:p>
             <a:pPr marL="285750" indent="-285750">
@@ -6646,8 +7068,21 @@
               <a:buChar char="v"/>
             </a:pPr>
             <a:r>
-              <a:rPr lang="de-DE" dirty="0"/>
-              <a:t>Kundendaten auswerten</a:t>
+              <a:rPr lang="de-DE" i="0" dirty="0"/>
+              <a:t>Der Administrator hat nur das Recht die Filiale hinzuzufügen und zu löschen</a:t>
+            </a:r>
+          </a:p>
+          <a:p>
+            <a:endParaRPr lang="de-DE" i="0" dirty="0"/>
+          </a:p>
+          <a:p>
+            <a:pPr marL="285750" indent="-285750">
+              <a:buFont typeface="Wingdings" panose="05000000000000000000" pitchFamily="2" charset="2"/>
+              <a:buChar char="v"/>
+            </a:pPr>
+            <a:r>
+              <a:rPr lang="de-DE" i="0" dirty="0"/>
+              <a:t>Bedingung dabei ist, das das Produkt/Filiale tatsächlich existieren</a:t>
             </a:r>
           </a:p>
         </p:txBody>
@@ -6712,6 +7147,596 @@
     </p:spTree>
     <p:extLst>
       <p:ext uri="{BB962C8B-B14F-4D97-AF65-F5344CB8AC3E}">
+        <p14:creationId xmlns:p14="http://schemas.microsoft.com/office/powerpoint/2010/main" val="543221831"/>
+      </p:ext>
+    </p:extLst>
+  </p:cSld>
+  <p:clrMapOvr>
+    <a:masterClrMapping/>
+  </p:clrMapOvr>
+</p:sld>
+</file>
+
+<file path=ppt/slides/slide13.xml><?xml version="1.0" encoding="utf-8"?>
+<p:sld xmlns:a="http://schemas.openxmlformats.org/drawingml/2006/main" xmlns:r="http://schemas.openxmlformats.org/officeDocument/2006/relationships" xmlns:p="http://schemas.openxmlformats.org/presentationml/2006/main" show="0">
+  <p:cSld>
+    <p:spTree>
+      <p:nvGrpSpPr>
+        <p:cNvPr id="1" name=""/>
+        <p:cNvGrpSpPr/>
+        <p:nvPr/>
+      </p:nvGrpSpPr>
+      <p:grpSpPr>
+        <a:xfrm>
+          <a:off x="0" y="0"/>
+          <a:ext cx="0" cy="0"/>
+          <a:chOff x="0" y="0"/>
+          <a:chExt cx="0" cy="0"/>
+        </a:xfrm>
+      </p:grpSpPr>
+      <p:sp>
+        <p:nvSpPr>
+          <p:cNvPr id="2" name="Textfeld 1">
+            <a:extLst>
+              <a:ext uri="{FF2B5EF4-FFF2-40B4-BE49-F238E27FC236}">
+                <a16:creationId xmlns:a16="http://schemas.microsoft.com/office/drawing/2014/main" id="{CF3ECDF0-20E4-42EB-A939-E751FFB8EB9E}"/>
+              </a:ext>
+            </a:extLst>
+          </p:cNvPr>
+          <p:cNvSpPr txBox="1"/>
+          <p:nvPr/>
+        </p:nvSpPr>
+        <p:spPr>
+          <a:xfrm>
+            <a:off x="726781" y="865651"/>
+            <a:ext cx="6224717" cy="246221"/>
+          </a:xfrm>
+          <a:prstGeom prst="rect">
+            <a:avLst/>
+          </a:prstGeom>
+        </p:spPr>
+        <p:txBody>
+          <a:bodyPr wrap="square" lIns="0" tIns="0" rIns="0" bIns="0" rtlCol="0">
+            <a:spAutoFit/>
+          </a:bodyPr>
+          <a:lstStyle>
+            <a:defPPr>
+              <a:defRPr lang="en-US"/>
+            </a:defPPr>
+            <a:lvl1pPr>
+              <a:defRPr sz="1600" i="1">
+                <a:solidFill>
+                  <a:srgbClr val="002060"/>
+                </a:solidFill>
+                <a:latin typeface="+mj-lt"/>
+                <a:cs typeface="Segoe UI" panose="020B0502040204020203" pitchFamily="34" charset="0"/>
+              </a:defRPr>
+            </a:lvl1pPr>
+          </a:lstStyle>
+          <a:p>
+            <a:pPr rtl="0"/>
+            <a:r>
+              <a:rPr lang="de-DE" i="0" dirty="0"/>
+              <a:t>Anmeldung</a:t>
+            </a:r>
+            <a:endParaRPr lang="de-DE" dirty="0"/>
+          </a:p>
+        </p:txBody>
+      </p:sp>
+      <p:sp>
+        <p:nvSpPr>
+          <p:cNvPr id="3" name="Textfeld 2">
+            <a:extLst>
+              <a:ext uri="{FF2B5EF4-FFF2-40B4-BE49-F238E27FC236}">
+                <a16:creationId xmlns:a16="http://schemas.microsoft.com/office/drawing/2014/main" id="{CE6AF7FE-5978-4B5F-90E1-044AC25EC230}"/>
+              </a:ext>
+            </a:extLst>
+          </p:cNvPr>
+          <p:cNvSpPr txBox="1"/>
+          <p:nvPr/>
+        </p:nvSpPr>
+        <p:spPr>
+          <a:xfrm>
+            <a:off x="726781" y="273553"/>
+            <a:ext cx="5369219" cy="405205"/>
+          </a:xfrm>
+          <a:prstGeom prst="rect">
+            <a:avLst/>
+          </a:prstGeom>
+          <a:noFill/>
+        </p:spPr>
+        <p:txBody>
+          <a:bodyPr wrap="square" lIns="0" tIns="0" rIns="0" bIns="0" rtlCol="0">
+            <a:noAutofit/>
+          </a:bodyPr>
+          <a:lstStyle>
+            <a:defPPr>
+              <a:defRPr lang="en-US"/>
+            </a:defPPr>
+            <a:lvl1pPr>
+              <a:lnSpc>
+                <a:spcPts val="4000"/>
+              </a:lnSpc>
+              <a:defRPr sz="3600" b="1">
+                <a:solidFill>
+                  <a:srgbClr val="002060"/>
+                </a:solidFill>
+                <a:latin typeface="Segoe UI" panose="020B0502040204020203" pitchFamily="34" charset="0"/>
+                <a:cs typeface="Segoe UI" panose="020B0502040204020203" pitchFamily="34" charset="0"/>
+              </a:defRPr>
+            </a:lvl1pPr>
+          </a:lstStyle>
+          <a:p>
+            <a:pPr rtl="0"/>
+            <a:r>
+              <a:rPr lang="de-DE" sz="3200" dirty="0"/>
+              <a:t>Use-Case-Spezifikationen</a:t>
+            </a:r>
+          </a:p>
+        </p:txBody>
+      </p:sp>
+      <p:sp>
+        <p:nvSpPr>
+          <p:cNvPr id="5" name="Textfeld 4">
+            <a:extLst>
+              <a:ext uri="{FF2B5EF4-FFF2-40B4-BE49-F238E27FC236}">
+                <a16:creationId xmlns:a16="http://schemas.microsoft.com/office/drawing/2014/main" id="{11FEAF3D-6FC9-46CB-B4A4-9B8CA760AE20}"/>
+              </a:ext>
+            </a:extLst>
+          </p:cNvPr>
+          <p:cNvSpPr txBox="1"/>
+          <p:nvPr/>
+        </p:nvSpPr>
+        <p:spPr>
+          <a:xfrm>
+            <a:off x="726781" y="1600866"/>
+            <a:ext cx="5369219" cy="2215991"/>
+          </a:xfrm>
+          <a:prstGeom prst="rect">
+            <a:avLst/>
+          </a:prstGeom>
+        </p:spPr>
+        <p:txBody>
+          <a:bodyPr wrap="square" lIns="0" tIns="0" rIns="0" bIns="0" rtlCol="0">
+            <a:spAutoFit/>
+          </a:bodyPr>
+          <a:lstStyle>
+            <a:defPPr>
+              <a:defRPr lang="en-US"/>
+            </a:defPPr>
+            <a:lvl1pPr>
+              <a:defRPr sz="1600" i="1">
+                <a:solidFill>
+                  <a:srgbClr val="002060"/>
+                </a:solidFill>
+                <a:latin typeface="+mj-lt"/>
+                <a:cs typeface="Segoe UI" panose="020B0502040204020203" pitchFamily="34" charset="0"/>
+              </a:defRPr>
+            </a:lvl1pPr>
+          </a:lstStyle>
+          <a:p>
+            <a:pPr marL="285750" indent="-285750">
+              <a:buFont typeface="Wingdings" panose="05000000000000000000" pitchFamily="2" charset="2"/>
+              <a:buChar char="v"/>
+            </a:pPr>
+            <a:r>
+              <a:rPr lang="de-DE" i="0" dirty="0"/>
+              <a:t>Anmeldung User/Admin</a:t>
+            </a:r>
+          </a:p>
+          <a:p>
+            <a:pPr marL="285750" indent="-285750">
+              <a:buFont typeface="Wingdings" panose="05000000000000000000" pitchFamily="2" charset="2"/>
+              <a:buChar char="v"/>
+            </a:pPr>
+            <a:endParaRPr lang="de-DE" i="0" dirty="0"/>
+          </a:p>
+          <a:p>
+            <a:pPr marL="285750" indent="-285750">
+              <a:buFont typeface="Wingdings" panose="05000000000000000000" pitchFamily="2" charset="2"/>
+              <a:buChar char="v"/>
+            </a:pPr>
+            <a:r>
+              <a:rPr lang="de-DE" i="0" dirty="0"/>
+              <a:t>Registrieren, Passwort ändern und Benutzerkonto löschen</a:t>
+            </a:r>
+          </a:p>
+          <a:p>
+            <a:pPr marL="285750" indent="-285750">
+              <a:buFont typeface="Wingdings" panose="05000000000000000000" pitchFamily="2" charset="2"/>
+              <a:buChar char="v"/>
+            </a:pPr>
+            <a:endParaRPr lang="de-DE" i="0" dirty="0"/>
+          </a:p>
+          <a:p>
+            <a:pPr marL="285750" indent="-285750">
+              <a:buFont typeface="Wingdings" panose="05000000000000000000" pitchFamily="2" charset="2"/>
+              <a:buChar char="v"/>
+            </a:pPr>
+            <a:r>
+              <a:rPr lang="de-DE" i="0" dirty="0"/>
+              <a:t>Benutzername + Passwort nötig</a:t>
+            </a:r>
+          </a:p>
+          <a:p>
+            <a:pPr marL="285750" indent="-285750">
+              <a:buFont typeface="Wingdings" panose="05000000000000000000" pitchFamily="2" charset="2"/>
+              <a:buChar char="v"/>
+            </a:pPr>
+            <a:endParaRPr lang="de-DE" i="0" dirty="0"/>
+          </a:p>
+          <a:p>
+            <a:pPr marL="285750" indent="-285750">
+              <a:buFont typeface="Wingdings" panose="05000000000000000000" pitchFamily="2" charset="2"/>
+              <a:buChar char="v"/>
+            </a:pPr>
+            <a:r>
+              <a:rPr lang="de-DE" i="0" dirty="0"/>
+              <a:t>Nach Anmeldung </a:t>
+            </a:r>
+            <a:r>
+              <a:rPr lang="de-DE" i="0" dirty="0">
+                <a:sym typeface="Wingdings" panose="05000000000000000000" pitchFamily="2" charset="2"/>
+              </a:rPr>
+              <a:t></a:t>
+            </a:r>
+            <a:r>
+              <a:rPr lang="de-DE" i="0" dirty="0"/>
+              <a:t> geschlossener Bereich</a:t>
+            </a:r>
+          </a:p>
+          <a:p>
+            <a:pPr marL="285750" indent="-285750">
+              <a:buFont typeface="Wingdings" panose="05000000000000000000" pitchFamily="2" charset="2"/>
+              <a:buChar char="v"/>
+            </a:pPr>
+            <a:endParaRPr lang="de-DE" i="0" dirty="0"/>
+          </a:p>
+          <a:p>
+            <a:pPr marL="285750" indent="-285750">
+              <a:buFont typeface="Wingdings" panose="05000000000000000000" pitchFamily="2" charset="2"/>
+              <a:buChar char="v"/>
+            </a:pPr>
+            <a:r>
+              <a:rPr lang="de-DE" i="0" dirty="0"/>
+              <a:t>Akteure: User, das IT-System, Administrator, Mitarbeiter</a:t>
+            </a:r>
+          </a:p>
+        </p:txBody>
+      </p:sp>
+      <p:pic>
+        <p:nvPicPr>
+          <p:cNvPr id="163" name="Bild 162" descr="Dieses Bild zeigt zwei Paar Hände, die Puzzleteile zusammenfügen. ">
+            <a:extLst>
+              <a:ext uri="{FF2B5EF4-FFF2-40B4-BE49-F238E27FC236}">
+                <a16:creationId xmlns:a16="http://schemas.microsoft.com/office/drawing/2014/main" id="{AB835B29-19DB-41C9-9C29-FB52358C44C7}"/>
+              </a:ext>
+            </a:extLst>
+          </p:cNvPr>
+          <p:cNvPicPr>
+            <a:picLocks noChangeAspect="1"/>
+          </p:cNvPicPr>
+          <p:nvPr/>
+        </p:nvPicPr>
+        <p:blipFill rotWithShape="1">
+          <a:blip r:embed="rId3"/>
+          <a:srcRect r="15224"/>
+          <a:stretch/>
+        </p:blipFill>
+        <p:spPr>
+          <a:xfrm>
+            <a:off x="7548019" y="0"/>
+            <a:ext cx="4643982" cy="6858000"/>
+          </a:xfrm>
+          <a:prstGeom prst="rect">
+            <a:avLst/>
+          </a:prstGeom>
+        </p:spPr>
+      </p:pic>
+      <p:sp>
+        <p:nvSpPr>
+          <p:cNvPr id="53" name="Titel 52" hidden="1">
+            <a:extLst>
+              <a:ext uri="{FF2B5EF4-FFF2-40B4-BE49-F238E27FC236}">
+                <a16:creationId xmlns:a16="http://schemas.microsoft.com/office/drawing/2014/main" id="{6BCAF586-A14B-4A3B-A249-655ADDBB3A4C}"/>
+              </a:ext>
+            </a:extLst>
+          </p:cNvPr>
+          <p:cNvSpPr>
+            <a:spLocks noGrp="1"/>
+          </p:cNvSpPr>
+          <p:nvPr>
+            <p:ph type="title"/>
+          </p:nvPr>
+        </p:nvSpPr>
+        <p:spPr/>
+        <p:txBody>
+          <a:bodyPr rtlCol="0"/>
+          <a:lstStyle/>
+          <a:p>
+            <a:r>
+              <a:rPr lang="de-DE" dirty="0"/>
+              <a:t>Personal – Folie8</a:t>
+            </a:r>
+          </a:p>
+        </p:txBody>
+      </p:sp>
+    </p:spTree>
+    <p:extLst>
+      <p:ext uri="{BB962C8B-B14F-4D97-AF65-F5344CB8AC3E}">
+        <p14:creationId xmlns:p14="http://schemas.microsoft.com/office/powerpoint/2010/main" val="3201682320"/>
+      </p:ext>
+    </p:extLst>
+  </p:cSld>
+  <p:clrMapOvr>
+    <a:masterClrMapping/>
+  </p:clrMapOvr>
+</p:sld>
+</file>
+
+<file path=ppt/slides/slide14.xml><?xml version="1.0" encoding="utf-8"?>
+<p:sld xmlns:a="http://schemas.openxmlformats.org/drawingml/2006/main" xmlns:r="http://schemas.openxmlformats.org/officeDocument/2006/relationships" xmlns:p="http://schemas.openxmlformats.org/presentationml/2006/main" show="0">
+  <p:cSld>
+    <p:spTree>
+      <p:nvGrpSpPr>
+        <p:cNvPr id="1" name=""/>
+        <p:cNvGrpSpPr/>
+        <p:nvPr/>
+      </p:nvGrpSpPr>
+      <p:grpSpPr>
+        <a:xfrm>
+          <a:off x="0" y="0"/>
+          <a:ext cx="0" cy="0"/>
+          <a:chOff x="0" y="0"/>
+          <a:chExt cx="0" cy="0"/>
+        </a:xfrm>
+      </p:grpSpPr>
+      <p:sp>
+        <p:nvSpPr>
+          <p:cNvPr id="2" name="Textfeld 1">
+            <a:extLst>
+              <a:ext uri="{FF2B5EF4-FFF2-40B4-BE49-F238E27FC236}">
+                <a16:creationId xmlns:a16="http://schemas.microsoft.com/office/drawing/2014/main" id="{CF3ECDF0-20E4-42EB-A939-E751FFB8EB9E}"/>
+              </a:ext>
+            </a:extLst>
+          </p:cNvPr>
+          <p:cNvSpPr txBox="1"/>
+          <p:nvPr/>
+        </p:nvSpPr>
+        <p:spPr>
+          <a:xfrm>
+            <a:off x="726781" y="865651"/>
+            <a:ext cx="6224717" cy="246221"/>
+          </a:xfrm>
+          <a:prstGeom prst="rect">
+            <a:avLst/>
+          </a:prstGeom>
+        </p:spPr>
+        <p:txBody>
+          <a:bodyPr wrap="square" lIns="0" tIns="0" rIns="0" bIns="0" rtlCol="0">
+            <a:spAutoFit/>
+          </a:bodyPr>
+          <a:lstStyle>
+            <a:defPPr>
+              <a:defRPr lang="en-US"/>
+            </a:defPPr>
+            <a:lvl1pPr>
+              <a:defRPr sz="1600" i="1">
+                <a:solidFill>
+                  <a:srgbClr val="002060"/>
+                </a:solidFill>
+                <a:latin typeface="+mj-lt"/>
+                <a:cs typeface="Segoe UI" panose="020B0502040204020203" pitchFamily="34" charset="0"/>
+              </a:defRPr>
+            </a:lvl1pPr>
+          </a:lstStyle>
+          <a:p>
+            <a:pPr rtl="0"/>
+            <a:r>
+              <a:rPr lang="de-DE" i="0" dirty="0"/>
+              <a:t>Sonstige Features</a:t>
+            </a:r>
+            <a:endParaRPr lang="de-DE" dirty="0"/>
+          </a:p>
+        </p:txBody>
+      </p:sp>
+      <p:sp>
+        <p:nvSpPr>
+          <p:cNvPr id="3" name="Textfeld 2">
+            <a:extLst>
+              <a:ext uri="{FF2B5EF4-FFF2-40B4-BE49-F238E27FC236}">
+                <a16:creationId xmlns:a16="http://schemas.microsoft.com/office/drawing/2014/main" id="{CE6AF7FE-5978-4B5F-90E1-044AC25EC230}"/>
+              </a:ext>
+            </a:extLst>
+          </p:cNvPr>
+          <p:cNvSpPr txBox="1"/>
+          <p:nvPr/>
+        </p:nvSpPr>
+        <p:spPr>
+          <a:xfrm>
+            <a:off x="726781" y="273553"/>
+            <a:ext cx="5369219" cy="405205"/>
+          </a:xfrm>
+          <a:prstGeom prst="rect">
+            <a:avLst/>
+          </a:prstGeom>
+          <a:noFill/>
+        </p:spPr>
+        <p:txBody>
+          <a:bodyPr wrap="square" lIns="0" tIns="0" rIns="0" bIns="0" rtlCol="0">
+            <a:noAutofit/>
+          </a:bodyPr>
+          <a:lstStyle>
+            <a:defPPr>
+              <a:defRPr lang="en-US"/>
+            </a:defPPr>
+            <a:lvl1pPr>
+              <a:lnSpc>
+                <a:spcPts val="4000"/>
+              </a:lnSpc>
+              <a:defRPr sz="3600" b="1">
+                <a:solidFill>
+                  <a:srgbClr val="002060"/>
+                </a:solidFill>
+                <a:latin typeface="Segoe UI" panose="020B0502040204020203" pitchFamily="34" charset="0"/>
+                <a:cs typeface="Segoe UI" panose="020B0502040204020203" pitchFamily="34" charset="0"/>
+              </a:defRPr>
+            </a:lvl1pPr>
+          </a:lstStyle>
+          <a:p>
+            <a:pPr rtl="0"/>
+            <a:r>
+              <a:rPr lang="de-DE" sz="3200" dirty="0"/>
+              <a:t>Use-Case-Spezifikationen</a:t>
+            </a:r>
+          </a:p>
+        </p:txBody>
+      </p:sp>
+      <p:sp>
+        <p:nvSpPr>
+          <p:cNvPr id="5" name="Textfeld 4">
+            <a:extLst>
+              <a:ext uri="{FF2B5EF4-FFF2-40B4-BE49-F238E27FC236}">
+                <a16:creationId xmlns:a16="http://schemas.microsoft.com/office/drawing/2014/main" id="{11FEAF3D-6FC9-46CB-B4A4-9B8CA760AE20}"/>
+              </a:ext>
+            </a:extLst>
+          </p:cNvPr>
+          <p:cNvSpPr txBox="1"/>
+          <p:nvPr/>
+        </p:nvSpPr>
+        <p:spPr>
+          <a:xfrm>
+            <a:off x="726781" y="1600866"/>
+            <a:ext cx="5369219" cy="1231106"/>
+          </a:xfrm>
+          <a:prstGeom prst="rect">
+            <a:avLst/>
+          </a:prstGeom>
+        </p:spPr>
+        <p:txBody>
+          <a:bodyPr wrap="square" lIns="0" tIns="0" rIns="0" bIns="0" rtlCol="0">
+            <a:spAutoFit/>
+          </a:bodyPr>
+          <a:lstStyle>
+            <a:defPPr>
+              <a:defRPr lang="en-US"/>
+            </a:defPPr>
+            <a:lvl1pPr>
+              <a:defRPr sz="1600" i="1">
+                <a:solidFill>
+                  <a:srgbClr val="002060"/>
+                </a:solidFill>
+                <a:latin typeface="+mj-lt"/>
+                <a:cs typeface="Segoe UI" panose="020B0502040204020203" pitchFamily="34" charset="0"/>
+              </a:defRPr>
+            </a:lvl1pPr>
+          </a:lstStyle>
+          <a:p>
+            <a:pPr marL="285750" indent="-285750">
+              <a:buFont typeface="Wingdings" panose="05000000000000000000" pitchFamily="2" charset="2"/>
+              <a:buChar char="v"/>
+            </a:pPr>
+            <a:r>
+              <a:rPr lang="de-DE" i="0" dirty="0"/>
+              <a:t>Gutschein einlösen</a:t>
+            </a:r>
+          </a:p>
+          <a:p>
+            <a:pPr marL="285750" indent="-285750">
+              <a:buFont typeface="Wingdings" panose="05000000000000000000" pitchFamily="2" charset="2"/>
+              <a:buChar char="v"/>
+            </a:pPr>
+            <a:endParaRPr lang="de-DE" i="0" dirty="0"/>
+          </a:p>
+          <a:p>
+            <a:pPr marL="285750" indent="-285750">
+              <a:buFont typeface="Wingdings" panose="05000000000000000000" pitchFamily="2" charset="2"/>
+              <a:buChar char="v"/>
+            </a:pPr>
+            <a:r>
+              <a:rPr lang="de-DE" i="0" dirty="0"/>
+              <a:t>Produktabfrage mit Alexa</a:t>
+            </a:r>
+          </a:p>
+          <a:p>
+            <a:pPr marL="285750" indent="-285750">
+              <a:buFont typeface="Wingdings" panose="05000000000000000000" pitchFamily="2" charset="2"/>
+              <a:buChar char="v"/>
+            </a:pPr>
+            <a:endParaRPr lang="de-DE" i="0" dirty="0"/>
+          </a:p>
+          <a:p>
+            <a:pPr marL="285750" indent="-285750">
+              <a:buFont typeface="Wingdings" panose="05000000000000000000" pitchFamily="2" charset="2"/>
+              <a:buChar char="v"/>
+            </a:pPr>
+            <a:r>
+              <a:rPr lang="de-DE" i="0" dirty="0"/>
+              <a:t>Kundendaten auswerten</a:t>
+            </a:r>
+          </a:p>
+        </p:txBody>
+      </p:sp>
+      <p:pic>
+        <p:nvPicPr>
+          <p:cNvPr id="163" name="Bild 162" descr="Dieses Bild zeigt zwei Paar Hände, die Puzzleteile zusammenfügen. ">
+            <a:extLst>
+              <a:ext uri="{FF2B5EF4-FFF2-40B4-BE49-F238E27FC236}">
+                <a16:creationId xmlns:a16="http://schemas.microsoft.com/office/drawing/2014/main" id="{AB835B29-19DB-41C9-9C29-FB52358C44C7}"/>
+              </a:ext>
+            </a:extLst>
+          </p:cNvPr>
+          <p:cNvPicPr>
+            <a:picLocks noChangeAspect="1"/>
+          </p:cNvPicPr>
+          <p:nvPr/>
+        </p:nvPicPr>
+        <p:blipFill rotWithShape="1">
+          <a:blip r:embed="rId3"/>
+          <a:srcRect r="15224"/>
+          <a:stretch/>
+        </p:blipFill>
+        <p:spPr>
+          <a:xfrm>
+            <a:off x="7548019" y="0"/>
+            <a:ext cx="4643982" cy="6858000"/>
+          </a:xfrm>
+          <a:prstGeom prst="rect">
+            <a:avLst/>
+          </a:prstGeom>
+        </p:spPr>
+      </p:pic>
+      <p:sp>
+        <p:nvSpPr>
+          <p:cNvPr id="53" name="Titel 52" hidden="1">
+            <a:extLst>
+              <a:ext uri="{FF2B5EF4-FFF2-40B4-BE49-F238E27FC236}">
+                <a16:creationId xmlns:a16="http://schemas.microsoft.com/office/drawing/2014/main" id="{6BCAF586-A14B-4A3B-A249-655ADDBB3A4C}"/>
+              </a:ext>
+            </a:extLst>
+          </p:cNvPr>
+          <p:cNvSpPr>
+            <a:spLocks noGrp="1"/>
+          </p:cNvSpPr>
+          <p:nvPr>
+            <p:ph type="title"/>
+          </p:nvPr>
+        </p:nvSpPr>
+        <p:spPr/>
+        <p:txBody>
+          <a:bodyPr rtlCol="0"/>
+          <a:lstStyle/>
+          <a:p>
+            <a:r>
+              <a:rPr lang="de-DE" dirty="0"/>
+              <a:t>Personal – Folie8</a:t>
+            </a:r>
+          </a:p>
+        </p:txBody>
+      </p:sp>
+    </p:spTree>
+    <p:extLst>
+      <p:ext uri="{BB962C8B-B14F-4D97-AF65-F5344CB8AC3E}">
         <p14:creationId xmlns:p14="http://schemas.microsoft.com/office/powerpoint/2010/main" val="438163090"/>
       </p:ext>
     </p:extLst>
@@ -6722,7 +7747,359 @@
 </p:sld>
 </file>
 
-<file path=ppt/slides/slide13.xml><?xml version="1.0" encoding="utf-8"?>
+<file path=ppt/slides/slide15.xml><?xml version="1.0" encoding="utf-8"?>
+<p:sld xmlns:a="http://schemas.openxmlformats.org/drawingml/2006/main" xmlns:r="http://schemas.openxmlformats.org/officeDocument/2006/relationships" xmlns:p="http://schemas.openxmlformats.org/presentationml/2006/main">
+  <p:cSld>
+    <p:spTree>
+      <p:nvGrpSpPr>
+        <p:cNvPr id="1" name=""/>
+        <p:cNvGrpSpPr/>
+        <p:nvPr/>
+      </p:nvGrpSpPr>
+      <p:grpSpPr>
+        <a:xfrm>
+          <a:off x="0" y="0"/>
+          <a:ext cx="0" cy="0"/>
+          <a:chOff x="0" y="0"/>
+          <a:chExt cx="0" cy="0"/>
+        </a:xfrm>
+      </p:grpSpPr>
+      <p:pic>
+        <p:nvPicPr>
+          <p:cNvPr id="5" name="Grafik 4">
+            <a:extLst>
+              <a:ext uri="{FF2B5EF4-FFF2-40B4-BE49-F238E27FC236}">
+                <a16:creationId xmlns:a16="http://schemas.microsoft.com/office/drawing/2014/main" id="{7D17ABCC-11CE-4333-A3B1-185954C79174}"/>
+              </a:ext>
+            </a:extLst>
+          </p:cNvPr>
+          <p:cNvPicPr>
+            <a:picLocks noChangeAspect="1"/>
+          </p:cNvPicPr>
+          <p:nvPr/>
+        </p:nvPicPr>
+        <p:blipFill rotWithShape="1">
+          <a:blip r:embed="rId2">
+            <a:extLst>
+              <a:ext uri="{28A0092B-C50C-407E-A947-70E740481C1C}">
+                <a14:useLocalDpi xmlns:a14="http://schemas.microsoft.com/office/drawing/2010/main" val="0"/>
+              </a:ext>
+            </a:extLst>
+          </a:blip>
+          <a:srcRect r="847" b="1041"/>
+          <a:stretch/>
+        </p:blipFill>
+        <p:spPr>
+          <a:xfrm>
+            <a:off x="3021064" y="1298765"/>
+            <a:ext cx="6097770" cy="5211092"/>
+          </a:xfrm>
+          <a:prstGeom prst="rect">
+            <a:avLst/>
+          </a:prstGeom>
+          <a:ln>
+            <a:noFill/>
+          </a:ln>
+          <a:effectLst>
+            <a:outerShdw blurRad="292100" dist="139700" dir="2700000" algn="tl" rotWithShape="0">
+              <a:srgbClr val="333333">
+                <a:alpha val="65000"/>
+              </a:srgbClr>
+            </a:outerShdw>
+          </a:effectLst>
+        </p:spPr>
+      </p:pic>
+      <p:sp>
+        <p:nvSpPr>
+          <p:cNvPr id="7" name="Textfeld 6">
+            <a:extLst>
+              <a:ext uri="{FF2B5EF4-FFF2-40B4-BE49-F238E27FC236}">
+                <a16:creationId xmlns:a16="http://schemas.microsoft.com/office/drawing/2014/main" id="{A726C9C8-C971-435F-989B-40A5F44834E2}"/>
+              </a:ext>
+            </a:extLst>
+          </p:cNvPr>
+          <p:cNvSpPr txBox="1"/>
+          <p:nvPr/>
+        </p:nvSpPr>
+        <p:spPr>
+          <a:xfrm>
+            <a:off x="726781" y="273553"/>
+            <a:ext cx="5369219" cy="405205"/>
+          </a:xfrm>
+          <a:prstGeom prst="rect">
+            <a:avLst/>
+          </a:prstGeom>
+          <a:noFill/>
+        </p:spPr>
+        <p:txBody>
+          <a:bodyPr wrap="square" lIns="0" tIns="0" rIns="0" bIns="0" rtlCol="0">
+            <a:noAutofit/>
+          </a:bodyPr>
+          <a:lstStyle>
+            <a:defPPr>
+              <a:defRPr lang="en-US"/>
+            </a:defPPr>
+            <a:lvl1pPr>
+              <a:lnSpc>
+                <a:spcPts val="4000"/>
+              </a:lnSpc>
+              <a:defRPr sz="3600" b="1">
+                <a:solidFill>
+                  <a:srgbClr val="002060"/>
+                </a:solidFill>
+                <a:latin typeface="Segoe UI" panose="020B0502040204020203" pitchFamily="34" charset="0"/>
+                <a:cs typeface="Segoe UI" panose="020B0502040204020203" pitchFamily="34" charset="0"/>
+              </a:defRPr>
+            </a:lvl1pPr>
+          </a:lstStyle>
+          <a:p>
+            <a:pPr rtl="0"/>
+            <a:r>
+              <a:rPr lang="de-DE" sz="3200" dirty="0"/>
+              <a:t>Aktivitätsdiagramm</a:t>
+            </a:r>
+          </a:p>
+        </p:txBody>
+      </p:sp>
+      <p:sp>
+        <p:nvSpPr>
+          <p:cNvPr id="8" name="Textfeld 7">
+            <a:extLst>
+              <a:ext uri="{FF2B5EF4-FFF2-40B4-BE49-F238E27FC236}">
+                <a16:creationId xmlns:a16="http://schemas.microsoft.com/office/drawing/2014/main" id="{65E62740-D9F7-426C-B144-446CDFA91C6B}"/>
+              </a:ext>
+            </a:extLst>
+          </p:cNvPr>
+          <p:cNvSpPr txBox="1"/>
+          <p:nvPr/>
+        </p:nvSpPr>
+        <p:spPr>
+          <a:xfrm>
+            <a:off x="726781" y="865651"/>
+            <a:ext cx="6224717" cy="246221"/>
+          </a:xfrm>
+          <a:prstGeom prst="rect">
+            <a:avLst/>
+          </a:prstGeom>
+        </p:spPr>
+        <p:txBody>
+          <a:bodyPr wrap="square" lIns="0" tIns="0" rIns="0" bIns="0" rtlCol="0">
+            <a:spAutoFit/>
+          </a:bodyPr>
+          <a:lstStyle>
+            <a:defPPr>
+              <a:defRPr lang="en-US"/>
+            </a:defPPr>
+            <a:lvl1pPr>
+              <a:defRPr sz="1600" i="1">
+                <a:solidFill>
+                  <a:srgbClr val="002060"/>
+                </a:solidFill>
+                <a:latin typeface="+mj-lt"/>
+                <a:cs typeface="Segoe UI" panose="020B0502040204020203" pitchFamily="34" charset="0"/>
+              </a:defRPr>
+            </a:lvl1pPr>
+          </a:lstStyle>
+          <a:p>
+            <a:pPr rtl="0"/>
+            <a:r>
+              <a:rPr lang="de-DE" i="0" dirty="0"/>
+              <a:t>Use-Case: Produktsuche/-anzeige</a:t>
+            </a:r>
+            <a:endParaRPr lang="de-DE" dirty="0"/>
+          </a:p>
+        </p:txBody>
+      </p:sp>
+    </p:spTree>
+    <p:extLst>
+      <p:ext uri="{BB962C8B-B14F-4D97-AF65-F5344CB8AC3E}">
+        <p14:creationId xmlns:p14="http://schemas.microsoft.com/office/powerpoint/2010/main" val="3946987329"/>
+      </p:ext>
+    </p:extLst>
+  </p:cSld>
+  <p:clrMapOvr>
+    <a:masterClrMapping/>
+  </p:clrMapOvr>
+</p:sld>
+</file>
+
+<file path=ppt/slides/slide16.xml><?xml version="1.0" encoding="utf-8"?>
+<p:sld xmlns:a="http://schemas.openxmlformats.org/drawingml/2006/main" xmlns:r="http://schemas.openxmlformats.org/officeDocument/2006/relationships" xmlns:p="http://schemas.openxmlformats.org/presentationml/2006/main">
+  <p:cSld>
+    <p:spTree>
+      <p:nvGrpSpPr>
+        <p:cNvPr id="1" name=""/>
+        <p:cNvGrpSpPr/>
+        <p:nvPr/>
+      </p:nvGrpSpPr>
+      <p:grpSpPr>
+        <a:xfrm>
+          <a:off x="0" y="0"/>
+          <a:ext cx="0" cy="0"/>
+          <a:chOff x="0" y="0"/>
+          <a:chExt cx="0" cy="0"/>
+        </a:xfrm>
+      </p:grpSpPr>
+      <p:pic>
+        <p:nvPicPr>
+          <p:cNvPr id="5" name="Grafik 4">
+            <a:extLst>
+              <a:ext uri="{FF2B5EF4-FFF2-40B4-BE49-F238E27FC236}">
+                <a16:creationId xmlns:a16="http://schemas.microsoft.com/office/drawing/2014/main" id="{84C2CA58-08E3-43AE-A671-077CE183A3EE}"/>
+              </a:ext>
+            </a:extLst>
+          </p:cNvPr>
+          <p:cNvPicPr>
+            <a:picLocks noChangeAspect="1"/>
+          </p:cNvPicPr>
+          <p:nvPr/>
+        </p:nvPicPr>
+        <p:blipFill rotWithShape="1">
+          <a:blip r:embed="rId2">
+            <a:extLst>
+              <a:ext uri="{28A0092B-C50C-407E-A947-70E740481C1C}">
+                <a14:useLocalDpi xmlns:a14="http://schemas.microsoft.com/office/drawing/2010/main" val="0"/>
+              </a:ext>
+            </a:extLst>
+          </a:blip>
+          <a:srcRect r="884" b="551"/>
+          <a:stretch/>
+        </p:blipFill>
+        <p:spPr>
+          <a:xfrm>
+            <a:off x="4822323" y="559821"/>
+            <a:ext cx="5219299" cy="5706755"/>
+          </a:xfrm>
+          <a:prstGeom prst="rect">
+            <a:avLst/>
+          </a:prstGeom>
+          <a:ln>
+            <a:noFill/>
+          </a:ln>
+          <a:effectLst>
+            <a:outerShdw blurRad="292100" dist="139700" dir="2700000" algn="tl" rotWithShape="0">
+              <a:srgbClr val="333333">
+                <a:alpha val="65000"/>
+              </a:srgbClr>
+            </a:outerShdw>
+          </a:effectLst>
+        </p:spPr>
+      </p:pic>
+      <p:sp>
+        <p:nvSpPr>
+          <p:cNvPr id="7" name="Textfeld 6">
+            <a:extLst>
+              <a:ext uri="{FF2B5EF4-FFF2-40B4-BE49-F238E27FC236}">
+                <a16:creationId xmlns:a16="http://schemas.microsoft.com/office/drawing/2014/main" id="{18FA9662-D237-429C-8A49-86F06E84C600}"/>
+              </a:ext>
+            </a:extLst>
+          </p:cNvPr>
+          <p:cNvSpPr txBox="1"/>
+          <p:nvPr/>
+        </p:nvSpPr>
+        <p:spPr>
+          <a:xfrm>
+            <a:off x="726781" y="273553"/>
+            <a:ext cx="5369219" cy="405205"/>
+          </a:xfrm>
+          <a:prstGeom prst="rect">
+            <a:avLst/>
+          </a:prstGeom>
+          <a:noFill/>
+        </p:spPr>
+        <p:txBody>
+          <a:bodyPr wrap="square" lIns="0" tIns="0" rIns="0" bIns="0" rtlCol="0">
+            <a:noAutofit/>
+          </a:bodyPr>
+          <a:lstStyle>
+            <a:defPPr>
+              <a:defRPr lang="en-US"/>
+            </a:defPPr>
+            <a:lvl1pPr>
+              <a:lnSpc>
+                <a:spcPts val="4000"/>
+              </a:lnSpc>
+              <a:defRPr sz="3600" b="1">
+                <a:solidFill>
+                  <a:srgbClr val="002060"/>
+                </a:solidFill>
+                <a:latin typeface="Segoe UI" panose="020B0502040204020203" pitchFamily="34" charset="0"/>
+                <a:cs typeface="Segoe UI" panose="020B0502040204020203" pitchFamily="34" charset="0"/>
+              </a:defRPr>
+            </a:lvl1pPr>
+          </a:lstStyle>
+          <a:p>
+            <a:pPr rtl="0"/>
+            <a:r>
+              <a:rPr lang="de-DE" sz="3200" dirty="0"/>
+              <a:t>Aktivitätsdiagramm</a:t>
+            </a:r>
+          </a:p>
+        </p:txBody>
+      </p:sp>
+      <p:sp>
+        <p:nvSpPr>
+          <p:cNvPr id="8" name="Textfeld 7">
+            <a:extLst>
+              <a:ext uri="{FF2B5EF4-FFF2-40B4-BE49-F238E27FC236}">
+                <a16:creationId xmlns:a16="http://schemas.microsoft.com/office/drawing/2014/main" id="{E095C76A-C557-4A29-95EE-A7D1C5D6589E}"/>
+              </a:ext>
+            </a:extLst>
+          </p:cNvPr>
+          <p:cNvSpPr txBox="1"/>
+          <p:nvPr/>
+        </p:nvSpPr>
+        <p:spPr>
+          <a:xfrm>
+            <a:off x="726781" y="865651"/>
+            <a:ext cx="6224717" cy="246221"/>
+          </a:xfrm>
+          <a:prstGeom prst="rect">
+            <a:avLst/>
+          </a:prstGeom>
+        </p:spPr>
+        <p:txBody>
+          <a:bodyPr wrap="square" lIns="0" tIns="0" rIns="0" bIns="0" rtlCol="0">
+            <a:spAutoFit/>
+          </a:bodyPr>
+          <a:lstStyle>
+            <a:defPPr>
+              <a:defRPr lang="en-US"/>
+            </a:defPPr>
+            <a:lvl1pPr>
+              <a:defRPr sz="1600" i="1">
+                <a:solidFill>
+                  <a:srgbClr val="002060"/>
+                </a:solidFill>
+                <a:latin typeface="+mj-lt"/>
+                <a:cs typeface="Segoe UI" panose="020B0502040204020203" pitchFamily="34" charset="0"/>
+              </a:defRPr>
+            </a:lvl1pPr>
+          </a:lstStyle>
+          <a:p>
+            <a:pPr rtl="0"/>
+            <a:r>
+              <a:rPr lang="de-DE" i="0" dirty="0"/>
+              <a:t>Use-Case: Produkt ändern/hinzufügen</a:t>
+            </a:r>
+            <a:endParaRPr lang="de-DE" dirty="0"/>
+          </a:p>
+        </p:txBody>
+      </p:sp>
+    </p:spTree>
+    <p:extLst>
+      <p:ext uri="{BB962C8B-B14F-4D97-AF65-F5344CB8AC3E}">
+        <p14:creationId xmlns:p14="http://schemas.microsoft.com/office/powerpoint/2010/main" val="2264287335"/>
+      </p:ext>
+    </p:extLst>
+  </p:cSld>
+  <p:clrMapOvr>
+    <a:masterClrMapping/>
+  </p:clrMapOvr>
+</p:sld>
+</file>
+
+<file path=ppt/slides/slide17.xml><?xml version="1.0" encoding="utf-8"?>
 <p:sld xmlns:a="http://schemas.openxmlformats.org/drawingml/2006/main" xmlns:r="http://schemas.openxmlformats.org/officeDocument/2006/relationships" xmlns:p="http://schemas.openxmlformats.org/presentationml/2006/main">
   <p:cSld>
     <p:spTree>
@@ -6761,7 +8138,7 @@
         </p:blipFill>
         <p:spPr>
           <a:xfrm>
-            <a:off x="2020442" y="763800"/>
+            <a:off x="1555256" y="678758"/>
             <a:ext cx="9081488" cy="5789446"/>
           </a:xfrm>
           <a:prstGeom prst="rect">
@@ -6772,34 +8149,51 @@
       </p:pic>
       <p:sp>
         <p:nvSpPr>
-          <p:cNvPr id="2" name="Titel 1">
+          <p:cNvPr id="6" name="Textfeld 5">
             <a:extLst>
               <a:ext uri="{FF2B5EF4-FFF2-40B4-BE49-F238E27FC236}">
-                <a16:creationId xmlns:a16="http://schemas.microsoft.com/office/drawing/2014/main" id="{8AB12C3E-F7C0-4338-B73B-8EA4C365C047}"/>
+                <a16:creationId xmlns:a16="http://schemas.microsoft.com/office/drawing/2014/main" id="{49BD3022-5C42-43C7-A8F4-767DC9F19B32}"/>
               </a:ext>
             </a:extLst>
           </p:cNvPr>
-          <p:cNvSpPr>
-            <a:spLocks noGrp="1"/>
-          </p:cNvSpPr>
-          <p:nvPr>
-            <p:ph type="title"/>
-          </p:nvPr>
+          <p:cNvSpPr txBox="1"/>
+          <p:nvPr/>
         </p:nvSpPr>
         <p:spPr>
           <a:xfrm>
-            <a:off x="838200" y="365125"/>
-            <a:ext cx="10515600" cy="1325563"/>
+            <a:off x="726781" y="273553"/>
+            <a:ext cx="5369219" cy="405205"/>
           </a:xfrm>
+          <a:prstGeom prst="rect">
+            <a:avLst/>
+          </a:prstGeom>
+          <a:noFill/>
         </p:spPr>
         <p:txBody>
-          <a:bodyPr anchor="ctr">
-            <a:normAutofit/>
+          <a:bodyPr wrap="square" lIns="0" tIns="0" rIns="0" bIns="0" rtlCol="0">
+            <a:noAutofit/>
           </a:bodyPr>
-          <a:lstStyle/>
-          <a:p>
+          <a:lstStyle>
+            <a:defPPr>
+              <a:defRPr lang="en-US"/>
+            </a:defPPr>
+            <a:lvl1pPr>
+              <a:lnSpc>
+                <a:spcPts val="4000"/>
+              </a:lnSpc>
+              <a:defRPr sz="3600" b="1">
+                <a:solidFill>
+                  <a:srgbClr val="002060"/>
+                </a:solidFill>
+                <a:latin typeface="Segoe UI" panose="020B0502040204020203" pitchFamily="34" charset="0"/>
+                <a:cs typeface="Segoe UI" panose="020B0502040204020203" pitchFamily="34" charset="0"/>
+              </a:defRPr>
+            </a:lvl1pPr>
+          </a:lstStyle>
+          <a:p>
+            <a:pPr rtl="0"/>
             <a:r>
-              <a:rPr lang="de-DE" dirty="0"/>
+              <a:rPr lang="de-DE" sz="3200" dirty="0"/>
               <a:t>Domänenmodell</a:t>
             </a:r>
           </a:p>
@@ -6818,7 +8212,7 @@
 </p:sld>
 </file>
 
-<file path=ppt/slides/slide14.xml><?xml version="1.0" encoding="utf-8"?>
+<file path=ppt/slides/slide18.xml><?xml version="1.0" encoding="utf-8"?>
 <p:sld xmlns:a="http://schemas.openxmlformats.org/drawingml/2006/main" xmlns:r="http://schemas.openxmlformats.org/officeDocument/2006/relationships" xmlns:p="http://schemas.openxmlformats.org/presentationml/2006/main">
   <p:cSld>
     <p:spTree>
@@ -6835,12 +8229,48 @@
           <a:chExt cx="0" cy="0"/>
         </a:xfrm>
       </p:grpSpPr>
+      <p:pic>
+        <p:nvPicPr>
+          <p:cNvPr id="5" name="Grafik 4" descr="Ein Bild, das Text, Wand, Screenshot enthält.&#10;&#10;Automatisch generierte Beschreibung">
+            <a:extLst>
+              <a:ext uri="{FF2B5EF4-FFF2-40B4-BE49-F238E27FC236}">
+                <a16:creationId xmlns:a16="http://schemas.microsoft.com/office/drawing/2014/main" id="{0AC63FCD-BCA9-4157-85FC-D51750C1FC63}"/>
+              </a:ext>
+            </a:extLst>
+          </p:cNvPr>
+          <p:cNvPicPr>
+            <a:picLocks noChangeAspect="1"/>
+          </p:cNvPicPr>
+          <p:nvPr/>
+        </p:nvPicPr>
+        <p:blipFill>
+          <a:blip r:embed="rId2">
+            <a:extLst>
+              <a:ext uri="{28A0092B-C50C-407E-A947-70E740481C1C}">
+                <a14:useLocalDpi xmlns:a14="http://schemas.microsoft.com/office/drawing/2010/main" val="0"/>
+              </a:ext>
+            </a:extLst>
+          </a:blip>
+          <a:stretch>
+            <a:fillRect/>
+          </a:stretch>
+        </p:blipFill>
+        <p:spPr>
+          <a:xfrm>
+            <a:off x="1022615" y="1065402"/>
+            <a:ext cx="10146769" cy="4946549"/>
+          </a:xfrm>
+          <a:prstGeom prst="rect">
+            <a:avLst/>
+          </a:prstGeom>
+        </p:spPr>
+      </p:pic>
       <p:sp>
         <p:nvSpPr>
-          <p:cNvPr id="3" name="Textfeld 2">
+          <p:cNvPr id="7" name="Textfeld 6">
             <a:extLst>
               <a:ext uri="{FF2B5EF4-FFF2-40B4-BE49-F238E27FC236}">
-                <a16:creationId xmlns:a16="http://schemas.microsoft.com/office/drawing/2014/main" id="{9436B850-15F2-41BC-A54E-6E0F332F011D}"/>
+                <a16:creationId xmlns:a16="http://schemas.microsoft.com/office/drawing/2014/main" id="{CFC4EC5C-E119-4686-B6AA-8D79E5654C52}"/>
               </a:ext>
             </a:extLst>
           </p:cNvPr>
@@ -6849,8 +8279,8 @@
         </p:nvSpPr>
         <p:spPr>
           <a:xfrm>
-            <a:off x="733192" y="4331033"/>
-            <a:ext cx="4845708" cy="830997"/>
+            <a:off x="726781" y="273553"/>
+            <a:ext cx="5369219" cy="405205"/>
           </a:xfrm>
           <a:prstGeom prst="rect">
             <a:avLst/>
@@ -6859,40 +8289,179 @@
         </p:spPr>
         <p:txBody>
           <a:bodyPr wrap="square" lIns="0" tIns="0" rIns="0" bIns="0" rtlCol="0">
-            <a:spAutoFit/>
+            <a:noAutofit/>
           </a:bodyPr>
-          <a:lstStyle/>
-          <a:p>
-            <a:pPr rtl="0"/>
-            <a:r>
-              <a:rPr lang="de-DE" sz="5400" b="1" dirty="0">
+          <a:lstStyle>
+            <a:defPPr>
+              <a:defRPr lang="en-US"/>
+            </a:defPPr>
+            <a:lvl1pPr>
+              <a:lnSpc>
+                <a:spcPts val="4000"/>
+              </a:lnSpc>
+              <a:defRPr sz="3600" b="1">
                 <a:solidFill>
                   <a:srgbClr val="002060"/>
                 </a:solidFill>
                 <a:latin typeface="Segoe UI" panose="020B0502040204020203" pitchFamily="34" charset="0"/>
                 <a:cs typeface="Segoe UI" panose="020B0502040204020203" pitchFamily="34" charset="0"/>
-              </a:rPr>
-              <a:t>Vielen Dank!</a:t>
+              </a:defRPr>
+            </a:lvl1pPr>
+          </a:lstStyle>
+          <a:p>
+            <a:pPr rtl="0"/>
+            <a:r>
+              <a:rPr lang="de-DE" sz="3200" dirty="0"/>
+              <a:t>Klassendiagramm</a:t>
+            </a:r>
+          </a:p>
+        </p:txBody>
+      </p:sp>
+    </p:spTree>
+    <p:extLst>
+      <p:ext uri="{BB962C8B-B14F-4D97-AF65-F5344CB8AC3E}">
+        <p14:creationId xmlns:p14="http://schemas.microsoft.com/office/powerpoint/2010/main" val="4288824966"/>
+      </p:ext>
+    </p:extLst>
+  </p:cSld>
+  <p:clrMapOvr>
+    <a:masterClrMapping/>
+  </p:clrMapOvr>
+</p:sld>
+</file>
+
+<file path=ppt/slides/slide19.xml><?xml version="1.0" encoding="utf-8"?>
+<p:sld xmlns:a="http://schemas.openxmlformats.org/drawingml/2006/main" xmlns:r="http://schemas.openxmlformats.org/officeDocument/2006/relationships" xmlns:p="http://schemas.openxmlformats.org/presentationml/2006/main">
+  <p:cSld>
+    <p:spTree>
+      <p:nvGrpSpPr>
+        <p:cNvPr id="1" name=""/>
+        <p:cNvGrpSpPr/>
+        <p:nvPr/>
+      </p:nvGrpSpPr>
+      <p:grpSpPr>
+        <a:xfrm>
+          <a:off x="0" y="0"/>
+          <a:ext cx="0" cy="0"/>
+          <a:chOff x="0" y="0"/>
+          <a:chExt cx="0" cy="0"/>
+        </a:xfrm>
+      </p:grpSpPr>
+      <p:pic>
+        <p:nvPicPr>
+          <p:cNvPr id="5" name="Inhaltsplatzhalter 4" descr="Ein Bild, das Tisch enthält.&#10;&#10;Automatisch generierte Beschreibung">
+            <a:extLst>
+              <a:ext uri="{FF2B5EF4-FFF2-40B4-BE49-F238E27FC236}">
+                <a16:creationId xmlns:a16="http://schemas.microsoft.com/office/drawing/2014/main" id="{8072CBF9-F096-4616-9483-A2CEC6E46B31}"/>
+              </a:ext>
+            </a:extLst>
+          </p:cNvPr>
+          <p:cNvPicPr>
+            <a:picLocks noGrp="1" noChangeAspect="1"/>
+          </p:cNvPicPr>
+          <p:nvPr>
+            <p:ph idx="1"/>
+          </p:nvPr>
+        </p:nvPicPr>
+        <p:blipFill rotWithShape="1">
+          <a:blip r:embed="rId2">
+            <a:extLst>
+              <a:ext uri="{28A0092B-C50C-407E-A947-70E740481C1C}">
+                <a14:useLocalDpi xmlns:a14="http://schemas.microsoft.com/office/drawing/2010/main" val="0"/>
+              </a:ext>
+            </a:extLst>
+          </a:blip>
+          <a:srcRect r="598" b="737"/>
+          <a:stretch/>
+        </p:blipFill>
+        <p:spPr>
+          <a:xfrm>
+            <a:off x="3492786" y="1039577"/>
+            <a:ext cx="6876007" cy="5143109"/>
+          </a:xfrm>
+          <a:prstGeom prst="rect">
+            <a:avLst/>
+          </a:prstGeom>
+          <a:ln>
+            <a:noFill/>
+          </a:ln>
+          <a:effectLst>
+            <a:outerShdw blurRad="292100" dist="139700" dir="2700000" algn="tl" rotWithShape="0">
+              <a:srgbClr val="333333">
+                <a:alpha val="65000"/>
+              </a:srgbClr>
+            </a:outerShdw>
+          </a:effectLst>
+        </p:spPr>
+      </p:pic>
+      <p:sp>
+        <p:nvSpPr>
+          <p:cNvPr id="6" name="Textfeld 5">
+            <a:extLst>
+              <a:ext uri="{FF2B5EF4-FFF2-40B4-BE49-F238E27FC236}">
+                <a16:creationId xmlns:a16="http://schemas.microsoft.com/office/drawing/2014/main" id="{6FBFACB9-70D7-43E2-831B-385FCE43F655}"/>
+              </a:ext>
+            </a:extLst>
+          </p:cNvPr>
+          <p:cNvSpPr txBox="1"/>
+          <p:nvPr/>
+        </p:nvSpPr>
+        <p:spPr>
+          <a:xfrm>
+            <a:off x="726781" y="273553"/>
+            <a:ext cx="5369219" cy="405205"/>
+          </a:xfrm>
+          <a:prstGeom prst="rect">
+            <a:avLst/>
+          </a:prstGeom>
+          <a:noFill/>
+        </p:spPr>
+        <p:txBody>
+          <a:bodyPr wrap="square" lIns="0" tIns="0" rIns="0" bIns="0" rtlCol="0">
+            <a:noAutofit/>
+          </a:bodyPr>
+          <a:lstStyle>
+            <a:defPPr>
+              <a:defRPr lang="en-US"/>
+            </a:defPPr>
+            <a:lvl1pPr>
+              <a:lnSpc>
+                <a:spcPts val="4000"/>
+              </a:lnSpc>
+              <a:defRPr sz="3600" b="1">
+                <a:solidFill>
+                  <a:srgbClr val="002060"/>
+                </a:solidFill>
+                <a:latin typeface="Segoe UI" panose="020B0502040204020203" pitchFamily="34" charset="0"/>
+                <a:cs typeface="Segoe UI" panose="020B0502040204020203" pitchFamily="34" charset="0"/>
+              </a:defRPr>
+            </a:lvl1pPr>
+          </a:lstStyle>
+          <a:p>
+            <a:pPr rtl="0"/>
+            <a:r>
+              <a:rPr lang="de-DE" sz="3200" dirty="0"/>
+              <a:t>Wireframe</a:t>
             </a:r>
           </a:p>
         </p:txBody>
       </p:sp>
       <p:sp>
         <p:nvSpPr>
-          <p:cNvPr id="4" name="Rechteck 3">
+          <p:cNvPr id="7" name="Textfeld 6">
             <a:extLst>
               <a:ext uri="{FF2B5EF4-FFF2-40B4-BE49-F238E27FC236}">
-                <a16:creationId xmlns:a16="http://schemas.microsoft.com/office/drawing/2014/main" id="{A9B74FAF-1757-48A8-BBFB-722E8E1D6FA4}"/>
+                <a16:creationId xmlns:a16="http://schemas.microsoft.com/office/drawing/2014/main" id="{8725A691-C45C-410E-A114-3C3745E6A7F6}"/>
               </a:ext>
             </a:extLst>
           </p:cNvPr>
-          <p:cNvSpPr/>
+          <p:cNvSpPr txBox="1"/>
           <p:nvPr/>
         </p:nvSpPr>
         <p:spPr>
           <a:xfrm>
-            <a:off x="733192" y="5358396"/>
-            <a:ext cx="3536195" cy="984885"/>
+            <a:off x="726781" y="865651"/>
+            <a:ext cx="6224717" cy="246221"/>
           </a:xfrm>
           <a:prstGeom prst="rect">
             <a:avLst/>
@@ -6902,665 +8471,34 @@
           <a:bodyPr wrap="square" lIns="0" tIns="0" rIns="0" bIns="0" rtlCol="0">
             <a:spAutoFit/>
           </a:bodyPr>
-          <a:lstStyle/>
-          <a:p>
-            <a:pPr rtl="0"/>
-            <a:r>
-              <a:rPr lang="de-DE" sz="1600" i="1" dirty="0">
+          <a:lstStyle>
+            <a:defPPr>
+              <a:defRPr lang="en-US"/>
+            </a:defPPr>
+            <a:lvl1pPr>
+              <a:defRPr sz="1600" i="1">
                 <a:solidFill>
                   <a:srgbClr val="002060"/>
                 </a:solidFill>
                 <a:latin typeface="+mj-lt"/>
                 <a:cs typeface="Segoe UI" panose="020B0502040204020203" pitchFamily="34" charset="0"/>
-              </a:rPr>
-              <a:t>Julian Stipovic</a:t>
-            </a:r>
-          </a:p>
+              </a:defRPr>
+            </a:lvl1pPr>
+          </a:lstStyle>
           <a:p>
             <a:pPr rtl="0"/>
             <a:r>
-              <a:rPr lang="de-DE" sz="1600" i="1" dirty="0">
-                <a:solidFill>
-                  <a:srgbClr val="002060"/>
-                </a:solidFill>
-                <a:latin typeface="+mj-lt"/>
-                <a:cs typeface="Segoe UI" panose="020B0502040204020203" pitchFamily="34" charset="0"/>
-              </a:rPr>
-              <a:t>Fabian </a:t>
+              <a:rPr lang="de-DE" i="0" dirty="0"/>
+              <a:t>Homepage</a:t>
             </a:r>
-            <a:r>
-              <a:rPr lang="de-DE" sz="1600" i="1" dirty="0" err="1">
-                <a:solidFill>
-                  <a:srgbClr val="002060"/>
-                </a:solidFill>
-                <a:latin typeface="+mj-lt"/>
-                <a:cs typeface="Segoe UI" panose="020B0502040204020203" pitchFamily="34" charset="0"/>
-              </a:rPr>
-              <a:t>Qarqur</a:t>
-            </a:r>
-            <a:endParaRPr lang="de-DE" sz="1600" i="1" dirty="0">
-              <a:solidFill>
-                <a:srgbClr val="002060"/>
-              </a:solidFill>
-              <a:latin typeface="+mj-lt"/>
-              <a:cs typeface="Segoe UI" panose="020B0502040204020203" pitchFamily="34" charset="0"/>
-            </a:endParaRPr>
-          </a:p>
-          <a:p>
-            <a:pPr rtl="0"/>
-            <a:r>
-              <a:rPr lang="de-DE" sz="1600" i="1" dirty="0">
-                <a:solidFill>
-                  <a:srgbClr val="002060"/>
-                </a:solidFill>
-                <a:latin typeface="+mj-lt"/>
-                <a:cs typeface="Segoe UI" panose="020B0502040204020203" pitchFamily="34" charset="0"/>
-              </a:rPr>
-              <a:t>Daniel Boger</a:t>
-            </a:r>
-          </a:p>
-          <a:p>
-            <a:pPr rtl="0"/>
-            <a:r>
-              <a:rPr lang="de-DE" sz="1600" i="1" dirty="0">
-                <a:solidFill>
-                  <a:srgbClr val="002060"/>
-                </a:solidFill>
-                <a:latin typeface="+mj-lt"/>
-                <a:cs typeface="Segoe UI" panose="020B0502040204020203" pitchFamily="34" charset="0"/>
-              </a:rPr>
-              <a:t>Damien Arriens</a:t>
-            </a:r>
+            <a:endParaRPr lang="de-DE" dirty="0"/>
           </a:p>
         </p:txBody>
       </p:sp>
-      <p:grpSp>
-        <p:nvGrpSpPr>
-          <p:cNvPr id="23" name="Gruppieren 22" descr="Dieses Bild ist eine abstrakte Form. ">
-            <a:extLst>
-              <a:ext uri="{FF2B5EF4-FFF2-40B4-BE49-F238E27FC236}">
-                <a16:creationId xmlns:a16="http://schemas.microsoft.com/office/drawing/2014/main" id="{C5C1EC81-7459-4B76-B0C8-CF221BB21A2F}"/>
-              </a:ext>
-            </a:extLst>
-          </p:cNvPr>
-          <p:cNvGrpSpPr/>
-          <p:nvPr/>
-        </p:nvGrpSpPr>
-        <p:grpSpPr>
-          <a:xfrm>
-            <a:off x="4855953" y="-2833465"/>
-            <a:ext cx="8948964" cy="12105059"/>
-            <a:chOff x="4855953" y="-2833465"/>
-            <a:chExt cx="8948964" cy="12105059"/>
-          </a:xfrm>
-        </p:grpSpPr>
-        <p:sp>
-          <p:nvSpPr>
-            <p:cNvPr id="20" name="Freihandform 10">
-              <a:extLst>
-                <a:ext uri="{FF2B5EF4-FFF2-40B4-BE49-F238E27FC236}">
-                  <a16:creationId xmlns:a16="http://schemas.microsoft.com/office/drawing/2014/main" id="{6067105C-8C4E-4F4D-AF25-4E9E7FEE0199}"/>
-                </a:ext>
-              </a:extLst>
-            </p:cNvPr>
-            <p:cNvSpPr>
-              <a:spLocks/>
-            </p:cNvSpPr>
-            <p:nvPr/>
-          </p:nvSpPr>
-          <p:spPr bwMode="auto">
-            <a:xfrm rot="9420272">
-              <a:off x="4855953" y="-2246936"/>
-              <a:ext cx="8673602" cy="11518530"/>
-            </a:xfrm>
-            <a:custGeom>
-              <a:avLst/>
-              <a:gdLst>
-                <a:gd name="T0" fmla="*/ 1166 w 2492"/>
-                <a:gd name="T1" fmla="*/ 2419 h 3315"/>
-                <a:gd name="T2" fmla="*/ 243 w 2492"/>
-                <a:gd name="T3" fmla="*/ 912 h 3315"/>
-                <a:gd name="T4" fmla="*/ 449 w 2492"/>
-                <a:gd name="T5" fmla="*/ 15 h 3315"/>
-                <a:gd name="T6" fmla="*/ 766 w 2492"/>
-                <a:gd name="T7" fmla="*/ 302 h 3315"/>
-                <a:gd name="T8" fmla="*/ 1651 w 2492"/>
-                <a:gd name="T9" fmla="*/ 481 h 3315"/>
-                <a:gd name="T10" fmla="*/ 2239 w 2492"/>
-                <a:gd name="T11" fmla="*/ 1238 h 3315"/>
-                <a:gd name="T12" fmla="*/ 2186 w 2492"/>
-                <a:gd name="T13" fmla="*/ 2201 h 3315"/>
-                <a:gd name="T14" fmla="*/ 2165 w 2492"/>
-                <a:gd name="T15" fmla="*/ 2928 h 3315"/>
-                <a:gd name="T16" fmla="*/ 1400 w 2492"/>
-                <a:gd name="T17" fmla="*/ 3100 h 3315"/>
-                <a:gd name="T18" fmla="*/ 1166 w 2492"/>
-                <a:gd name="T19" fmla="*/ 2419 h 3315"/>
-              </a:gdLst>
-              <a:ahLst/>
-              <a:cxnLst>
-                <a:cxn ang="0">
-                  <a:pos x="T0" y="T1"/>
-                </a:cxn>
-                <a:cxn ang="0">
-                  <a:pos x="T2" y="T3"/>
-                </a:cxn>
-                <a:cxn ang="0">
-                  <a:pos x="T4" y="T5"/>
-                </a:cxn>
-                <a:cxn ang="0">
-                  <a:pos x="T6" y="T7"/>
-                </a:cxn>
-                <a:cxn ang="0">
-                  <a:pos x="T8" y="T9"/>
-                </a:cxn>
-                <a:cxn ang="0">
-                  <a:pos x="T10" y="T11"/>
-                </a:cxn>
-                <a:cxn ang="0">
-                  <a:pos x="T12" y="T13"/>
-                </a:cxn>
-                <a:cxn ang="0">
-                  <a:pos x="T14" y="T15"/>
-                </a:cxn>
-                <a:cxn ang="0">
-                  <a:pos x="T16" y="T17"/>
-                </a:cxn>
-                <a:cxn ang="0">
-                  <a:pos x="T18" y="T19"/>
-                </a:cxn>
-              </a:cxnLst>
-              <a:rect l="0" t="0" r="r" b="b"/>
-              <a:pathLst>
-                <a:path w="2492" h="3315">
-                  <a:moveTo>
-                    <a:pt x="1166" y="2419"/>
-                  </a:moveTo>
-                  <a:cubicBezTo>
-                    <a:pt x="1505" y="1277"/>
-                    <a:pt x="486" y="1533"/>
-                    <a:pt x="243" y="912"/>
-                  </a:cubicBezTo>
-                  <a:cubicBezTo>
-                    <a:pt x="0" y="292"/>
-                    <a:pt x="291" y="31"/>
-                    <a:pt x="449" y="15"/>
-                  </a:cubicBezTo>
-                  <a:cubicBezTo>
-                    <a:pt x="607" y="0"/>
-                    <a:pt x="716" y="54"/>
-                    <a:pt x="766" y="302"/>
-                  </a:cubicBezTo>
-                  <a:cubicBezTo>
-                    <a:pt x="817" y="551"/>
-                    <a:pt x="1312" y="508"/>
-                    <a:pt x="1651" y="481"/>
-                  </a:cubicBezTo>
-                  <a:cubicBezTo>
-                    <a:pt x="1989" y="454"/>
-                    <a:pt x="2492" y="733"/>
-                    <a:pt x="2239" y="1238"/>
-                  </a:cubicBezTo>
-                  <a:cubicBezTo>
-                    <a:pt x="1986" y="1743"/>
-                    <a:pt x="2000" y="1716"/>
-                    <a:pt x="2186" y="2201"/>
-                  </a:cubicBezTo>
-                  <a:cubicBezTo>
-                    <a:pt x="2372" y="2685"/>
-                    <a:pt x="2165" y="2928"/>
-                    <a:pt x="2165" y="2928"/>
-                  </a:cubicBezTo>
-                  <a:cubicBezTo>
-                    <a:pt x="2165" y="2928"/>
-                    <a:pt x="1791" y="3315"/>
-                    <a:pt x="1400" y="3100"/>
-                  </a:cubicBezTo>
-                  <a:cubicBezTo>
-                    <a:pt x="1008" y="2885"/>
-                    <a:pt x="1166" y="2419"/>
-                    <a:pt x="1166" y="2419"/>
-                  </a:cubicBezTo>
-                  <a:close/>
-                </a:path>
-              </a:pathLst>
-            </a:custGeom>
-            <a:gradFill>
-              <a:gsLst>
-                <a:gs pos="0">
-                  <a:srgbClr val="80DEDE"/>
-                </a:gs>
-                <a:gs pos="53500">
-                  <a:srgbClr val="85C1E7"/>
-                </a:gs>
-                <a:gs pos="100000">
-                  <a:srgbClr val="878CFF"/>
-                </a:gs>
-              </a:gsLst>
-              <a:lin ang="5400000" scaled="1"/>
-            </a:gradFill>
-            <a:ln w="12700" cap="flat">
-              <a:noFill/>
-              <a:prstDash val="solid"/>
-              <a:miter lim="800000"/>
-              <a:headEnd/>
-              <a:tailEnd/>
-            </a:ln>
-          </p:spPr>
-          <p:txBody>
-            <a:bodyPr vert="horz" wrap="square" lIns="91440" tIns="45720" rIns="91440" bIns="45720" numCol="1" rtlCol="0" anchor="t" anchorCtr="0" compatLnSpc="1">
-              <a:prstTxWarp prst="textNoShape">
-                <a:avLst/>
-              </a:prstTxWarp>
-            </a:bodyPr>
-            <a:lstStyle/>
-            <a:p>
-              <a:pPr rtl="0"/>
-              <a:endParaRPr lang="de-DE" dirty="0"/>
-            </a:p>
-          </p:txBody>
-        </p:sp>
-        <p:sp>
-          <p:nvSpPr>
-            <p:cNvPr id="21" name="Freihandform 11">
-              <a:extLst>
-                <a:ext uri="{FF2B5EF4-FFF2-40B4-BE49-F238E27FC236}">
-                  <a16:creationId xmlns:a16="http://schemas.microsoft.com/office/drawing/2014/main" id="{70B75532-3E3F-4E79-89ED-8E7671BB9C68}"/>
-                </a:ext>
-              </a:extLst>
-            </p:cNvPr>
-            <p:cNvSpPr>
-              <a:spLocks/>
-            </p:cNvSpPr>
-            <p:nvPr/>
-          </p:nvSpPr>
-          <p:spPr bwMode="auto">
-            <a:xfrm rot="9420272">
-              <a:off x="5048022" y="-2833465"/>
-              <a:ext cx="8756895" cy="10755934"/>
-            </a:xfrm>
-            <a:custGeom>
-              <a:avLst/>
-              <a:gdLst>
-                <a:gd name="T0" fmla="*/ 1504 w 2516"/>
-                <a:gd name="T1" fmla="*/ 2980 h 3095"/>
-                <a:gd name="T2" fmla="*/ 2237 w 2516"/>
-                <a:gd name="T3" fmla="*/ 2283 h 3095"/>
-                <a:gd name="T4" fmla="*/ 1468 w 2516"/>
-                <a:gd name="T5" fmla="*/ 1052 h 3095"/>
-                <a:gd name="T6" fmla="*/ 979 w 2516"/>
-                <a:gd name="T7" fmla="*/ 648 h 3095"/>
-                <a:gd name="T8" fmla="*/ 411 w 2516"/>
-                <a:gd name="T9" fmla="*/ 195 h 3095"/>
-                <a:gd name="T10" fmla="*/ 397 w 2516"/>
-                <a:gd name="T11" fmla="*/ 1117 h 3095"/>
-                <a:gd name="T12" fmla="*/ 194 w 2516"/>
-                <a:gd name="T13" fmla="*/ 1767 h 3095"/>
-                <a:gd name="T14" fmla="*/ 866 w 2516"/>
-                <a:gd name="T15" fmla="*/ 2349 h 3095"/>
-                <a:gd name="T16" fmla="*/ 1275 w 2516"/>
-                <a:gd name="T17" fmla="*/ 2766 h 3095"/>
-                <a:gd name="T18" fmla="*/ 1504 w 2516"/>
-                <a:gd name="T19" fmla="*/ 2980 h 3095"/>
-              </a:gdLst>
-              <a:ahLst/>
-              <a:cxnLst>
-                <a:cxn ang="0">
-                  <a:pos x="T0" y="T1"/>
-                </a:cxn>
-                <a:cxn ang="0">
-                  <a:pos x="T2" y="T3"/>
-                </a:cxn>
-                <a:cxn ang="0">
-                  <a:pos x="T4" y="T5"/>
-                </a:cxn>
-                <a:cxn ang="0">
-                  <a:pos x="T6" y="T7"/>
-                </a:cxn>
-                <a:cxn ang="0">
-                  <a:pos x="T8" y="T9"/>
-                </a:cxn>
-                <a:cxn ang="0">
-                  <a:pos x="T10" y="T11"/>
-                </a:cxn>
-                <a:cxn ang="0">
-                  <a:pos x="T12" y="T13"/>
-                </a:cxn>
-                <a:cxn ang="0">
-                  <a:pos x="T14" y="T15"/>
-                </a:cxn>
-                <a:cxn ang="0">
-                  <a:pos x="T16" y="T17"/>
-                </a:cxn>
-                <a:cxn ang="0">
-                  <a:pos x="T18" y="T19"/>
-                </a:cxn>
-              </a:cxnLst>
-              <a:rect l="0" t="0" r="r" b="b"/>
-              <a:pathLst>
-                <a:path w="2516" h="3095">
-                  <a:moveTo>
-                    <a:pt x="1504" y="2980"/>
-                  </a:moveTo>
-                  <a:cubicBezTo>
-                    <a:pt x="1504" y="2980"/>
-                    <a:pt x="1958" y="3095"/>
-                    <a:pt x="2237" y="2283"/>
-                  </a:cubicBezTo>
-                  <a:cubicBezTo>
-                    <a:pt x="2516" y="1472"/>
-                    <a:pt x="1745" y="1159"/>
-                    <a:pt x="1468" y="1052"/>
-                  </a:cubicBezTo>
-                  <a:cubicBezTo>
-                    <a:pt x="1191" y="945"/>
-                    <a:pt x="1126" y="907"/>
-                    <a:pt x="979" y="648"/>
-                  </a:cubicBezTo>
-                  <a:cubicBezTo>
-                    <a:pt x="832" y="389"/>
-                    <a:pt x="822" y="0"/>
-                    <a:pt x="411" y="195"/>
-                  </a:cubicBezTo>
-                  <a:cubicBezTo>
-                    <a:pt x="0" y="391"/>
-                    <a:pt x="384" y="948"/>
-                    <a:pt x="397" y="1117"/>
-                  </a:cubicBezTo>
-                  <a:cubicBezTo>
-                    <a:pt x="411" y="1286"/>
-                    <a:pt x="128" y="1580"/>
-                    <a:pt x="194" y="1767"/>
-                  </a:cubicBezTo>
-                  <a:cubicBezTo>
-                    <a:pt x="259" y="1954"/>
-                    <a:pt x="273" y="2154"/>
-                    <a:pt x="866" y="2349"/>
-                  </a:cubicBezTo>
-                  <a:cubicBezTo>
-                    <a:pt x="866" y="2349"/>
-                    <a:pt x="1186" y="2374"/>
-                    <a:pt x="1275" y="2766"/>
-                  </a:cubicBezTo>
-                  <a:cubicBezTo>
-                    <a:pt x="1275" y="2766"/>
-                    <a:pt x="1340" y="2988"/>
-                    <a:pt x="1504" y="2980"/>
-                  </a:cubicBezTo>
-                  <a:close/>
-                </a:path>
-              </a:pathLst>
-            </a:custGeom>
-            <a:gradFill>
-              <a:gsLst>
-                <a:gs pos="0">
-                  <a:srgbClr val="7CEFD8"/>
-                </a:gs>
-                <a:gs pos="51000">
-                  <a:srgbClr val="6672E4"/>
-                </a:gs>
-                <a:gs pos="100000">
-                  <a:srgbClr val="882BE5"/>
-                </a:gs>
-              </a:gsLst>
-              <a:lin ang="5400000" scaled="1"/>
-            </a:gradFill>
-            <a:ln w="12700" cap="flat">
-              <a:noFill/>
-              <a:prstDash val="solid"/>
-              <a:miter lim="800000"/>
-              <a:headEnd/>
-              <a:tailEnd/>
-            </a:ln>
-          </p:spPr>
-          <p:txBody>
-            <a:bodyPr vert="horz" wrap="square" lIns="91440" tIns="45720" rIns="91440" bIns="45720" numCol="1" rtlCol="0" anchor="t" anchorCtr="0" compatLnSpc="1">
-              <a:prstTxWarp prst="textNoShape">
-                <a:avLst/>
-              </a:prstTxWarp>
-            </a:bodyPr>
-            <a:lstStyle/>
-            <a:p>
-              <a:pPr rtl="0"/>
-              <a:endParaRPr lang="de-DE" dirty="0"/>
-            </a:p>
-          </p:txBody>
-        </p:sp>
-        <p:sp>
-          <p:nvSpPr>
-            <p:cNvPr id="22" name="Freihandform 12">
-              <a:extLst>
-                <a:ext uri="{FF2B5EF4-FFF2-40B4-BE49-F238E27FC236}">
-                  <a16:creationId xmlns:a16="http://schemas.microsoft.com/office/drawing/2014/main" id="{517F7404-4FD2-4A56-9BC1-55945A2E0042}"/>
-                </a:ext>
-              </a:extLst>
-            </p:cNvPr>
-            <p:cNvSpPr>
-              <a:spLocks/>
-            </p:cNvSpPr>
-            <p:nvPr/>
-          </p:nvSpPr>
-          <p:spPr bwMode="auto">
-            <a:xfrm rot="9420272">
-              <a:off x="5218811" y="-1993836"/>
-              <a:ext cx="7570428" cy="10122905"/>
-            </a:xfrm>
-            <a:custGeom>
-              <a:avLst/>
-              <a:gdLst>
-                <a:gd name="T0" fmla="*/ 1896 w 2175"/>
-                <a:gd name="T1" fmla="*/ 2283 h 2913"/>
-                <a:gd name="T2" fmla="*/ 1467 w 2175"/>
-                <a:gd name="T3" fmla="*/ 2913 h 2913"/>
-                <a:gd name="T4" fmla="*/ 1250 w 2175"/>
-                <a:gd name="T5" fmla="*/ 2849 h 2913"/>
-                <a:gd name="T6" fmla="*/ 1016 w 2175"/>
-                <a:gd name="T7" fmla="*/ 2168 h 2913"/>
-                <a:gd name="T8" fmla="*/ 93 w 2175"/>
-                <a:gd name="T9" fmla="*/ 661 h 2913"/>
-                <a:gd name="T10" fmla="*/ 0 w 2175"/>
-                <a:gd name="T11" fmla="*/ 238 h 2913"/>
-                <a:gd name="T12" fmla="*/ 70 w 2175"/>
-                <a:gd name="T13" fmla="*/ 195 h 2913"/>
-                <a:gd name="T14" fmla="*/ 638 w 2175"/>
-                <a:gd name="T15" fmla="*/ 648 h 2913"/>
-                <a:gd name="T16" fmla="*/ 1127 w 2175"/>
-                <a:gd name="T17" fmla="*/ 1052 h 2913"/>
-                <a:gd name="T18" fmla="*/ 1896 w 2175"/>
-                <a:gd name="T19" fmla="*/ 2283 h 2913"/>
-              </a:gdLst>
-              <a:ahLst/>
-              <a:cxnLst>
-                <a:cxn ang="0">
-                  <a:pos x="T0" y="T1"/>
-                </a:cxn>
-                <a:cxn ang="0">
-                  <a:pos x="T2" y="T3"/>
-                </a:cxn>
-                <a:cxn ang="0">
-                  <a:pos x="T4" y="T5"/>
-                </a:cxn>
-                <a:cxn ang="0">
-                  <a:pos x="T6" y="T7"/>
-                </a:cxn>
-                <a:cxn ang="0">
-                  <a:pos x="T8" y="T9"/>
-                </a:cxn>
-                <a:cxn ang="0">
-                  <a:pos x="T10" y="T11"/>
-                </a:cxn>
-                <a:cxn ang="0">
-                  <a:pos x="T12" y="T13"/>
-                </a:cxn>
-                <a:cxn ang="0">
-                  <a:pos x="T14" y="T15"/>
-                </a:cxn>
-                <a:cxn ang="0">
-                  <a:pos x="T16" y="T17"/>
-                </a:cxn>
-                <a:cxn ang="0">
-                  <a:pos x="T18" y="T19"/>
-                </a:cxn>
-              </a:cxnLst>
-              <a:rect l="0" t="0" r="r" b="b"/>
-              <a:pathLst>
-                <a:path w="2175" h="2913">
-                  <a:moveTo>
-                    <a:pt x="1896" y="2283"/>
-                  </a:moveTo>
-                  <a:cubicBezTo>
-                    <a:pt x="1770" y="2651"/>
-                    <a:pt x="1607" y="2829"/>
-                    <a:pt x="1467" y="2913"/>
-                  </a:cubicBezTo>
-                  <a:cubicBezTo>
-                    <a:pt x="1397" y="2909"/>
-                    <a:pt x="1324" y="2889"/>
-                    <a:pt x="1250" y="2849"/>
-                  </a:cubicBezTo>
-                  <a:cubicBezTo>
-                    <a:pt x="858" y="2634"/>
-                    <a:pt x="1016" y="2168"/>
-                    <a:pt x="1016" y="2168"/>
-                  </a:cubicBezTo>
-                  <a:cubicBezTo>
-                    <a:pt x="1354" y="1026"/>
-                    <a:pt x="336" y="1282"/>
-                    <a:pt x="93" y="661"/>
-                  </a:cubicBezTo>
-                  <a:cubicBezTo>
-                    <a:pt x="28" y="495"/>
-                    <a:pt x="1" y="354"/>
-                    <a:pt x="0" y="238"/>
-                  </a:cubicBezTo>
-                  <a:cubicBezTo>
-                    <a:pt x="20" y="222"/>
-                    <a:pt x="44" y="208"/>
-                    <a:pt x="70" y="195"/>
-                  </a:cubicBezTo>
-                  <a:cubicBezTo>
-                    <a:pt x="481" y="0"/>
-                    <a:pt x="491" y="389"/>
-                    <a:pt x="638" y="648"/>
-                  </a:cubicBezTo>
-                  <a:cubicBezTo>
-                    <a:pt x="785" y="907"/>
-                    <a:pt x="850" y="945"/>
-                    <a:pt x="1127" y="1052"/>
-                  </a:cubicBezTo>
-                  <a:cubicBezTo>
-                    <a:pt x="1404" y="1159"/>
-                    <a:pt x="2175" y="1472"/>
-                    <a:pt x="1896" y="2283"/>
-                  </a:cubicBezTo>
-                  <a:close/>
-                </a:path>
-              </a:pathLst>
-            </a:custGeom>
-            <a:gradFill>
-              <a:gsLst>
-                <a:gs pos="100000">
-                  <a:srgbClr val="7CEFD8"/>
-                </a:gs>
-                <a:gs pos="19000">
-                  <a:srgbClr val="6672E4"/>
-                </a:gs>
-                <a:gs pos="0">
-                  <a:srgbClr val="882BE5"/>
-                </a:gs>
-              </a:gsLst>
-              <a:lin ang="10200000" scaled="0"/>
-            </a:gradFill>
-            <a:ln w="12700" cap="flat">
-              <a:noFill/>
-              <a:prstDash val="solid"/>
-              <a:miter lim="800000"/>
-              <a:headEnd/>
-              <a:tailEnd/>
-            </a:ln>
-          </p:spPr>
-          <p:txBody>
-            <a:bodyPr vert="horz" wrap="square" lIns="91440" tIns="45720" rIns="91440" bIns="45720" numCol="1" rtlCol="0" anchor="t" anchorCtr="0" compatLnSpc="1">
-              <a:prstTxWarp prst="textNoShape">
-                <a:avLst/>
-              </a:prstTxWarp>
-            </a:bodyPr>
-            <a:lstStyle/>
-            <a:p>
-              <a:pPr rtl="0"/>
-              <a:endParaRPr lang="de-DE" dirty="0"/>
-            </a:p>
-          </p:txBody>
-        </p:sp>
-      </p:grpSp>
-      <p:sp>
-        <p:nvSpPr>
-          <p:cNvPr id="25" name="Titel 24" hidden="1">
-            <a:extLst>
-              <a:ext uri="{FF2B5EF4-FFF2-40B4-BE49-F238E27FC236}">
-                <a16:creationId xmlns:a16="http://schemas.microsoft.com/office/drawing/2014/main" id="{24922840-A8AD-427F-889C-2B79CACC872F}"/>
-              </a:ext>
-            </a:extLst>
-          </p:cNvPr>
-          <p:cNvSpPr>
-            <a:spLocks noGrp="1"/>
-          </p:cNvSpPr>
-          <p:nvPr>
-            <p:ph type="title"/>
-          </p:nvPr>
-        </p:nvSpPr>
-        <p:spPr/>
-        <p:txBody>
-          <a:bodyPr rtlCol="0"/>
-          <a:lstStyle/>
-          <a:p>
-            <a:r>
-              <a:rPr lang="de-DE" dirty="0"/>
-              <a:t>Personal – Folie10</a:t>
-            </a:r>
-          </a:p>
-        </p:txBody>
-      </p:sp>
-      <p:pic>
-        <p:nvPicPr>
-          <p:cNvPr id="29" name="Grafik 28">
-            <a:extLst>
-              <a:ext uri="{FF2B5EF4-FFF2-40B4-BE49-F238E27FC236}">
-                <a16:creationId xmlns:a16="http://schemas.microsoft.com/office/drawing/2014/main" id="{7AB97BEE-A255-4F56-B023-3E7087112665}"/>
-              </a:ext>
-            </a:extLst>
-          </p:cNvPr>
-          <p:cNvPicPr>
-            <a:picLocks noChangeAspect="1"/>
-          </p:cNvPicPr>
-          <p:nvPr/>
-        </p:nvPicPr>
-        <p:blipFill>
-          <a:blip r:embed="rId3">
-            <a:extLst>
-              <a:ext uri="{28A0092B-C50C-407E-A947-70E740481C1C}">
-                <a14:useLocalDpi xmlns:a14="http://schemas.microsoft.com/office/drawing/2010/main" val="0"/>
-              </a:ext>
-            </a:extLst>
-          </a:blip>
-          <a:stretch>
-            <a:fillRect/>
-          </a:stretch>
-        </p:blipFill>
-        <p:spPr>
-          <a:xfrm>
-            <a:off x="416452" y="74029"/>
-            <a:ext cx="3600663" cy="3600663"/>
-          </a:xfrm>
-          <a:prstGeom prst="rect">
-            <a:avLst/>
-          </a:prstGeom>
-        </p:spPr>
-      </p:pic>
     </p:spTree>
     <p:extLst>
       <p:ext uri="{BB962C8B-B14F-4D97-AF65-F5344CB8AC3E}">
-        <p14:creationId xmlns:p14="http://schemas.microsoft.com/office/powerpoint/2010/main" val="2352568571"/>
+        <p14:creationId xmlns:p14="http://schemas.microsoft.com/office/powerpoint/2010/main" val="1736867735"/>
       </p:ext>
     </p:extLst>
   </p:cSld>
@@ -12228,6 +13166,1395 @@
 </p:sld>
 </file>
 
+<file path=ppt/slides/slide20.xml><?xml version="1.0" encoding="utf-8"?>
+<p:sld xmlns:a="http://schemas.openxmlformats.org/drawingml/2006/main" xmlns:r="http://schemas.openxmlformats.org/officeDocument/2006/relationships" xmlns:p="http://schemas.openxmlformats.org/presentationml/2006/main">
+  <p:cSld>
+    <p:spTree>
+      <p:nvGrpSpPr>
+        <p:cNvPr id="1" name=""/>
+        <p:cNvGrpSpPr/>
+        <p:nvPr/>
+      </p:nvGrpSpPr>
+      <p:grpSpPr>
+        <a:xfrm>
+          <a:off x="0" y="0"/>
+          <a:ext cx="0" cy="0"/>
+          <a:chOff x="0" y="0"/>
+          <a:chExt cx="0" cy="0"/>
+        </a:xfrm>
+      </p:grpSpPr>
+      <p:pic>
+        <p:nvPicPr>
+          <p:cNvPr id="5" name="Inhaltsplatzhalter 4" descr="Ein Bild, das Tisch enthält.&#10;&#10;Automatisch generierte Beschreibung">
+            <a:extLst>
+              <a:ext uri="{FF2B5EF4-FFF2-40B4-BE49-F238E27FC236}">
+                <a16:creationId xmlns:a16="http://schemas.microsoft.com/office/drawing/2014/main" id="{E6E83CFA-EA54-48DE-B1B6-0BA849D24A19}"/>
+              </a:ext>
+            </a:extLst>
+          </p:cNvPr>
+          <p:cNvPicPr>
+            <a:picLocks noGrp="1" noChangeAspect="1"/>
+          </p:cNvPicPr>
+          <p:nvPr>
+            <p:ph idx="1"/>
+          </p:nvPr>
+        </p:nvPicPr>
+        <p:blipFill rotWithShape="1">
+          <a:blip r:embed="rId2">
+            <a:extLst>
+              <a:ext uri="{28A0092B-C50C-407E-A947-70E740481C1C}">
+                <a14:useLocalDpi xmlns:a14="http://schemas.microsoft.com/office/drawing/2010/main" val="0"/>
+              </a:ext>
+            </a:extLst>
+          </a:blip>
+          <a:srcRect l="500" r="776" b="882"/>
+          <a:stretch/>
+        </p:blipFill>
+        <p:spPr>
+          <a:xfrm>
+            <a:off x="3498208" y="988761"/>
+            <a:ext cx="6887363" cy="5193925"/>
+          </a:xfrm>
+          <a:prstGeom prst="rect">
+            <a:avLst/>
+          </a:prstGeom>
+          <a:ln>
+            <a:noFill/>
+          </a:ln>
+          <a:effectLst>
+            <a:outerShdw blurRad="292100" dist="139700" dir="2700000" algn="tl" rotWithShape="0">
+              <a:srgbClr val="333333">
+                <a:alpha val="65000"/>
+              </a:srgbClr>
+            </a:outerShdw>
+          </a:effectLst>
+        </p:spPr>
+      </p:pic>
+      <p:sp>
+        <p:nvSpPr>
+          <p:cNvPr id="6" name="Textfeld 5">
+            <a:extLst>
+              <a:ext uri="{FF2B5EF4-FFF2-40B4-BE49-F238E27FC236}">
+                <a16:creationId xmlns:a16="http://schemas.microsoft.com/office/drawing/2014/main" id="{47BA4F20-7A8E-4CE2-9490-EFBEED82D996}"/>
+              </a:ext>
+            </a:extLst>
+          </p:cNvPr>
+          <p:cNvSpPr txBox="1"/>
+          <p:nvPr/>
+        </p:nvSpPr>
+        <p:spPr>
+          <a:xfrm>
+            <a:off x="726781" y="273553"/>
+            <a:ext cx="5369219" cy="405205"/>
+          </a:xfrm>
+          <a:prstGeom prst="rect">
+            <a:avLst/>
+          </a:prstGeom>
+          <a:noFill/>
+        </p:spPr>
+        <p:txBody>
+          <a:bodyPr wrap="square" lIns="0" tIns="0" rIns="0" bIns="0" rtlCol="0">
+            <a:noAutofit/>
+          </a:bodyPr>
+          <a:lstStyle>
+            <a:defPPr>
+              <a:defRPr lang="en-US"/>
+            </a:defPPr>
+            <a:lvl1pPr>
+              <a:lnSpc>
+                <a:spcPts val="4000"/>
+              </a:lnSpc>
+              <a:defRPr sz="3600" b="1">
+                <a:solidFill>
+                  <a:srgbClr val="002060"/>
+                </a:solidFill>
+                <a:latin typeface="Segoe UI" panose="020B0502040204020203" pitchFamily="34" charset="0"/>
+                <a:cs typeface="Segoe UI" panose="020B0502040204020203" pitchFamily="34" charset="0"/>
+              </a:defRPr>
+            </a:lvl1pPr>
+          </a:lstStyle>
+          <a:p>
+            <a:pPr rtl="0"/>
+            <a:r>
+              <a:rPr lang="de-DE" sz="3200" dirty="0"/>
+              <a:t>Wireframe</a:t>
+            </a:r>
+          </a:p>
+        </p:txBody>
+      </p:sp>
+      <p:sp>
+        <p:nvSpPr>
+          <p:cNvPr id="7" name="Textfeld 6">
+            <a:extLst>
+              <a:ext uri="{FF2B5EF4-FFF2-40B4-BE49-F238E27FC236}">
+                <a16:creationId xmlns:a16="http://schemas.microsoft.com/office/drawing/2014/main" id="{6B9F84B3-7E4C-4952-A8F5-85AF673E6074}"/>
+              </a:ext>
+            </a:extLst>
+          </p:cNvPr>
+          <p:cNvSpPr txBox="1"/>
+          <p:nvPr/>
+        </p:nvSpPr>
+        <p:spPr>
+          <a:xfrm>
+            <a:off x="726781" y="865651"/>
+            <a:ext cx="6224717" cy="246221"/>
+          </a:xfrm>
+          <a:prstGeom prst="rect">
+            <a:avLst/>
+          </a:prstGeom>
+        </p:spPr>
+        <p:txBody>
+          <a:bodyPr wrap="square" lIns="0" tIns="0" rIns="0" bIns="0" rtlCol="0">
+            <a:spAutoFit/>
+          </a:bodyPr>
+          <a:lstStyle>
+            <a:defPPr>
+              <a:defRPr lang="en-US"/>
+            </a:defPPr>
+            <a:lvl1pPr>
+              <a:defRPr sz="1600" i="1">
+                <a:solidFill>
+                  <a:srgbClr val="002060"/>
+                </a:solidFill>
+                <a:latin typeface="+mj-lt"/>
+                <a:cs typeface="Segoe UI" panose="020B0502040204020203" pitchFamily="34" charset="0"/>
+              </a:defRPr>
+            </a:lvl1pPr>
+          </a:lstStyle>
+          <a:p>
+            <a:pPr rtl="0"/>
+            <a:r>
+              <a:rPr lang="de-DE" i="0" dirty="0"/>
+              <a:t>Registrierung</a:t>
+            </a:r>
+            <a:endParaRPr lang="de-DE" dirty="0"/>
+          </a:p>
+        </p:txBody>
+      </p:sp>
+    </p:spTree>
+    <p:extLst>
+      <p:ext uri="{BB962C8B-B14F-4D97-AF65-F5344CB8AC3E}">
+        <p14:creationId xmlns:p14="http://schemas.microsoft.com/office/powerpoint/2010/main" val="1559074646"/>
+      </p:ext>
+    </p:extLst>
+  </p:cSld>
+  <p:clrMapOvr>
+    <a:masterClrMapping/>
+  </p:clrMapOvr>
+</p:sld>
+</file>
+
+<file path=ppt/slides/slide21.xml><?xml version="1.0" encoding="utf-8"?>
+<p:sld xmlns:a="http://schemas.openxmlformats.org/drawingml/2006/main" xmlns:r="http://schemas.openxmlformats.org/officeDocument/2006/relationships" xmlns:p="http://schemas.openxmlformats.org/presentationml/2006/main">
+  <p:cSld>
+    <p:spTree>
+      <p:nvGrpSpPr>
+        <p:cNvPr id="1" name=""/>
+        <p:cNvGrpSpPr/>
+        <p:nvPr/>
+      </p:nvGrpSpPr>
+      <p:grpSpPr>
+        <a:xfrm>
+          <a:off x="0" y="0"/>
+          <a:ext cx="0" cy="0"/>
+          <a:chOff x="0" y="0"/>
+          <a:chExt cx="0" cy="0"/>
+        </a:xfrm>
+      </p:grpSpPr>
+      <p:pic>
+        <p:nvPicPr>
+          <p:cNvPr id="7" name="Inhaltsplatzhalter 6">
+            <a:extLst>
+              <a:ext uri="{FF2B5EF4-FFF2-40B4-BE49-F238E27FC236}">
+                <a16:creationId xmlns:a16="http://schemas.microsoft.com/office/drawing/2014/main" id="{B1503BA9-0B25-472C-A910-FCB75D57A250}"/>
+              </a:ext>
+            </a:extLst>
+          </p:cNvPr>
+          <p:cNvPicPr>
+            <a:picLocks noGrp="1" noChangeAspect="1"/>
+          </p:cNvPicPr>
+          <p:nvPr>
+            <p:ph idx="1"/>
+          </p:nvPr>
+        </p:nvPicPr>
+        <p:blipFill rotWithShape="1">
+          <a:blip r:embed="rId2">
+            <a:extLst>
+              <a:ext uri="{28A0092B-C50C-407E-A947-70E740481C1C}">
+                <a14:useLocalDpi xmlns:a14="http://schemas.microsoft.com/office/drawing/2010/main" val="0"/>
+              </a:ext>
+            </a:extLst>
+          </a:blip>
+          <a:srcRect l="640" r="676" b="1184"/>
+          <a:stretch/>
+        </p:blipFill>
+        <p:spPr>
+          <a:xfrm>
+            <a:off x="3489820" y="865651"/>
+            <a:ext cx="6920918" cy="5199589"/>
+          </a:xfrm>
+          <a:prstGeom prst="rect">
+            <a:avLst/>
+          </a:prstGeom>
+          <a:ln>
+            <a:noFill/>
+          </a:ln>
+          <a:effectLst>
+            <a:outerShdw blurRad="292100" dist="139700" dir="2700000" algn="tl" rotWithShape="0">
+              <a:srgbClr val="333333">
+                <a:alpha val="65000"/>
+              </a:srgbClr>
+            </a:outerShdw>
+          </a:effectLst>
+        </p:spPr>
+      </p:pic>
+      <p:sp>
+        <p:nvSpPr>
+          <p:cNvPr id="6" name="Textfeld 5">
+            <a:extLst>
+              <a:ext uri="{FF2B5EF4-FFF2-40B4-BE49-F238E27FC236}">
+                <a16:creationId xmlns:a16="http://schemas.microsoft.com/office/drawing/2014/main" id="{E3CDF9EA-21CE-431C-882B-B74091E9EFA5}"/>
+              </a:ext>
+            </a:extLst>
+          </p:cNvPr>
+          <p:cNvSpPr txBox="1"/>
+          <p:nvPr/>
+        </p:nvSpPr>
+        <p:spPr>
+          <a:xfrm>
+            <a:off x="726781" y="273553"/>
+            <a:ext cx="5369219" cy="405205"/>
+          </a:xfrm>
+          <a:prstGeom prst="rect">
+            <a:avLst/>
+          </a:prstGeom>
+          <a:noFill/>
+        </p:spPr>
+        <p:txBody>
+          <a:bodyPr wrap="square" lIns="0" tIns="0" rIns="0" bIns="0" rtlCol="0">
+            <a:noAutofit/>
+          </a:bodyPr>
+          <a:lstStyle>
+            <a:defPPr>
+              <a:defRPr lang="en-US"/>
+            </a:defPPr>
+            <a:lvl1pPr>
+              <a:lnSpc>
+                <a:spcPts val="4000"/>
+              </a:lnSpc>
+              <a:defRPr sz="3600" b="1">
+                <a:solidFill>
+                  <a:srgbClr val="002060"/>
+                </a:solidFill>
+                <a:latin typeface="Segoe UI" panose="020B0502040204020203" pitchFamily="34" charset="0"/>
+                <a:cs typeface="Segoe UI" panose="020B0502040204020203" pitchFamily="34" charset="0"/>
+              </a:defRPr>
+            </a:lvl1pPr>
+          </a:lstStyle>
+          <a:p>
+            <a:pPr rtl="0"/>
+            <a:r>
+              <a:rPr lang="de-DE" sz="3200" dirty="0"/>
+              <a:t>Wireframe</a:t>
+            </a:r>
+          </a:p>
+        </p:txBody>
+      </p:sp>
+      <p:sp>
+        <p:nvSpPr>
+          <p:cNvPr id="8" name="Textfeld 7">
+            <a:extLst>
+              <a:ext uri="{FF2B5EF4-FFF2-40B4-BE49-F238E27FC236}">
+                <a16:creationId xmlns:a16="http://schemas.microsoft.com/office/drawing/2014/main" id="{7E284737-A05B-40F1-9997-D4E3E593BE5A}"/>
+              </a:ext>
+            </a:extLst>
+          </p:cNvPr>
+          <p:cNvSpPr txBox="1"/>
+          <p:nvPr/>
+        </p:nvSpPr>
+        <p:spPr>
+          <a:xfrm>
+            <a:off x="726781" y="865651"/>
+            <a:ext cx="6224717" cy="246221"/>
+          </a:xfrm>
+          <a:prstGeom prst="rect">
+            <a:avLst/>
+          </a:prstGeom>
+        </p:spPr>
+        <p:txBody>
+          <a:bodyPr wrap="square" lIns="0" tIns="0" rIns="0" bIns="0" rtlCol="0">
+            <a:spAutoFit/>
+          </a:bodyPr>
+          <a:lstStyle>
+            <a:defPPr>
+              <a:defRPr lang="en-US"/>
+            </a:defPPr>
+            <a:lvl1pPr>
+              <a:defRPr sz="1600" i="1">
+                <a:solidFill>
+                  <a:srgbClr val="002060"/>
+                </a:solidFill>
+                <a:latin typeface="+mj-lt"/>
+                <a:cs typeface="Segoe UI" panose="020B0502040204020203" pitchFamily="34" charset="0"/>
+              </a:defRPr>
+            </a:lvl1pPr>
+          </a:lstStyle>
+          <a:p>
+            <a:pPr rtl="0"/>
+            <a:r>
+              <a:rPr lang="de-DE" i="0" dirty="0"/>
+              <a:t>Login</a:t>
+            </a:r>
+            <a:endParaRPr lang="de-DE" dirty="0"/>
+          </a:p>
+        </p:txBody>
+      </p:sp>
+    </p:spTree>
+    <p:extLst>
+      <p:ext uri="{BB962C8B-B14F-4D97-AF65-F5344CB8AC3E}">
+        <p14:creationId xmlns:p14="http://schemas.microsoft.com/office/powerpoint/2010/main" val="2820900002"/>
+      </p:ext>
+    </p:extLst>
+  </p:cSld>
+  <p:clrMapOvr>
+    <a:masterClrMapping/>
+  </p:clrMapOvr>
+</p:sld>
+</file>
+
+<file path=ppt/slides/slide22.xml><?xml version="1.0" encoding="utf-8"?>
+<p:sld xmlns:a="http://schemas.openxmlformats.org/drawingml/2006/main" xmlns:r="http://schemas.openxmlformats.org/officeDocument/2006/relationships" xmlns:p="http://schemas.openxmlformats.org/presentationml/2006/main">
+  <p:cSld>
+    <p:spTree>
+      <p:nvGrpSpPr>
+        <p:cNvPr id="1" name=""/>
+        <p:cNvGrpSpPr/>
+        <p:nvPr/>
+      </p:nvGrpSpPr>
+      <p:grpSpPr>
+        <a:xfrm>
+          <a:off x="0" y="0"/>
+          <a:ext cx="0" cy="0"/>
+          <a:chOff x="0" y="0"/>
+          <a:chExt cx="0" cy="0"/>
+        </a:xfrm>
+      </p:grpSpPr>
+      <p:sp>
+        <p:nvSpPr>
+          <p:cNvPr id="3" name="Textfeld 2">
+            <a:extLst>
+              <a:ext uri="{FF2B5EF4-FFF2-40B4-BE49-F238E27FC236}">
+                <a16:creationId xmlns:a16="http://schemas.microsoft.com/office/drawing/2014/main" id="{CE6AF7FE-5978-4B5F-90E1-044AC25EC230}"/>
+              </a:ext>
+            </a:extLst>
+          </p:cNvPr>
+          <p:cNvSpPr txBox="1"/>
+          <p:nvPr/>
+        </p:nvSpPr>
+        <p:spPr>
+          <a:xfrm>
+            <a:off x="726781" y="273553"/>
+            <a:ext cx="5369219" cy="405205"/>
+          </a:xfrm>
+          <a:prstGeom prst="rect">
+            <a:avLst/>
+          </a:prstGeom>
+          <a:noFill/>
+        </p:spPr>
+        <p:txBody>
+          <a:bodyPr wrap="square" lIns="0" tIns="0" rIns="0" bIns="0" rtlCol="0">
+            <a:noAutofit/>
+          </a:bodyPr>
+          <a:lstStyle>
+            <a:defPPr>
+              <a:defRPr lang="en-US"/>
+            </a:defPPr>
+            <a:lvl1pPr>
+              <a:lnSpc>
+                <a:spcPts val="4000"/>
+              </a:lnSpc>
+              <a:defRPr sz="3600" b="1">
+                <a:solidFill>
+                  <a:srgbClr val="002060"/>
+                </a:solidFill>
+                <a:latin typeface="Segoe UI" panose="020B0502040204020203" pitchFamily="34" charset="0"/>
+                <a:cs typeface="Segoe UI" panose="020B0502040204020203" pitchFamily="34" charset="0"/>
+              </a:defRPr>
+            </a:lvl1pPr>
+          </a:lstStyle>
+          <a:p>
+            <a:pPr rtl="0"/>
+            <a:r>
+              <a:rPr lang="de-DE" sz="3200" dirty="0"/>
+              <a:t>Wie geht es weiter?</a:t>
+            </a:r>
+          </a:p>
+        </p:txBody>
+      </p:sp>
+      <p:sp>
+        <p:nvSpPr>
+          <p:cNvPr id="5" name="Textfeld 4">
+            <a:extLst>
+              <a:ext uri="{FF2B5EF4-FFF2-40B4-BE49-F238E27FC236}">
+                <a16:creationId xmlns:a16="http://schemas.microsoft.com/office/drawing/2014/main" id="{11FEAF3D-6FC9-46CB-B4A4-9B8CA760AE20}"/>
+              </a:ext>
+            </a:extLst>
+          </p:cNvPr>
+          <p:cNvSpPr txBox="1"/>
+          <p:nvPr/>
+        </p:nvSpPr>
+        <p:spPr>
+          <a:xfrm>
+            <a:off x="726781" y="1578059"/>
+            <a:ext cx="5369219" cy="1923604"/>
+          </a:xfrm>
+          <a:prstGeom prst="rect">
+            <a:avLst/>
+          </a:prstGeom>
+        </p:spPr>
+        <p:txBody>
+          <a:bodyPr wrap="square" lIns="0" tIns="0" rIns="0" bIns="0" rtlCol="0">
+            <a:spAutoFit/>
+          </a:bodyPr>
+          <a:lstStyle>
+            <a:defPPr>
+              <a:defRPr lang="en-US"/>
+            </a:defPPr>
+            <a:lvl1pPr>
+              <a:defRPr sz="1600" i="1">
+                <a:solidFill>
+                  <a:srgbClr val="002060"/>
+                </a:solidFill>
+                <a:latin typeface="+mj-lt"/>
+                <a:cs typeface="Segoe UI" panose="020B0502040204020203" pitchFamily="34" charset="0"/>
+              </a:defRPr>
+            </a:lvl1pPr>
+          </a:lstStyle>
+          <a:p>
+            <a:pPr marL="285750" indent="-285750" rtl="0">
+              <a:buFont typeface="Wingdings" panose="05000000000000000000" pitchFamily="2" charset="2"/>
+              <a:buChar char="v"/>
+            </a:pPr>
+            <a:r>
+              <a:rPr lang="de-DE" i="0" dirty="0"/>
+              <a:t>Sequenzdiagramme erstellen</a:t>
+            </a:r>
+          </a:p>
+          <a:p>
+            <a:pPr marL="285750" indent="-285750" rtl="0">
+              <a:buFont typeface="Wingdings" panose="05000000000000000000" pitchFamily="2" charset="2"/>
+              <a:buChar char="v"/>
+            </a:pPr>
+            <a:r>
+              <a:rPr lang="de-DE" i="0" dirty="0"/>
+              <a:t>Entwicklung…</a:t>
+            </a:r>
+          </a:p>
+          <a:p>
+            <a:pPr marL="285750" indent="-285750" rtl="0">
+              <a:buFont typeface="Wingdings" panose="05000000000000000000" pitchFamily="2" charset="2"/>
+              <a:buChar char="v"/>
+            </a:pPr>
+            <a:r>
+              <a:rPr lang="de-DE" i="0" dirty="0"/>
+              <a:t>…</a:t>
+            </a:r>
+          </a:p>
+          <a:p>
+            <a:pPr marL="285750" indent="-285750" rtl="0">
+              <a:buFont typeface="Wingdings" panose="05000000000000000000" pitchFamily="2" charset="2"/>
+              <a:buChar char="v"/>
+            </a:pPr>
+            <a:r>
+              <a:rPr lang="de-DE" i="0" dirty="0"/>
+              <a:t>…</a:t>
+            </a:r>
+          </a:p>
+          <a:p>
+            <a:pPr marL="285750" indent="-285750" rtl="0">
+              <a:buFont typeface="Wingdings" panose="05000000000000000000" pitchFamily="2" charset="2"/>
+              <a:buChar char="v"/>
+            </a:pPr>
+            <a:endParaRPr lang="de-DE" i="0" dirty="0"/>
+          </a:p>
+          <a:p>
+            <a:pPr lvl="1">
+              <a:lnSpc>
+                <a:spcPct val="150000"/>
+              </a:lnSpc>
+            </a:pPr>
+            <a:endParaRPr lang="de-DE" dirty="0"/>
+          </a:p>
+          <a:p>
+            <a:pPr marL="742950" lvl="1" indent="-285750">
+              <a:buFont typeface="Wingdings" panose="05000000000000000000" pitchFamily="2" charset="2"/>
+              <a:buChar char="v"/>
+            </a:pPr>
+            <a:endParaRPr lang="de-DE" dirty="0"/>
+          </a:p>
+        </p:txBody>
+      </p:sp>
+      <p:pic>
+        <p:nvPicPr>
+          <p:cNvPr id="163" name="Bild 162" descr="Dieses Bild zeigt zwei Paar Hände, die Puzzleteile zusammenfügen. ">
+            <a:extLst>
+              <a:ext uri="{FF2B5EF4-FFF2-40B4-BE49-F238E27FC236}">
+                <a16:creationId xmlns:a16="http://schemas.microsoft.com/office/drawing/2014/main" id="{AB835B29-19DB-41C9-9C29-FB52358C44C7}"/>
+              </a:ext>
+            </a:extLst>
+          </p:cNvPr>
+          <p:cNvPicPr>
+            <a:picLocks noChangeAspect="1"/>
+          </p:cNvPicPr>
+          <p:nvPr/>
+        </p:nvPicPr>
+        <p:blipFill rotWithShape="1">
+          <a:blip r:embed="rId3"/>
+          <a:srcRect r="15224"/>
+          <a:stretch/>
+        </p:blipFill>
+        <p:spPr>
+          <a:xfrm>
+            <a:off x="7548019" y="0"/>
+            <a:ext cx="4643982" cy="6858000"/>
+          </a:xfrm>
+          <a:prstGeom prst="rect">
+            <a:avLst/>
+          </a:prstGeom>
+        </p:spPr>
+      </p:pic>
+      <p:sp>
+        <p:nvSpPr>
+          <p:cNvPr id="53" name="Titel 52" hidden="1">
+            <a:extLst>
+              <a:ext uri="{FF2B5EF4-FFF2-40B4-BE49-F238E27FC236}">
+                <a16:creationId xmlns:a16="http://schemas.microsoft.com/office/drawing/2014/main" id="{6BCAF586-A14B-4A3B-A249-655ADDBB3A4C}"/>
+              </a:ext>
+            </a:extLst>
+          </p:cNvPr>
+          <p:cNvSpPr>
+            <a:spLocks noGrp="1"/>
+          </p:cNvSpPr>
+          <p:nvPr>
+            <p:ph type="title"/>
+          </p:nvPr>
+        </p:nvSpPr>
+        <p:spPr/>
+        <p:txBody>
+          <a:bodyPr rtlCol="0"/>
+          <a:lstStyle/>
+          <a:p>
+            <a:r>
+              <a:rPr lang="de-DE" dirty="0"/>
+              <a:t>Personal – Folie8</a:t>
+            </a:r>
+          </a:p>
+        </p:txBody>
+      </p:sp>
+      <p:pic>
+        <p:nvPicPr>
+          <p:cNvPr id="6" name="Grafik 5" descr="Fragen mit einfarbiger Füllung">
+            <a:extLst>
+              <a:ext uri="{FF2B5EF4-FFF2-40B4-BE49-F238E27FC236}">
+                <a16:creationId xmlns:a16="http://schemas.microsoft.com/office/drawing/2014/main" id="{F033D61E-7CFD-49CB-8D21-152B21BFF461}"/>
+              </a:ext>
+            </a:extLst>
+          </p:cNvPr>
+          <p:cNvPicPr>
+            <a:picLocks noChangeAspect="1"/>
+          </p:cNvPicPr>
+          <p:nvPr/>
+        </p:nvPicPr>
+        <p:blipFill>
+          <a:blip r:embed="rId4">
+            <a:extLst>
+              <a:ext uri="{28A0092B-C50C-407E-A947-70E740481C1C}">
+                <a14:useLocalDpi xmlns:a14="http://schemas.microsoft.com/office/drawing/2010/main" val="0"/>
+              </a:ext>
+              <a:ext uri="{96DAC541-7B7A-43D3-8B79-37D633B846F1}">
+                <asvg:svgBlip xmlns:asvg="http://schemas.microsoft.com/office/drawing/2016/SVG/main" r:embed="rId5"/>
+              </a:ext>
+            </a:extLst>
+          </a:blip>
+          <a:stretch>
+            <a:fillRect/>
+          </a:stretch>
+        </p:blipFill>
+        <p:spPr>
+          <a:xfrm>
+            <a:off x="5347223" y="187162"/>
+            <a:ext cx="983191" cy="983191"/>
+          </a:xfrm>
+          <a:prstGeom prst="rect">
+            <a:avLst/>
+          </a:prstGeom>
+        </p:spPr>
+      </p:pic>
+    </p:spTree>
+    <p:extLst>
+      <p:ext uri="{BB962C8B-B14F-4D97-AF65-F5344CB8AC3E}">
+        <p14:creationId xmlns:p14="http://schemas.microsoft.com/office/powerpoint/2010/main" val="1505801206"/>
+      </p:ext>
+    </p:extLst>
+  </p:cSld>
+  <p:clrMapOvr>
+    <a:masterClrMapping/>
+  </p:clrMapOvr>
+</p:sld>
+</file>
+
+<file path=ppt/slides/slide23.xml><?xml version="1.0" encoding="utf-8"?>
+<p:sld xmlns:a="http://schemas.openxmlformats.org/drawingml/2006/main" xmlns:r="http://schemas.openxmlformats.org/officeDocument/2006/relationships" xmlns:p="http://schemas.openxmlformats.org/presentationml/2006/main">
+  <p:cSld>
+    <p:spTree>
+      <p:nvGrpSpPr>
+        <p:cNvPr id="1" name=""/>
+        <p:cNvGrpSpPr/>
+        <p:nvPr/>
+      </p:nvGrpSpPr>
+      <p:grpSpPr>
+        <a:xfrm>
+          <a:off x="0" y="0"/>
+          <a:ext cx="0" cy="0"/>
+          <a:chOff x="0" y="0"/>
+          <a:chExt cx="0" cy="0"/>
+        </a:xfrm>
+      </p:grpSpPr>
+      <p:sp>
+        <p:nvSpPr>
+          <p:cNvPr id="3" name="Textfeld 2">
+            <a:extLst>
+              <a:ext uri="{FF2B5EF4-FFF2-40B4-BE49-F238E27FC236}">
+                <a16:creationId xmlns:a16="http://schemas.microsoft.com/office/drawing/2014/main" id="{9436B850-15F2-41BC-A54E-6E0F332F011D}"/>
+              </a:ext>
+            </a:extLst>
+          </p:cNvPr>
+          <p:cNvSpPr txBox="1"/>
+          <p:nvPr/>
+        </p:nvSpPr>
+        <p:spPr>
+          <a:xfrm>
+            <a:off x="733192" y="4331033"/>
+            <a:ext cx="4845708" cy="830997"/>
+          </a:xfrm>
+          <a:prstGeom prst="rect">
+            <a:avLst/>
+          </a:prstGeom>
+          <a:noFill/>
+        </p:spPr>
+        <p:txBody>
+          <a:bodyPr wrap="square" lIns="0" tIns="0" rIns="0" bIns="0" rtlCol="0">
+            <a:spAutoFit/>
+          </a:bodyPr>
+          <a:lstStyle/>
+          <a:p>
+            <a:pPr rtl="0"/>
+            <a:r>
+              <a:rPr lang="de-DE" sz="5400" b="1" dirty="0">
+                <a:solidFill>
+                  <a:srgbClr val="002060"/>
+                </a:solidFill>
+                <a:latin typeface="Segoe UI" panose="020B0502040204020203" pitchFamily="34" charset="0"/>
+                <a:cs typeface="Segoe UI" panose="020B0502040204020203" pitchFamily="34" charset="0"/>
+              </a:rPr>
+              <a:t>Vielen Dank!</a:t>
+            </a:r>
+          </a:p>
+        </p:txBody>
+      </p:sp>
+      <p:sp>
+        <p:nvSpPr>
+          <p:cNvPr id="4" name="Rechteck 3">
+            <a:extLst>
+              <a:ext uri="{FF2B5EF4-FFF2-40B4-BE49-F238E27FC236}">
+                <a16:creationId xmlns:a16="http://schemas.microsoft.com/office/drawing/2014/main" id="{A9B74FAF-1757-48A8-BBFB-722E8E1D6FA4}"/>
+              </a:ext>
+            </a:extLst>
+          </p:cNvPr>
+          <p:cNvSpPr/>
+          <p:nvPr/>
+        </p:nvSpPr>
+        <p:spPr>
+          <a:xfrm>
+            <a:off x="733192" y="5358396"/>
+            <a:ext cx="3536195" cy="984885"/>
+          </a:xfrm>
+          <a:prstGeom prst="rect">
+            <a:avLst/>
+          </a:prstGeom>
+        </p:spPr>
+        <p:txBody>
+          <a:bodyPr wrap="square" lIns="0" tIns="0" rIns="0" bIns="0" rtlCol="0">
+            <a:spAutoFit/>
+          </a:bodyPr>
+          <a:lstStyle/>
+          <a:p>
+            <a:pPr rtl="0"/>
+            <a:r>
+              <a:rPr lang="de-DE" sz="1600" i="1" dirty="0">
+                <a:solidFill>
+                  <a:srgbClr val="002060"/>
+                </a:solidFill>
+                <a:latin typeface="+mj-lt"/>
+                <a:cs typeface="Segoe UI" panose="020B0502040204020203" pitchFamily="34" charset="0"/>
+              </a:rPr>
+              <a:t>Julian Stipovic</a:t>
+            </a:r>
+          </a:p>
+          <a:p>
+            <a:pPr rtl="0"/>
+            <a:r>
+              <a:rPr lang="de-DE" sz="1600" i="1" dirty="0">
+                <a:solidFill>
+                  <a:srgbClr val="002060"/>
+                </a:solidFill>
+                <a:latin typeface="+mj-lt"/>
+                <a:cs typeface="Segoe UI" panose="020B0502040204020203" pitchFamily="34" charset="0"/>
+              </a:rPr>
+              <a:t>Fabian </a:t>
+            </a:r>
+            <a:r>
+              <a:rPr lang="de-DE" sz="1600" i="1" dirty="0" err="1">
+                <a:solidFill>
+                  <a:srgbClr val="002060"/>
+                </a:solidFill>
+                <a:latin typeface="+mj-lt"/>
+                <a:cs typeface="Segoe UI" panose="020B0502040204020203" pitchFamily="34" charset="0"/>
+              </a:rPr>
+              <a:t>Qarqur</a:t>
+            </a:r>
+            <a:endParaRPr lang="de-DE" sz="1600" i="1" dirty="0">
+              <a:solidFill>
+                <a:srgbClr val="002060"/>
+              </a:solidFill>
+              <a:latin typeface="+mj-lt"/>
+              <a:cs typeface="Segoe UI" panose="020B0502040204020203" pitchFamily="34" charset="0"/>
+            </a:endParaRPr>
+          </a:p>
+          <a:p>
+            <a:pPr rtl="0"/>
+            <a:r>
+              <a:rPr lang="de-DE" sz="1600" i="1" dirty="0">
+                <a:solidFill>
+                  <a:srgbClr val="002060"/>
+                </a:solidFill>
+                <a:latin typeface="+mj-lt"/>
+                <a:cs typeface="Segoe UI" panose="020B0502040204020203" pitchFamily="34" charset="0"/>
+              </a:rPr>
+              <a:t>Daniel Boger</a:t>
+            </a:r>
+          </a:p>
+          <a:p>
+            <a:pPr rtl="0"/>
+            <a:r>
+              <a:rPr lang="de-DE" sz="1600" i="1" dirty="0">
+                <a:solidFill>
+                  <a:srgbClr val="002060"/>
+                </a:solidFill>
+                <a:latin typeface="+mj-lt"/>
+                <a:cs typeface="Segoe UI" panose="020B0502040204020203" pitchFamily="34" charset="0"/>
+              </a:rPr>
+              <a:t>Damien Arriens</a:t>
+            </a:r>
+          </a:p>
+        </p:txBody>
+      </p:sp>
+      <p:grpSp>
+        <p:nvGrpSpPr>
+          <p:cNvPr id="23" name="Gruppieren 22" descr="Dieses Bild ist eine abstrakte Form. ">
+            <a:extLst>
+              <a:ext uri="{FF2B5EF4-FFF2-40B4-BE49-F238E27FC236}">
+                <a16:creationId xmlns:a16="http://schemas.microsoft.com/office/drawing/2014/main" id="{C5C1EC81-7459-4B76-B0C8-CF221BB21A2F}"/>
+              </a:ext>
+            </a:extLst>
+          </p:cNvPr>
+          <p:cNvGrpSpPr/>
+          <p:nvPr/>
+        </p:nvGrpSpPr>
+        <p:grpSpPr>
+          <a:xfrm>
+            <a:off x="4855953" y="-2833465"/>
+            <a:ext cx="8948964" cy="12105059"/>
+            <a:chOff x="4855953" y="-2833465"/>
+            <a:chExt cx="8948964" cy="12105059"/>
+          </a:xfrm>
+        </p:grpSpPr>
+        <p:sp>
+          <p:nvSpPr>
+            <p:cNvPr id="20" name="Freihandform 10">
+              <a:extLst>
+                <a:ext uri="{FF2B5EF4-FFF2-40B4-BE49-F238E27FC236}">
+                  <a16:creationId xmlns:a16="http://schemas.microsoft.com/office/drawing/2014/main" id="{6067105C-8C4E-4F4D-AF25-4E9E7FEE0199}"/>
+                </a:ext>
+              </a:extLst>
+            </p:cNvPr>
+            <p:cNvSpPr>
+              <a:spLocks/>
+            </p:cNvSpPr>
+            <p:nvPr/>
+          </p:nvSpPr>
+          <p:spPr bwMode="auto">
+            <a:xfrm rot="9420272">
+              <a:off x="4855953" y="-2246936"/>
+              <a:ext cx="8673602" cy="11518530"/>
+            </a:xfrm>
+            <a:custGeom>
+              <a:avLst/>
+              <a:gdLst>
+                <a:gd name="T0" fmla="*/ 1166 w 2492"/>
+                <a:gd name="T1" fmla="*/ 2419 h 3315"/>
+                <a:gd name="T2" fmla="*/ 243 w 2492"/>
+                <a:gd name="T3" fmla="*/ 912 h 3315"/>
+                <a:gd name="T4" fmla="*/ 449 w 2492"/>
+                <a:gd name="T5" fmla="*/ 15 h 3315"/>
+                <a:gd name="T6" fmla="*/ 766 w 2492"/>
+                <a:gd name="T7" fmla="*/ 302 h 3315"/>
+                <a:gd name="T8" fmla="*/ 1651 w 2492"/>
+                <a:gd name="T9" fmla="*/ 481 h 3315"/>
+                <a:gd name="T10" fmla="*/ 2239 w 2492"/>
+                <a:gd name="T11" fmla="*/ 1238 h 3315"/>
+                <a:gd name="T12" fmla="*/ 2186 w 2492"/>
+                <a:gd name="T13" fmla="*/ 2201 h 3315"/>
+                <a:gd name="T14" fmla="*/ 2165 w 2492"/>
+                <a:gd name="T15" fmla="*/ 2928 h 3315"/>
+                <a:gd name="T16" fmla="*/ 1400 w 2492"/>
+                <a:gd name="T17" fmla="*/ 3100 h 3315"/>
+                <a:gd name="T18" fmla="*/ 1166 w 2492"/>
+                <a:gd name="T19" fmla="*/ 2419 h 3315"/>
+              </a:gdLst>
+              <a:ahLst/>
+              <a:cxnLst>
+                <a:cxn ang="0">
+                  <a:pos x="T0" y="T1"/>
+                </a:cxn>
+                <a:cxn ang="0">
+                  <a:pos x="T2" y="T3"/>
+                </a:cxn>
+                <a:cxn ang="0">
+                  <a:pos x="T4" y="T5"/>
+                </a:cxn>
+                <a:cxn ang="0">
+                  <a:pos x="T6" y="T7"/>
+                </a:cxn>
+                <a:cxn ang="0">
+                  <a:pos x="T8" y="T9"/>
+                </a:cxn>
+                <a:cxn ang="0">
+                  <a:pos x="T10" y="T11"/>
+                </a:cxn>
+                <a:cxn ang="0">
+                  <a:pos x="T12" y="T13"/>
+                </a:cxn>
+                <a:cxn ang="0">
+                  <a:pos x="T14" y="T15"/>
+                </a:cxn>
+                <a:cxn ang="0">
+                  <a:pos x="T16" y="T17"/>
+                </a:cxn>
+                <a:cxn ang="0">
+                  <a:pos x="T18" y="T19"/>
+                </a:cxn>
+              </a:cxnLst>
+              <a:rect l="0" t="0" r="r" b="b"/>
+              <a:pathLst>
+                <a:path w="2492" h="3315">
+                  <a:moveTo>
+                    <a:pt x="1166" y="2419"/>
+                  </a:moveTo>
+                  <a:cubicBezTo>
+                    <a:pt x="1505" y="1277"/>
+                    <a:pt x="486" y="1533"/>
+                    <a:pt x="243" y="912"/>
+                  </a:cubicBezTo>
+                  <a:cubicBezTo>
+                    <a:pt x="0" y="292"/>
+                    <a:pt x="291" y="31"/>
+                    <a:pt x="449" y="15"/>
+                  </a:cubicBezTo>
+                  <a:cubicBezTo>
+                    <a:pt x="607" y="0"/>
+                    <a:pt x="716" y="54"/>
+                    <a:pt x="766" y="302"/>
+                  </a:cubicBezTo>
+                  <a:cubicBezTo>
+                    <a:pt x="817" y="551"/>
+                    <a:pt x="1312" y="508"/>
+                    <a:pt x="1651" y="481"/>
+                  </a:cubicBezTo>
+                  <a:cubicBezTo>
+                    <a:pt x="1989" y="454"/>
+                    <a:pt x="2492" y="733"/>
+                    <a:pt x="2239" y="1238"/>
+                  </a:cubicBezTo>
+                  <a:cubicBezTo>
+                    <a:pt x="1986" y="1743"/>
+                    <a:pt x="2000" y="1716"/>
+                    <a:pt x="2186" y="2201"/>
+                  </a:cubicBezTo>
+                  <a:cubicBezTo>
+                    <a:pt x="2372" y="2685"/>
+                    <a:pt x="2165" y="2928"/>
+                    <a:pt x="2165" y="2928"/>
+                  </a:cubicBezTo>
+                  <a:cubicBezTo>
+                    <a:pt x="2165" y="2928"/>
+                    <a:pt x="1791" y="3315"/>
+                    <a:pt x="1400" y="3100"/>
+                  </a:cubicBezTo>
+                  <a:cubicBezTo>
+                    <a:pt x="1008" y="2885"/>
+                    <a:pt x="1166" y="2419"/>
+                    <a:pt x="1166" y="2419"/>
+                  </a:cubicBezTo>
+                  <a:close/>
+                </a:path>
+              </a:pathLst>
+            </a:custGeom>
+            <a:gradFill>
+              <a:gsLst>
+                <a:gs pos="0">
+                  <a:srgbClr val="80DEDE"/>
+                </a:gs>
+                <a:gs pos="53500">
+                  <a:srgbClr val="85C1E7"/>
+                </a:gs>
+                <a:gs pos="100000">
+                  <a:srgbClr val="878CFF"/>
+                </a:gs>
+              </a:gsLst>
+              <a:lin ang="5400000" scaled="1"/>
+            </a:gradFill>
+            <a:ln w="12700" cap="flat">
+              <a:noFill/>
+              <a:prstDash val="solid"/>
+              <a:miter lim="800000"/>
+              <a:headEnd/>
+              <a:tailEnd/>
+            </a:ln>
+          </p:spPr>
+          <p:txBody>
+            <a:bodyPr vert="horz" wrap="square" lIns="91440" tIns="45720" rIns="91440" bIns="45720" numCol="1" rtlCol="0" anchor="t" anchorCtr="0" compatLnSpc="1">
+              <a:prstTxWarp prst="textNoShape">
+                <a:avLst/>
+              </a:prstTxWarp>
+            </a:bodyPr>
+            <a:lstStyle/>
+            <a:p>
+              <a:pPr rtl="0"/>
+              <a:endParaRPr lang="de-DE" dirty="0"/>
+            </a:p>
+          </p:txBody>
+        </p:sp>
+        <p:sp>
+          <p:nvSpPr>
+            <p:cNvPr id="21" name="Freihandform 11">
+              <a:extLst>
+                <a:ext uri="{FF2B5EF4-FFF2-40B4-BE49-F238E27FC236}">
+                  <a16:creationId xmlns:a16="http://schemas.microsoft.com/office/drawing/2014/main" id="{70B75532-3E3F-4E79-89ED-8E7671BB9C68}"/>
+                </a:ext>
+              </a:extLst>
+            </p:cNvPr>
+            <p:cNvSpPr>
+              <a:spLocks/>
+            </p:cNvSpPr>
+            <p:nvPr/>
+          </p:nvSpPr>
+          <p:spPr bwMode="auto">
+            <a:xfrm rot="9420272">
+              <a:off x="5048022" y="-2833465"/>
+              <a:ext cx="8756895" cy="10755934"/>
+            </a:xfrm>
+            <a:custGeom>
+              <a:avLst/>
+              <a:gdLst>
+                <a:gd name="T0" fmla="*/ 1504 w 2516"/>
+                <a:gd name="T1" fmla="*/ 2980 h 3095"/>
+                <a:gd name="T2" fmla="*/ 2237 w 2516"/>
+                <a:gd name="T3" fmla="*/ 2283 h 3095"/>
+                <a:gd name="T4" fmla="*/ 1468 w 2516"/>
+                <a:gd name="T5" fmla="*/ 1052 h 3095"/>
+                <a:gd name="T6" fmla="*/ 979 w 2516"/>
+                <a:gd name="T7" fmla="*/ 648 h 3095"/>
+                <a:gd name="T8" fmla="*/ 411 w 2516"/>
+                <a:gd name="T9" fmla="*/ 195 h 3095"/>
+                <a:gd name="T10" fmla="*/ 397 w 2516"/>
+                <a:gd name="T11" fmla="*/ 1117 h 3095"/>
+                <a:gd name="T12" fmla="*/ 194 w 2516"/>
+                <a:gd name="T13" fmla="*/ 1767 h 3095"/>
+                <a:gd name="T14" fmla="*/ 866 w 2516"/>
+                <a:gd name="T15" fmla="*/ 2349 h 3095"/>
+                <a:gd name="T16" fmla="*/ 1275 w 2516"/>
+                <a:gd name="T17" fmla="*/ 2766 h 3095"/>
+                <a:gd name="T18" fmla="*/ 1504 w 2516"/>
+                <a:gd name="T19" fmla="*/ 2980 h 3095"/>
+              </a:gdLst>
+              <a:ahLst/>
+              <a:cxnLst>
+                <a:cxn ang="0">
+                  <a:pos x="T0" y="T1"/>
+                </a:cxn>
+                <a:cxn ang="0">
+                  <a:pos x="T2" y="T3"/>
+                </a:cxn>
+                <a:cxn ang="0">
+                  <a:pos x="T4" y="T5"/>
+                </a:cxn>
+                <a:cxn ang="0">
+                  <a:pos x="T6" y="T7"/>
+                </a:cxn>
+                <a:cxn ang="0">
+                  <a:pos x="T8" y="T9"/>
+                </a:cxn>
+                <a:cxn ang="0">
+                  <a:pos x="T10" y="T11"/>
+                </a:cxn>
+                <a:cxn ang="0">
+                  <a:pos x="T12" y="T13"/>
+                </a:cxn>
+                <a:cxn ang="0">
+                  <a:pos x="T14" y="T15"/>
+                </a:cxn>
+                <a:cxn ang="0">
+                  <a:pos x="T16" y="T17"/>
+                </a:cxn>
+                <a:cxn ang="0">
+                  <a:pos x="T18" y="T19"/>
+                </a:cxn>
+              </a:cxnLst>
+              <a:rect l="0" t="0" r="r" b="b"/>
+              <a:pathLst>
+                <a:path w="2516" h="3095">
+                  <a:moveTo>
+                    <a:pt x="1504" y="2980"/>
+                  </a:moveTo>
+                  <a:cubicBezTo>
+                    <a:pt x="1504" y="2980"/>
+                    <a:pt x="1958" y="3095"/>
+                    <a:pt x="2237" y="2283"/>
+                  </a:cubicBezTo>
+                  <a:cubicBezTo>
+                    <a:pt x="2516" y="1472"/>
+                    <a:pt x="1745" y="1159"/>
+                    <a:pt x="1468" y="1052"/>
+                  </a:cubicBezTo>
+                  <a:cubicBezTo>
+                    <a:pt x="1191" y="945"/>
+                    <a:pt x="1126" y="907"/>
+                    <a:pt x="979" y="648"/>
+                  </a:cubicBezTo>
+                  <a:cubicBezTo>
+                    <a:pt x="832" y="389"/>
+                    <a:pt x="822" y="0"/>
+                    <a:pt x="411" y="195"/>
+                  </a:cubicBezTo>
+                  <a:cubicBezTo>
+                    <a:pt x="0" y="391"/>
+                    <a:pt x="384" y="948"/>
+                    <a:pt x="397" y="1117"/>
+                  </a:cubicBezTo>
+                  <a:cubicBezTo>
+                    <a:pt x="411" y="1286"/>
+                    <a:pt x="128" y="1580"/>
+                    <a:pt x="194" y="1767"/>
+                  </a:cubicBezTo>
+                  <a:cubicBezTo>
+                    <a:pt x="259" y="1954"/>
+                    <a:pt x="273" y="2154"/>
+                    <a:pt x="866" y="2349"/>
+                  </a:cubicBezTo>
+                  <a:cubicBezTo>
+                    <a:pt x="866" y="2349"/>
+                    <a:pt x="1186" y="2374"/>
+                    <a:pt x="1275" y="2766"/>
+                  </a:cubicBezTo>
+                  <a:cubicBezTo>
+                    <a:pt x="1275" y="2766"/>
+                    <a:pt x="1340" y="2988"/>
+                    <a:pt x="1504" y="2980"/>
+                  </a:cubicBezTo>
+                  <a:close/>
+                </a:path>
+              </a:pathLst>
+            </a:custGeom>
+            <a:gradFill>
+              <a:gsLst>
+                <a:gs pos="0">
+                  <a:srgbClr val="7CEFD8"/>
+                </a:gs>
+                <a:gs pos="51000">
+                  <a:srgbClr val="6672E4"/>
+                </a:gs>
+                <a:gs pos="100000">
+                  <a:srgbClr val="882BE5"/>
+                </a:gs>
+              </a:gsLst>
+              <a:lin ang="5400000" scaled="1"/>
+            </a:gradFill>
+            <a:ln w="12700" cap="flat">
+              <a:noFill/>
+              <a:prstDash val="solid"/>
+              <a:miter lim="800000"/>
+              <a:headEnd/>
+              <a:tailEnd/>
+            </a:ln>
+          </p:spPr>
+          <p:txBody>
+            <a:bodyPr vert="horz" wrap="square" lIns="91440" tIns="45720" rIns="91440" bIns="45720" numCol="1" rtlCol="0" anchor="t" anchorCtr="0" compatLnSpc="1">
+              <a:prstTxWarp prst="textNoShape">
+                <a:avLst/>
+              </a:prstTxWarp>
+            </a:bodyPr>
+            <a:lstStyle/>
+            <a:p>
+              <a:pPr rtl="0"/>
+              <a:endParaRPr lang="de-DE" dirty="0"/>
+            </a:p>
+          </p:txBody>
+        </p:sp>
+        <p:sp>
+          <p:nvSpPr>
+            <p:cNvPr id="22" name="Freihandform 12">
+              <a:extLst>
+                <a:ext uri="{FF2B5EF4-FFF2-40B4-BE49-F238E27FC236}">
+                  <a16:creationId xmlns:a16="http://schemas.microsoft.com/office/drawing/2014/main" id="{517F7404-4FD2-4A56-9BC1-55945A2E0042}"/>
+                </a:ext>
+              </a:extLst>
+            </p:cNvPr>
+            <p:cNvSpPr>
+              <a:spLocks/>
+            </p:cNvSpPr>
+            <p:nvPr/>
+          </p:nvSpPr>
+          <p:spPr bwMode="auto">
+            <a:xfrm rot="9420272">
+              <a:off x="5218811" y="-1993836"/>
+              <a:ext cx="7570428" cy="10122905"/>
+            </a:xfrm>
+            <a:custGeom>
+              <a:avLst/>
+              <a:gdLst>
+                <a:gd name="T0" fmla="*/ 1896 w 2175"/>
+                <a:gd name="T1" fmla="*/ 2283 h 2913"/>
+                <a:gd name="T2" fmla="*/ 1467 w 2175"/>
+                <a:gd name="T3" fmla="*/ 2913 h 2913"/>
+                <a:gd name="T4" fmla="*/ 1250 w 2175"/>
+                <a:gd name="T5" fmla="*/ 2849 h 2913"/>
+                <a:gd name="T6" fmla="*/ 1016 w 2175"/>
+                <a:gd name="T7" fmla="*/ 2168 h 2913"/>
+                <a:gd name="T8" fmla="*/ 93 w 2175"/>
+                <a:gd name="T9" fmla="*/ 661 h 2913"/>
+                <a:gd name="T10" fmla="*/ 0 w 2175"/>
+                <a:gd name="T11" fmla="*/ 238 h 2913"/>
+                <a:gd name="T12" fmla="*/ 70 w 2175"/>
+                <a:gd name="T13" fmla="*/ 195 h 2913"/>
+                <a:gd name="T14" fmla="*/ 638 w 2175"/>
+                <a:gd name="T15" fmla="*/ 648 h 2913"/>
+                <a:gd name="T16" fmla="*/ 1127 w 2175"/>
+                <a:gd name="T17" fmla="*/ 1052 h 2913"/>
+                <a:gd name="T18" fmla="*/ 1896 w 2175"/>
+                <a:gd name="T19" fmla="*/ 2283 h 2913"/>
+              </a:gdLst>
+              <a:ahLst/>
+              <a:cxnLst>
+                <a:cxn ang="0">
+                  <a:pos x="T0" y="T1"/>
+                </a:cxn>
+                <a:cxn ang="0">
+                  <a:pos x="T2" y="T3"/>
+                </a:cxn>
+                <a:cxn ang="0">
+                  <a:pos x="T4" y="T5"/>
+                </a:cxn>
+                <a:cxn ang="0">
+                  <a:pos x="T6" y="T7"/>
+                </a:cxn>
+                <a:cxn ang="0">
+                  <a:pos x="T8" y="T9"/>
+                </a:cxn>
+                <a:cxn ang="0">
+                  <a:pos x="T10" y="T11"/>
+                </a:cxn>
+                <a:cxn ang="0">
+                  <a:pos x="T12" y="T13"/>
+                </a:cxn>
+                <a:cxn ang="0">
+                  <a:pos x="T14" y="T15"/>
+                </a:cxn>
+                <a:cxn ang="0">
+                  <a:pos x="T16" y="T17"/>
+                </a:cxn>
+                <a:cxn ang="0">
+                  <a:pos x="T18" y="T19"/>
+                </a:cxn>
+              </a:cxnLst>
+              <a:rect l="0" t="0" r="r" b="b"/>
+              <a:pathLst>
+                <a:path w="2175" h="2913">
+                  <a:moveTo>
+                    <a:pt x="1896" y="2283"/>
+                  </a:moveTo>
+                  <a:cubicBezTo>
+                    <a:pt x="1770" y="2651"/>
+                    <a:pt x="1607" y="2829"/>
+                    <a:pt x="1467" y="2913"/>
+                  </a:cubicBezTo>
+                  <a:cubicBezTo>
+                    <a:pt x="1397" y="2909"/>
+                    <a:pt x="1324" y="2889"/>
+                    <a:pt x="1250" y="2849"/>
+                  </a:cubicBezTo>
+                  <a:cubicBezTo>
+                    <a:pt x="858" y="2634"/>
+                    <a:pt x="1016" y="2168"/>
+                    <a:pt x="1016" y="2168"/>
+                  </a:cubicBezTo>
+                  <a:cubicBezTo>
+                    <a:pt x="1354" y="1026"/>
+                    <a:pt x="336" y="1282"/>
+                    <a:pt x="93" y="661"/>
+                  </a:cubicBezTo>
+                  <a:cubicBezTo>
+                    <a:pt x="28" y="495"/>
+                    <a:pt x="1" y="354"/>
+                    <a:pt x="0" y="238"/>
+                  </a:cubicBezTo>
+                  <a:cubicBezTo>
+                    <a:pt x="20" y="222"/>
+                    <a:pt x="44" y="208"/>
+                    <a:pt x="70" y="195"/>
+                  </a:cubicBezTo>
+                  <a:cubicBezTo>
+                    <a:pt x="481" y="0"/>
+                    <a:pt x="491" y="389"/>
+                    <a:pt x="638" y="648"/>
+                  </a:cubicBezTo>
+                  <a:cubicBezTo>
+                    <a:pt x="785" y="907"/>
+                    <a:pt x="850" y="945"/>
+                    <a:pt x="1127" y="1052"/>
+                  </a:cubicBezTo>
+                  <a:cubicBezTo>
+                    <a:pt x="1404" y="1159"/>
+                    <a:pt x="2175" y="1472"/>
+                    <a:pt x="1896" y="2283"/>
+                  </a:cubicBezTo>
+                  <a:close/>
+                </a:path>
+              </a:pathLst>
+            </a:custGeom>
+            <a:gradFill>
+              <a:gsLst>
+                <a:gs pos="100000">
+                  <a:srgbClr val="7CEFD8"/>
+                </a:gs>
+                <a:gs pos="19000">
+                  <a:srgbClr val="6672E4"/>
+                </a:gs>
+                <a:gs pos="0">
+                  <a:srgbClr val="882BE5"/>
+                </a:gs>
+              </a:gsLst>
+              <a:lin ang="10200000" scaled="0"/>
+            </a:gradFill>
+            <a:ln w="12700" cap="flat">
+              <a:noFill/>
+              <a:prstDash val="solid"/>
+              <a:miter lim="800000"/>
+              <a:headEnd/>
+              <a:tailEnd/>
+            </a:ln>
+          </p:spPr>
+          <p:txBody>
+            <a:bodyPr vert="horz" wrap="square" lIns="91440" tIns="45720" rIns="91440" bIns="45720" numCol="1" rtlCol="0" anchor="t" anchorCtr="0" compatLnSpc="1">
+              <a:prstTxWarp prst="textNoShape">
+                <a:avLst/>
+              </a:prstTxWarp>
+            </a:bodyPr>
+            <a:lstStyle/>
+            <a:p>
+              <a:pPr rtl="0"/>
+              <a:endParaRPr lang="de-DE" dirty="0"/>
+            </a:p>
+          </p:txBody>
+        </p:sp>
+      </p:grpSp>
+      <p:sp>
+        <p:nvSpPr>
+          <p:cNvPr id="25" name="Titel 24" hidden="1">
+            <a:extLst>
+              <a:ext uri="{FF2B5EF4-FFF2-40B4-BE49-F238E27FC236}">
+                <a16:creationId xmlns:a16="http://schemas.microsoft.com/office/drawing/2014/main" id="{24922840-A8AD-427F-889C-2B79CACC872F}"/>
+              </a:ext>
+            </a:extLst>
+          </p:cNvPr>
+          <p:cNvSpPr>
+            <a:spLocks noGrp="1"/>
+          </p:cNvSpPr>
+          <p:nvPr>
+            <p:ph type="title"/>
+          </p:nvPr>
+        </p:nvSpPr>
+        <p:spPr/>
+        <p:txBody>
+          <a:bodyPr rtlCol="0"/>
+          <a:lstStyle/>
+          <a:p>
+            <a:r>
+              <a:rPr lang="de-DE" dirty="0"/>
+              <a:t>Personal – Folie10</a:t>
+            </a:r>
+          </a:p>
+        </p:txBody>
+      </p:sp>
+      <p:pic>
+        <p:nvPicPr>
+          <p:cNvPr id="29" name="Grafik 28">
+            <a:extLst>
+              <a:ext uri="{FF2B5EF4-FFF2-40B4-BE49-F238E27FC236}">
+                <a16:creationId xmlns:a16="http://schemas.microsoft.com/office/drawing/2014/main" id="{7AB97BEE-A255-4F56-B023-3E7087112665}"/>
+              </a:ext>
+            </a:extLst>
+          </p:cNvPr>
+          <p:cNvPicPr>
+            <a:picLocks noChangeAspect="1"/>
+          </p:cNvPicPr>
+          <p:nvPr/>
+        </p:nvPicPr>
+        <p:blipFill>
+          <a:blip r:embed="rId3">
+            <a:extLst>
+              <a:ext uri="{28A0092B-C50C-407E-A947-70E740481C1C}">
+                <a14:useLocalDpi xmlns:a14="http://schemas.microsoft.com/office/drawing/2010/main" val="0"/>
+              </a:ext>
+            </a:extLst>
+          </a:blip>
+          <a:stretch>
+            <a:fillRect/>
+          </a:stretch>
+        </p:blipFill>
+        <p:spPr>
+          <a:xfrm>
+            <a:off x="416452" y="74029"/>
+            <a:ext cx="3600663" cy="3600663"/>
+          </a:xfrm>
+          <a:prstGeom prst="rect">
+            <a:avLst/>
+          </a:prstGeom>
+        </p:spPr>
+      </p:pic>
+    </p:spTree>
+    <p:extLst>
+      <p:ext uri="{BB962C8B-B14F-4D97-AF65-F5344CB8AC3E}">
+        <p14:creationId xmlns:p14="http://schemas.microsoft.com/office/powerpoint/2010/main" val="2352568571"/>
+      </p:ext>
+    </p:extLst>
+  </p:cSld>
+  <p:clrMapOvr>
+    <a:masterClrMapping/>
+  </p:clrMapOvr>
+</p:sld>
+</file>
+
 <file path=ppt/slides/slide3.xml><?xml version="1.0" encoding="utf-8"?>
 <p:sld xmlns:a="http://schemas.openxmlformats.org/drawingml/2006/main" xmlns:r="http://schemas.openxmlformats.org/officeDocument/2006/relationships" xmlns:p="http://schemas.openxmlformats.org/presentationml/2006/main">
   <p:cSld>
@@ -19575,7 +21902,7 @@
         <p:spPr>
           <a:xfrm>
             <a:off x="726781" y="2245249"/>
-            <a:ext cx="3499537" cy="1969770"/>
+            <a:ext cx="3499537" cy="1723549"/>
           </a:xfrm>
           <a:prstGeom prst="rect">
             <a:avLst/>
@@ -19614,8 +21941,15 @@
             </a:pPr>
             <a:r>
               <a:rPr lang="de-DE" dirty="0"/>
-              <a:t>Bei Zusammentreffen werden Aufgaben verteilt</a:t>
+              <a:t>Aufgabenverteilung</a:t>
             </a:r>
+          </a:p>
+          <a:p>
+            <a:pPr marL="285750" indent="-285750" rtl="0">
+              <a:buFont typeface="Wingdings" panose="05000000000000000000" pitchFamily="2" charset="2"/>
+              <a:buChar char="v"/>
+            </a:pPr>
+            <a:endParaRPr lang="de-DE" dirty="0"/>
           </a:p>
           <a:p>
             <a:pPr marL="285750" indent="-285750" rtl="0">
@@ -19624,8 +21958,15 @@
             </a:pPr>
             <a:r>
               <a:rPr lang="de-DE" dirty="0"/>
-              <a:t>Jeder bekommt eine Deadline wann die Aufgabe erledigt wird</a:t>
+              <a:t>Deadlines</a:t>
             </a:r>
+          </a:p>
+          <a:p>
+            <a:pPr marL="285750" indent="-285750" rtl="0">
+              <a:buFont typeface="Wingdings" panose="05000000000000000000" pitchFamily="2" charset="2"/>
+              <a:buChar char="v"/>
+            </a:pPr>
+            <a:endParaRPr lang="de-DE" dirty="0"/>
           </a:p>
           <a:p>
             <a:pPr marL="285750" indent="-285750" rtl="0">
@@ -19634,7 +21975,7 @@
             </a:pPr>
             <a:r>
               <a:rPr lang="de-DE" dirty="0"/>
-              <a:t>Im nächsten Zusammentreffen werden die Aufgaben besprochen</a:t>
+              <a:t>Zwischenergebnisse </a:t>
             </a:r>
           </a:p>
         </p:txBody>
@@ -23759,6 +26100,42 @@
           <a:chExt cx="0" cy="0"/>
         </a:xfrm>
       </p:grpSpPr>
+      <p:pic>
+        <p:nvPicPr>
+          <p:cNvPr id="4" name="Grafik 3">
+            <a:extLst>
+              <a:ext uri="{FF2B5EF4-FFF2-40B4-BE49-F238E27FC236}">
+                <a16:creationId xmlns:a16="http://schemas.microsoft.com/office/drawing/2014/main" id="{43CEF335-54BC-4F42-9D28-40D4F17E8BA8}"/>
+              </a:ext>
+            </a:extLst>
+          </p:cNvPr>
+          <p:cNvPicPr>
+            <a:picLocks noChangeAspect="1"/>
+          </p:cNvPicPr>
+          <p:nvPr/>
+        </p:nvPicPr>
+        <p:blipFill>
+          <a:blip r:embed="rId3">
+            <a:extLst>
+              <a:ext uri="{28A0092B-C50C-407E-A947-70E740481C1C}">
+                <a14:useLocalDpi xmlns:a14="http://schemas.microsoft.com/office/drawing/2010/main" val="0"/>
+              </a:ext>
+            </a:extLst>
+          </a:blip>
+          <a:stretch>
+            <a:fillRect/>
+          </a:stretch>
+        </p:blipFill>
+        <p:spPr>
+          <a:xfrm>
+            <a:off x="5721291" y="1975232"/>
+            <a:ext cx="6466797" cy="3079812"/>
+          </a:xfrm>
+          <a:prstGeom prst="rect">
+            <a:avLst/>
+          </a:prstGeom>
+        </p:spPr>
+      </p:pic>
       <p:sp>
         <p:nvSpPr>
           <p:cNvPr id="3" name="Textfeld 2">
@@ -23811,35 +26188,6 @@
           </a:p>
         </p:txBody>
       </p:sp>
-      <p:pic>
-        <p:nvPicPr>
-          <p:cNvPr id="163" name="Bild 162" descr="Dieses Bild zeigt zwei Paar Hände, die Puzzleteile zusammenfügen. ">
-            <a:extLst>
-              <a:ext uri="{FF2B5EF4-FFF2-40B4-BE49-F238E27FC236}">
-                <a16:creationId xmlns:a16="http://schemas.microsoft.com/office/drawing/2014/main" id="{AB835B29-19DB-41C9-9C29-FB52358C44C7}"/>
-              </a:ext>
-            </a:extLst>
-          </p:cNvPr>
-          <p:cNvPicPr>
-            <a:picLocks noChangeAspect="1"/>
-          </p:cNvPicPr>
-          <p:nvPr/>
-        </p:nvPicPr>
-        <p:blipFill rotWithShape="1">
-          <a:blip r:embed="rId3"/>
-          <a:srcRect r="15224"/>
-          <a:stretch/>
-        </p:blipFill>
-        <p:spPr>
-          <a:xfrm>
-            <a:off x="7548019" y="0"/>
-            <a:ext cx="4643982" cy="6858000"/>
-          </a:xfrm>
-          <a:prstGeom prst="rect">
-            <a:avLst/>
-          </a:prstGeom>
-        </p:spPr>
-      </p:pic>
       <p:sp>
         <p:nvSpPr>
           <p:cNvPr id="53" name="Titel 52" hidden="1">
@@ -23868,42 +26216,12 @@
           </a:p>
         </p:txBody>
       </p:sp>
-    </p:spTree>
-    <p:extLst>
-      <p:ext uri="{BB962C8B-B14F-4D97-AF65-F5344CB8AC3E}">
-        <p14:creationId xmlns:p14="http://schemas.microsoft.com/office/powerpoint/2010/main" val="2567077349"/>
-      </p:ext>
-    </p:extLst>
-  </p:cSld>
-  <p:clrMapOvr>
-    <a:masterClrMapping/>
-  </p:clrMapOvr>
-</p:sld>
-</file>
-
-<file path=ppt/slides/slide8.xml><?xml version="1.0" encoding="utf-8"?>
-<p:sld xmlns:a="http://schemas.openxmlformats.org/drawingml/2006/main" xmlns:r="http://schemas.openxmlformats.org/officeDocument/2006/relationships" xmlns:p="http://schemas.openxmlformats.org/presentationml/2006/main">
-  <p:cSld>
-    <p:spTree>
-      <p:nvGrpSpPr>
-        <p:cNvPr id="1" name=""/>
-        <p:cNvGrpSpPr/>
-        <p:nvPr/>
-      </p:nvGrpSpPr>
-      <p:grpSpPr>
-        <a:xfrm>
-          <a:off x="0" y="0"/>
-          <a:ext cx="0" cy="0"/>
-          <a:chOff x="0" y="0"/>
-          <a:chExt cx="0" cy="0"/>
-        </a:xfrm>
-      </p:grpSpPr>
       <p:sp>
         <p:nvSpPr>
-          <p:cNvPr id="2" name="Textfeld 1">
+          <p:cNvPr id="5" name="Textfeld 4">
             <a:extLst>
               <a:ext uri="{FF2B5EF4-FFF2-40B4-BE49-F238E27FC236}">
-                <a16:creationId xmlns:a16="http://schemas.microsoft.com/office/drawing/2014/main" id="{CF3ECDF0-20E4-42EB-A939-E751FFB8EB9E}"/>
+                <a16:creationId xmlns:a16="http://schemas.microsoft.com/office/drawing/2014/main" id="{7021A82F-D4EE-4E8F-B57D-3B61DC7CD337}"/>
               </a:ext>
             </a:extLst>
           </p:cNvPr>
@@ -23940,19 +26258,121 @@
           <a:p>
             <a:pPr rtl="0"/>
             <a:r>
-              <a:rPr lang="de-DE" i="0" dirty="0"/>
-              <a:t>Worauf kommt es an?</a:t>
+              <a:rPr lang="de-DE" dirty="0"/>
+              <a:t>Unsere Haupt-Use-Cases</a:t>
             </a:r>
-            <a:endParaRPr lang="de-DE" dirty="0"/>
           </a:p>
         </p:txBody>
       </p:sp>
+      <p:pic>
+        <p:nvPicPr>
+          <p:cNvPr id="7" name="Grafik 6">
+            <a:extLst>
+              <a:ext uri="{FF2B5EF4-FFF2-40B4-BE49-F238E27FC236}">
+                <a16:creationId xmlns:a16="http://schemas.microsoft.com/office/drawing/2014/main" id="{AF2BC5A9-D110-4090-BF88-3A15B8906A6F}"/>
+              </a:ext>
+            </a:extLst>
+          </p:cNvPr>
+          <p:cNvPicPr>
+            <a:picLocks noChangeAspect="1"/>
+          </p:cNvPicPr>
+          <p:nvPr/>
+        </p:nvPicPr>
+        <p:blipFill>
+          <a:blip r:embed="rId4">
+            <a:extLst>
+              <a:ext uri="{28A0092B-C50C-407E-A947-70E740481C1C}">
+                <a14:useLocalDpi xmlns:a14="http://schemas.microsoft.com/office/drawing/2010/main" val="0"/>
+              </a:ext>
+            </a:extLst>
+          </a:blip>
+          <a:stretch>
+            <a:fillRect/>
+          </a:stretch>
+        </p:blipFill>
+        <p:spPr>
+          <a:xfrm>
+            <a:off x="0" y="1871002"/>
+            <a:ext cx="5864169" cy="3115996"/>
+          </a:xfrm>
+          <a:prstGeom prst="rect">
+            <a:avLst/>
+          </a:prstGeom>
+        </p:spPr>
+      </p:pic>
+    </p:spTree>
+    <p:extLst>
+      <p:ext uri="{BB962C8B-B14F-4D97-AF65-F5344CB8AC3E}">
+        <p14:creationId xmlns:p14="http://schemas.microsoft.com/office/powerpoint/2010/main" val="2567077349"/>
+      </p:ext>
+    </p:extLst>
+  </p:cSld>
+  <p:clrMapOvr>
+    <a:masterClrMapping/>
+  </p:clrMapOvr>
+</p:sld>
+</file>
+
+<file path=ppt/slides/slide8.xml><?xml version="1.0" encoding="utf-8"?>
+<p:sld xmlns:a="http://schemas.openxmlformats.org/drawingml/2006/main" xmlns:r="http://schemas.openxmlformats.org/officeDocument/2006/relationships" xmlns:p="http://schemas.openxmlformats.org/presentationml/2006/main">
+  <p:cSld>
+    <p:spTree>
+      <p:nvGrpSpPr>
+        <p:cNvPr id="1" name=""/>
+        <p:cNvGrpSpPr/>
+        <p:nvPr/>
+      </p:nvGrpSpPr>
+      <p:grpSpPr>
+        <a:xfrm>
+          <a:off x="0" y="0"/>
+          <a:ext cx="0" cy="0"/>
+          <a:chOff x="0" y="0"/>
+          <a:chExt cx="0" cy="0"/>
+        </a:xfrm>
+      </p:grpSpPr>
+      <p:pic>
+        <p:nvPicPr>
+          <p:cNvPr id="2" name="Grafik 1">
+            <a:extLst>
+              <a:ext uri="{FF2B5EF4-FFF2-40B4-BE49-F238E27FC236}">
+                <a16:creationId xmlns:a16="http://schemas.microsoft.com/office/drawing/2014/main" id="{50E47047-9F68-4C49-961F-AFCE82E2BE45}"/>
+              </a:ext>
+            </a:extLst>
+          </p:cNvPr>
+          <p:cNvPicPr>
+            <a:picLocks noChangeAspect="1"/>
+          </p:cNvPicPr>
+          <p:nvPr/>
+        </p:nvPicPr>
+        <p:blipFill>
+          <a:blip r:embed="rId2">
+            <a:extLst>
+              <a:ext uri="{28A0092B-C50C-407E-A947-70E740481C1C}">
+                <a14:useLocalDpi xmlns:a14="http://schemas.microsoft.com/office/drawing/2010/main" val="0"/>
+              </a:ext>
+            </a:extLst>
+          </a:blip>
+          <a:stretch>
+            <a:fillRect/>
+          </a:stretch>
+        </p:blipFill>
+        <p:spPr>
+          <a:xfrm>
+            <a:off x="2677048" y="273553"/>
+            <a:ext cx="8029814" cy="6584447"/>
+          </a:xfrm>
+          <a:prstGeom prst="rect">
+            <a:avLst/>
+          </a:prstGeom>
+          <a:noFill/>
+        </p:spPr>
+      </p:pic>
       <p:sp>
         <p:nvSpPr>
           <p:cNvPr id="3" name="Textfeld 2">
             <a:extLst>
               <a:ext uri="{FF2B5EF4-FFF2-40B4-BE49-F238E27FC236}">
-                <a16:creationId xmlns:a16="http://schemas.microsoft.com/office/drawing/2014/main" id="{CE6AF7FE-5978-4B5F-90E1-044AC25EC230}"/>
+                <a16:creationId xmlns:a16="http://schemas.microsoft.com/office/drawing/2014/main" id="{58764418-149F-4108-AB7B-36FB45B2ABF9}"/>
               </a:ext>
             </a:extLst>
           </p:cNvPr>
@@ -23994,162 +26414,7 @@
             <a:pPr rtl="0"/>
             <a:r>
               <a:rPr lang="de-DE" sz="3200" dirty="0"/>
-              <a:t>Use-Case-Spezifikationen</a:t>
-            </a:r>
-          </a:p>
-        </p:txBody>
-      </p:sp>
-      <p:sp>
-        <p:nvSpPr>
-          <p:cNvPr id="5" name="Textfeld 4">
-            <a:extLst>
-              <a:ext uri="{FF2B5EF4-FFF2-40B4-BE49-F238E27FC236}">
-                <a16:creationId xmlns:a16="http://schemas.microsoft.com/office/drawing/2014/main" id="{11FEAF3D-6FC9-46CB-B4A4-9B8CA760AE20}"/>
-              </a:ext>
-            </a:extLst>
-          </p:cNvPr>
-          <p:cNvSpPr txBox="1"/>
-          <p:nvPr/>
-        </p:nvSpPr>
-        <p:spPr>
-          <a:xfrm>
-            <a:off x="726781" y="2274346"/>
-            <a:ext cx="5369219" cy="1631216"/>
-          </a:xfrm>
-          <a:prstGeom prst="rect">
-            <a:avLst/>
-          </a:prstGeom>
-        </p:spPr>
-        <p:txBody>
-          <a:bodyPr wrap="square" lIns="0" tIns="0" rIns="0" bIns="0" rtlCol="0">
-            <a:spAutoFit/>
-          </a:bodyPr>
-          <a:lstStyle>
-            <a:defPPr>
-              <a:defRPr lang="en-US"/>
-            </a:defPPr>
-            <a:lvl1pPr>
-              <a:defRPr sz="1600" i="1">
-                <a:solidFill>
-                  <a:srgbClr val="002060"/>
-                </a:solidFill>
-                <a:latin typeface="+mj-lt"/>
-                <a:cs typeface="Segoe UI" panose="020B0502040204020203" pitchFamily="34" charset="0"/>
-              </a:defRPr>
-            </a:lvl1pPr>
-          </a:lstStyle>
-          <a:p>
-            <a:pPr marL="285750" indent="-285750" rtl="0">
-              <a:buFont typeface="Wingdings" panose="05000000000000000000" pitchFamily="2" charset="2"/>
-              <a:buChar char="v"/>
-            </a:pPr>
-            <a:r>
-              <a:rPr lang="de-DE" i="0" dirty="0"/>
-              <a:t>In vier Bereiche aufgeteilt:</a:t>
-            </a:r>
-          </a:p>
-          <a:p>
-            <a:pPr marL="742950" lvl="1" indent="-285750">
-              <a:buFont typeface="Wingdings" panose="05000000000000000000" pitchFamily="2" charset="2"/>
-              <a:buChar char="v"/>
-            </a:pPr>
-            <a:r>
-              <a:rPr lang="de-DE" dirty="0"/>
-              <a:t>Produkt suchen &amp; anzeigen</a:t>
-            </a:r>
-          </a:p>
-          <a:p>
-            <a:pPr marL="742950" lvl="1" indent="-285750">
-              <a:buFont typeface="Wingdings" panose="05000000000000000000" pitchFamily="2" charset="2"/>
-              <a:buChar char="v"/>
-            </a:pPr>
-            <a:r>
-              <a:rPr lang="de-DE" dirty="0"/>
-              <a:t>Änderungen am Produkt &amp; an der Filiale</a:t>
-            </a:r>
-          </a:p>
-          <a:p>
-            <a:pPr marL="742950" lvl="1" indent="-285750">
-              <a:buFont typeface="Wingdings" panose="05000000000000000000" pitchFamily="2" charset="2"/>
-              <a:buChar char="v"/>
-            </a:pPr>
-            <a:r>
-              <a:rPr lang="de-DE" dirty="0"/>
-              <a:t>Anmeldung</a:t>
-            </a:r>
-          </a:p>
-          <a:p>
-            <a:pPr marL="742950" lvl="1" indent="-285750">
-              <a:buFont typeface="Wingdings" panose="05000000000000000000" pitchFamily="2" charset="2"/>
-              <a:buChar char="v"/>
-            </a:pPr>
-            <a:r>
-              <a:rPr lang="de-DE" dirty="0"/>
-              <a:t>Sonstige Features</a:t>
-            </a:r>
-          </a:p>
-          <a:p>
-            <a:pPr marL="742950" lvl="1" indent="-285750">
-              <a:buFont typeface="Wingdings" panose="05000000000000000000" pitchFamily="2" charset="2"/>
-              <a:buChar char="v"/>
-            </a:pPr>
-            <a:endParaRPr lang="de-DE" dirty="0"/>
-          </a:p>
-        </p:txBody>
-      </p:sp>
-      <p:pic>
-        <p:nvPicPr>
-          <p:cNvPr id="163" name="Bild 162" descr="Dieses Bild zeigt zwei Paar Hände, die Puzzleteile zusammenfügen. ">
-            <a:extLst>
-              <a:ext uri="{FF2B5EF4-FFF2-40B4-BE49-F238E27FC236}">
-                <a16:creationId xmlns:a16="http://schemas.microsoft.com/office/drawing/2014/main" id="{AB835B29-19DB-41C9-9C29-FB52358C44C7}"/>
-              </a:ext>
-            </a:extLst>
-          </p:cNvPr>
-          <p:cNvPicPr>
-            <a:picLocks noChangeAspect="1"/>
-          </p:cNvPicPr>
-          <p:nvPr/>
-        </p:nvPicPr>
-        <p:blipFill rotWithShape="1">
-          <a:blip r:embed="rId3"/>
-          <a:srcRect r="15224"/>
-          <a:stretch/>
-        </p:blipFill>
-        <p:spPr>
-          <a:xfrm>
-            <a:off x="7548019" y="0"/>
-            <a:ext cx="4643982" cy="6858000"/>
-          </a:xfrm>
-          <a:prstGeom prst="rect">
-            <a:avLst/>
-          </a:prstGeom>
-        </p:spPr>
-      </p:pic>
-      <p:sp>
-        <p:nvSpPr>
-          <p:cNvPr id="53" name="Titel 52" hidden="1">
-            <a:extLst>
-              <a:ext uri="{FF2B5EF4-FFF2-40B4-BE49-F238E27FC236}">
-                <a16:creationId xmlns:a16="http://schemas.microsoft.com/office/drawing/2014/main" id="{6BCAF586-A14B-4A3B-A249-655ADDBB3A4C}"/>
-              </a:ext>
-            </a:extLst>
-          </p:cNvPr>
-          <p:cNvSpPr>
-            <a:spLocks noGrp="1"/>
-          </p:cNvSpPr>
-          <p:nvPr>
-            <p:ph type="title"/>
-          </p:nvPr>
-        </p:nvSpPr>
-        <p:spPr/>
-        <p:txBody>
-          <a:bodyPr rtlCol="0"/>
-          <a:lstStyle/>
-          <a:p>
-            <a:r>
-              <a:rPr lang="de-DE" dirty="0"/>
-              <a:t>Personal – Folie8</a:t>
+              <a:t>Übersicht</a:t>
             </a:r>
           </a:p>
         </p:txBody>
@@ -24157,7 +26422,7 @@
     </p:spTree>
     <p:extLst>
       <p:ext uri="{BB962C8B-B14F-4D97-AF65-F5344CB8AC3E}">
-        <p14:creationId xmlns:p14="http://schemas.microsoft.com/office/powerpoint/2010/main" val="2225384833"/>
+        <p14:creationId xmlns:p14="http://schemas.microsoft.com/office/powerpoint/2010/main" val="2809866876"/>
       </p:ext>
     </p:extLst>
   </p:cSld>
@@ -24227,7 +26492,7 @@
             <a:pPr rtl="0"/>
             <a:r>
               <a:rPr lang="de-DE" i="0" dirty="0"/>
-              <a:t>Produkt suchen &amp; anzeigen</a:t>
+              <a:t>Worauf kommt es an?</a:t>
             </a:r>
             <a:endParaRPr lang="de-DE" dirty="0"/>
           </a:p>
@@ -24299,8 +26564,8 @@
         </p:nvSpPr>
         <p:spPr>
           <a:xfrm>
-            <a:off x="726781" y="1600866"/>
-            <a:ext cx="5369219" cy="2862322"/>
+            <a:off x="726781" y="1578059"/>
+            <a:ext cx="5369219" cy="2846933"/>
           </a:xfrm>
           <a:prstGeom prst="rect">
             <a:avLst/>
@@ -24325,94 +26590,85 @@
             </a:lvl1pPr>
           </a:lstStyle>
           <a:p>
-            <a:pPr marL="285750" indent="-285750">
+            <a:pPr marL="285750" indent="-285750" rtl="0">
+              <a:buFont typeface="Wingdings" panose="05000000000000000000" pitchFamily="2" charset="2"/>
+              <a:buChar char="v"/>
+            </a:pPr>
+            <a:r>
+              <a:rPr lang="de-DE" i="0" dirty="0"/>
+              <a:t>In vier Bereiche aufgeteilt:</a:t>
+            </a:r>
+          </a:p>
+          <a:p>
+            <a:pPr rtl="0"/>
+            <a:endParaRPr lang="de-DE" i="0" dirty="0"/>
+          </a:p>
+          <a:p>
+            <a:pPr marL="742950" lvl="1" indent="-285750">
+              <a:lnSpc>
+                <a:spcPct val="150000"/>
+              </a:lnSpc>
               <a:buFont typeface="Wingdings" panose="05000000000000000000" pitchFamily="2" charset="2"/>
               <a:buChar char="v"/>
             </a:pPr>
             <a:r>
               <a:rPr lang="de-DE" dirty="0"/>
-              <a:t>User soll durch die Suchleiste ein Produkt finden</a:t>
+              <a:t>Produkt suchen &amp; anzeigen</a:t>
             </a:r>
           </a:p>
           <a:p>
-            <a:pPr marL="285750" indent="-285750">
+            <a:pPr marL="742950" lvl="1" indent="-285750">
+              <a:lnSpc>
+                <a:spcPct val="150000"/>
+              </a:lnSpc>
               <a:buFont typeface="Wingdings" panose="05000000000000000000" pitchFamily="2" charset="2"/>
               <a:buChar char="v"/>
             </a:pPr>
             <a:r>
               <a:rPr lang="de-DE" dirty="0"/>
-              <a:t>Dem User sollen Informationen vom Produkt dargestellt werden:</a:t>
+              <a:t>Änderungen am Produkt &amp; an der Filiale</a:t>
             </a:r>
           </a:p>
           <a:p>
             <a:pPr marL="742950" lvl="1" indent="-285750">
+              <a:lnSpc>
+                <a:spcPct val="150000"/>
+              </a:lnSpc>
               <a:buFont typeface="Wingdings" panose="05000000000000000000" pitchFamily="2" charset="2"/>
               <a:buChar char="v"/>
             </a:pPr>
             <a:r>
               <a:rPr lang="de-DE" dirty="0"/>
-              <a:t>Verfügbarkeit</a:t>
+              <a:t>Anmeldung</a:t>
             </a:r>
           </a:p>
           <a:p>
             <a:pPr marL="742950" lvl="1" indent="-285750">
+              <a:lnSpc>
+                <a:spcPct val="150000"/>
+              </a:lnSpc>
               <a:buFont typeface="Wingdings" panose="05000000000000000000" pitchFamily="2" charset="2"/>
               <a:buChar char="v"/>
             </a:pPr>
             <a:r>
               <a:rPr lang="de-DE" dirty="0"/>
-              <a:t>Standort</a:t>
+              <a:t>Sonstige Features</a:t>
             </a:r>
+          </a:p>
+          <a:p>
+            <a:pPr lvl="1">
+              <a:lnSpc>
+                <a:spcPct val="150000"/>
+              </a:lnSpc>
+            </a:pPr>
+            <a:endParaRPr lang="de-DE" dirty="0"/>
           </a:p>
           <a:p>
             <a:pPr marL="742950" lvl="1" indent="-285750">
               <a:buFont typeface="Wingdings" panose="05000000000000000000" pitchFamily="2" charset="2"/>
               <a:buChar char="v"/>
             </a:pPr>
-            <a:r>
-              <a:rPr lang="de-DE" dirty="0"/>
-              <a:t>Standort in der Filiale</a:t>
-            </a:r>
-          </a:p>
-          <a:p>
-            <a:pPr marL="742950" lvl="1" indent="-285750">
-              <a:buFont typeface="Wingdings" panose="05000000000000000000" pitchFamily="2" charset="2"/>
-              <a:buChar char="v"/>
-            </a:pPr>
-            <a:r>
-              <a:rPr lang="de-DE" dirty="0"/>
-              <a:t>Preis</a:t>
-            </a:r>
-          </a:p>
-          <a:p>
-            <a:pPr marL="742950" lvl="1" indent="-285750">
-              <a:buFont typeface="Wingdings" panose="05000000000000000000" pitchFamily="2" charset="2"/>
-              <a:buChar char="v"/>
-            </a:pPr>
-            <a:r>
-              <a:rPr lang="de-DE" dirty="0"/>
-              <a:t>Marke</a:t>
-            </a:r>
-          </a:p>
-          <a:p>
-            <a:pPr marL="285750" indent="-285750">
-              <a:buFont typeface="Wingdings" panose="05000000000000000000" pitchFamily="2" charset="2"/>
-              <a:buChar char="v"/>
-            </a:pPr>
-            <a:r>
-              <a:rPr lang="de-DE" dirty="0"/>
-              <a:t>Akteure sind der User, das IT-System und bei Abfrage des Standorts Google Maps</a:t>
-            </a:r>
-          </a:p>
-          <a:p>
-            <a:pPr marL="285750" indent="-285750">
-              <a:buFont typeface="Wingdings" panose="05000000000000000000" pitchFamily="2" charset="2"/>
-              <a:buChar char="v"/>
-            </a:pPr>
-            <a:r>
-              <a:rPr lang="de-DE" dirty="0"/>
-              <a:t>Bedingung dabei ist, dass das Produkt im Sortiment ist</a:t>
-            </a:r>
+            <a:endParaRPr lang="de-DE" dirty="0"/>
           </a:p>
         </p:txBody>
       </p:sp>
@@ -24476,7 +26732,7 @@
     </p:spTree>
     <p:extLst>
       <p:ext uri="{BB962C8B-B14F-4D97-AF65-F5344CB8AC3E}">
-        <p14:creationId xmlns:p14="http://schemas.microsoft.com/office/powerpoint/2010/main" val="2910939862"/>
+        <p14:creationId xmlns:p14="http://schemas.microsoft.com/office/powerpoint/2010/main" val="2225384833"/>
       </p:ext>
     </p:extLst>
   </p:cSld>
